--- a/0_Projektorga/Strukturanalyse_Mechatronik_Aufbau.pptx
+++ b/0_Projektorga/Strukturanalyse_Mechatronik_Aufbau.pptx
@@ -2,7 +2,7 @@
 <file path=ppt/presentation.xml><?xml version="1.0" encoding="utf-8"?>
 <p:presentation xmlns:a="http://schemas.openxmlformats.org/drawingml/2006/main" xmlns:r="http://schemas.openxmlformats.org/officeDocument/2006/relationships" xmlns:p="http://schemas.openxmlformats.org/presentationml/2006/main" saveSubsetFonts="1">
   <p:sldMasterIdLst>
-    <p:sldMasterId id="2147483648" r:id="rId1"/>
+    <p:sldMasterId id="2147483708" r:id="rId1"/>
   </p:sldMasterIdLst>
   <p:sldIdLst>
     <p:sldId id="256" r:id="rId2"/>
@@ -11,13 +11,13 @@
     <p:sldId id="259" r:id="rId5"/>
     <p:sldId id="260" r:id="rId6"/>
   </p:sldIdLst>
-  <p:sldSz cx="12192000" cy="6858000"/>
+  <p:sldSz cx="12192000" cy="6119813"/>
   <p:notesSz cx="6858000" cy="9144000"/>
   <p:defaultTextStyle>
     <a:defPPr>
-      <a:defRPr lang="de-DE"/>
+      <a:defRPr lang="en-US"/>
     </a:defPPr>
-    <a:lvl1pPr marL="0" algn="l" defTabSz="914400" rtl="0" eaLnBrk="1" latinLnBrk="0" hangingPunct="1">
+    <a:lvl1pPr marL="0" algn="l" defTabSz="457200" rtl="0" eaLnBrk="1" latinLnBrk="0" hangingPunct="1">
       <a:defRPr sz="1800" kern="1200">
         <a:solidFill>
           <a:schemeClr val="tx1"/>
@@ -27,7 +27,7 @@
         <a:cs typeface="+mn-cs"/>
       </a:defRPr>
     </a:lvl1pPr>
-    <a:lvl2pPr marL="457200" algn="l" defTabSz="914400" rtl="0" eaLnBrk="1" latinLnBrk="0" hangingPunct="1">
+    <a:lvl2pPr marL="457200" algn="l" defTabSz="457200" rtl="0" eaLnBrk="1" latinLnBrk="0" hangingPunct="1">
       <a:defRPr sz="1800" kern="1200">
         <a:solidFill>
           <a:schemeClr val="tx1"/>
@@ -37,7 +37,7 @@
         <a:cs typeface="+mn-cs"/>
       </a:defRPr>
     </a:lvl2pPr>
-    <a:lvl3pPr marL="914400" algn="l" defTabSz="914400" rtl="0" eaLnBrk="1" latinLnBrk="0" hangingPunct="1">
+    <a:lvl3pPr marL="914400" algn="l" defTabSz="457200" rtl="0" eaLnBrk="1" latinLnBrk="0" hangingPunct="1">
       <a:defRPr sz="1800" kern="1200">
         <a:solidFill>
           <a:schemeClr val="tx1"/>
@@ -47,7 +47,7 @@
         <a:cs typeface="+mn-cs"/>
       </a:defRPr>
     </a:lvl3pPr>
-    <a:lvl4pPr marL="1371600" algn="l" defTabSz="914400" rtl="0" eaLnBrk="1" latinLnBrk="0" hangingPunct="1">
+    <a:lvl4pPr marL="1371600" algn="l" defTabSz="457200" rtl="0" eaLnBrk="1" latinLnBrk="0" hangingPunct="1">
       <a:defRPr sz="1800" kern="1200">
         <a:solidFill>
           <a:schemeClr val="tx1"/>
@@ -57,7 +57,7 @@
         <a:cs typeface="+mn-cs"/>
       </a:defRPr>
     </a:lvl4pPr>
-    <a:lvl5pPr marL="1828800" algn="l" defTabSz="914400" rtl="0" eaLnBrk="1" latinLnBrk="0" hangingPunct="1">
+    <a:lvl5pPr marL="1828800" algn="l" defTabSz="457200" rtl="0" eaLnBrk="1" latinLnBrk="0" hangingPunct="1">
       <a:defRPr sz="1800" kern="1200">
         <a:solidFill>
           <a:schemeClr val="tx1"/>
@@ -67,7 +67,7 @@
         <a:cs typeface="+mn-cs"/>
       </a:defRPr>
     </a:lvl5pPr>
-    <a:lvl6pPr marL="2286000" algn="l" defTabSz="914400" rtl="0" eaLnBrk="1" latinLnBrk="0" hangingPunct="1">
+    <a:lvl6pPr marL="2286000" algn="l" defTabSz="457200" rtl="0" eaLnBrk="1" latinLnBrk="0" hangingPunct="1">
       <a:defRPr sz="1800" kern="1200">
         <a:solidFill>
           <a:schemeClr val="tx1"/>
@@ -77,7 +77,7 @@
         <a:cs typeface="+mn-cs"/>
       </a:defRPr>
     </a:lvl6pPr>
-    <a:lvl7pPr marL="2743200" algn="l" defTabSz="914400" rtl="0" eaLnBrk="1" latinLnBrk="0" hangingPunct="1">
+    <a:lvl7pPr marL="2743200" algn="l" defTabSz="457200" rtl="0" eaLnBrk="1" latinLnBrk="0" hangingPunct="1">
       <a:defRPr sz="1800" kern="1200">
         <a:solidFill>
           <a:schemeClr val="tx1"/>
@@ -87,7 +87,7 @@
         <a:cs typeface="+mn-cs"/>
       </a:defRPr>
     </a:lvl7pPr>
-    <a:lvl8pPr marL="3200400" algn="l" defTabSz="914400" rtl="0" eaLnBrk="1" latinLnBrk="0" hangingPunct="1">
+    <a:lvl8pPr marL="3200400" algn="l" defTabSz="457200" rtl="0" eaLnBrk="1" latinLnBrk="0" hangingPunct="1">
       <a:defRPr sz="1800" kern="1200">
         <a:solidFill>
           <a:schemeClr val="tx1"/>
@@ -97,7 +97,7 @@
         <a:cs typeface="+mn-cs"/>
       </a:defRPr>
     </a:lvl8pPr>
-    <a:lvl9pPr marL="3657600" algn="l" defTabSz="914400" rtl="0" eaLnBrk="1" latinLnBrk="0" hangingPunct="1">
+    <a:lvl9pPr marL="3657600" algn="l" defTabSz="457200" rtl="0" eaLnBrk="1" latinLnBrk="0" hangingPunct="1">
       <a:defRPr sz="1800" kern="1200">
         <a:solidFill>
           <a:schemeClr val="tx1"/>
@@ -1955,158 +1955,150 @@
 </file>
 
 <file path=ppt/diagrams/colors3.xml><?xml version="1.0" encoding="utf-8"?>
-<dgm:colorsDef xmlns:dgm="http://schemas.openxmlformats.org/drawingml/2006/diagram" xmlns:a="http://schemas.openxmlformats.org/drawingml/2006/main" uniqueId="urn:microsoft.com/office/officeart/2005/8/colors/colorful1">
+<dgm:colorsDef xmlns:dgm="http://schemas.openxmlformats.org/drawingml/2006/diagram" xmlns:a="http://schemas.openxmlformats.org/drawingml/2006/main" uniqueId="urn:microsoft.com/office/officeart/2005/8/colors/accent0_1">
   <dgm:title val=""/>
   <dgm:desc val=""/>
   <dgm:catLst>
-    <dgm:cat type="colorful" pri="10100"/>
+    <dgm:cat type="mainScheme" pri="10100"/>
   </dgm:catLst>
   <dgm:styleLbl name="node0">
     <dgm:fillClrLst meth="repeat">
-      <a:schemeClr val="accent1"/>
+      <a:schemeClr val="lt1"/>
     </dgm:fillClrLst>
     <dgm:linClrLst meth="repeat">
+      <a:schemeClr val="dk1">
+        <a:shade val="80000"/>
+      </a:schemeClr>
+    </dgm:linClrLst>
+    <dgm:effectClrLst/>
+    <dgm:txLinClrLst/>
+    <dgm:txFillClrLst meth="repeat">
+      <a:schemeClr val="dk1"/>
+    </dgm:txFillClrLst>
+    <dgm:txEffectClrLst/>
+  </dgm:styleLbl>
+  <dgm:styleLbl name="node1">
+    <dgm:fillClrLst meth="repeat">
       <a:schemeClr val="lt1"/>
+    </dgm:fillClrLst>
+    <dgm:linClrLst meth="repeat">
+      <a:schemeClr val="dk1">
+        <a:shade val="80000"/>
+      </a:schemeClr>
+    </dgm:linClrLst>
+    <dgm:effectClrLst/>
+    <dgm:txLinClrLst/>
+    <dgm:txFillClrLst meth="repeat">
+      <a:schemeClr val="dk1"/>
+    </dgm:txFillClrLst>
+    <dgm:txEffectClrLst/>
+  </dgm:styleLbl>
+  <dgm:styleLbl name="alignNode1">
+    <dgm:fillClrLst meth="repeat">
+      <a:schemeClr val="lt1"/>
+    </dgm:fillClrLst>
+    <dgm:linClrLst meth="repeat">
+      <a:schemeClr val="dk1">
+        <a:shade val="80000"/>
+      </a:schemeClr>
+    </dgm:linClrLst>
+    <dgm:effectClrLst/>
+    <dgm:txLinClrLst/>
+    <dgm:txFillClrLst meth="repeat">
+      <a:schemeClr val="dk1"/>
+    </dgm:txFillClrLst>
+    <dgm:txEffectClrLst/>
+  </dgm:styleLbl>
+  <dgm:styleLbl name="lnNode1">
+    <dgm:fillClrLst meth="repeat">
+      <a:schemeClr val="lt1"/>
+    </dgm:fillClrLst>
+    <dgm:linClrLst meth="repeat">
+      <a:schemeClr val="dk1">
+        <a:shade val="80000"/>
+      </a:schemeClr>
+    </dgm:linClrLst>
+    <dgm:effectClrLst/>
+    <dgm:txLinClrLst/>
+    <dgm:txFillClrLst meth="repeat">
+      <a:schemeClr val="dk1"/>
+    </dgm:txFillClrLst>
+    <dgm:txEffectClrLst/>
+  </dgm:styleLbl>
+  <dgm:styleLbl name="vennNode1">
+    <dgm:fillClrLst meth="repeat">
+      <a:schemeClr val="lt1">
+        <a:alpha val="50000"/>
+      </a:schemeClr>
+    </dgm:fillClrLst>
+    <dgm:linClrLst meth="repeat">
+      <a:schemeClr val="dk1">
+        <a:shade val="80000"/>
+      </a:schemeClr>
     </dgm:linClrLst>
     <dgm:effectClrLst/>
     <dgm:txLinClrLst/>
     <dgm:txFillClrLst/>
     <dgm:txEffectClrLst/>
   </dgm:styleLbl>
-  <dgm:styleLbl name="node1">
+  <dgm:styleLbl name="node2">
     <dgm:fillClrLst meth="repeat">
-      <a:schemeClr val="accent2"/>
-      <a:schemeClr val="accent3"/>
-      <a:schemeClr val="accent4"/>
-      <a:schemeClr val="accent5"/>
-      <a:schemeClr val="accent6"/>
+      <a:schemeClr val="lt1"/>
     </dgm:fillClrLst>
     <dgm:linClrLst meth="repeat">
-      <a:schemeClr val="lt1"/>
+      <a:schemeClr val="dk1">
+        <a:shade val="80000"/>
+      </a:schemeClr>
     </dgm:linClrLst>
     <dgm:effectClrLst/>
     <dgm:txLinClrLst/>
-    <dgm:txFillClrLst/>
+    <dgm:txFillClrLst meth="repeat">
+      <a:schemeClr val="dk1"/>
+    </dgm:txFillClrLst>
     <dgm:txEffectClrLst/>
   </dgm:styleLbl>
-  <dgm:styleLbl name="alignNode1">
+  <dgm:styleLbl name="node3">
     <dgm:fillClrLst meth="repeat">
-      <a:schemeClr val="accent2"/>
-      <a:schemeClr val="accent3"/>
-      <a:schemeClr val="accent4"/>
-      <a:schemeClr val="accent5"/>
-      <a:schemeClr val="accent6"/>
+      <a:schemeClr val="lt1"/>
     </dgm:fillClrLst>
     <dgm:linClrLst meth="repeat">
-      <a:schemeClr val="accent2"/>
-      <a:schemeClr val="accent3"/>
-      <a:schemeClr val="accent4"/>
-      <a:schemeClr val="accent5"/>
-      <a:schemeClr val="accent6"/>
+      <a:schemeClr val="dk1">
+        <a:shade val="80000"/>
+      </a:schemeClr>
     </dgm:linClrLst>
     <dgm:effectClrLst/>
     <dgm:txLinClrLst/>
-    <dgm:txFillClrLst/>
+    <dgm:txFillClrLst meth="repeat">
+      <a:schemeClr val="dk1"/>
+    </dgm:txFillClrLst>
     <dgm:txEffectClrLst/>
   </dgm:styleLbl>
-  <dgm:styleLbl name="lnNode1">
+  <dgm:styleLbl name="node4">
     <dgm:fillClrLst meth="repeat">
-      <a:schemeClr val="accent2"/>
-      <a:schemeClr val="accent3"/>
-      <a:schemeClr val="accent4"/>
-      <a:schemeClr val="accent5"/>
-      <a:schemeClr val="accent6"/>
+      <a:schemeClr val="lt1"/>
     </dgm:fillClrLst>
     <dgm:linClrLst meth="repeat">
-      <a:schemeClr val="lt1"/>
+      <a:schemeClr val="dk1">
+        <a:shade val="80000"/>
+      </a:schemeClr>
     </dgm:linClrLst>
     <dgm:effectClrLst/>
     <dgm:txLinClrLst/>
-    <dgm:txFillClrLst/>
+    <dgm:txFillClrLst meth="repeat">
+      <a:schemeClr val="dk1"/>
+    </dgm:txFillClrLst>
     <dgm:txEffectClrLst/>
   </dgm:styleLbl>
-  <dgm:styleLbl name="vennNode1">
+  <dgm:styleLbl name="fgImgPlace1">
     <dgm:fillClrLst meth="repeat">
-      <a:schemeClr val="accent2">
-        <a:alpha val="50000"/>
-      </a:schemeClr>
-      <a:schemeClr val="accent3">
-        <a:alpha val="50000"/>
-      </a:schemeClr>
-      <a:schemeClr val="accent4">
-        <a:alpha val="50000"/>
-      </a:schemeClr>
-      <a:schemeClr val="accent5">
-        <a:alpha val="50000"/>
-      </a:schemeClr>
-      <a:schemeClr val="accent6">
-        <a:alpha val="50000"/>
+      <a:schemeClr val="dk1">
+        <a:tint val="40000"/>
       </a:schemeClr>
     </dgm:fillClrLst>
     <dgm:linClrLst meth="repeat">
-      <a:schemeClr val="lt1"/>
-    </dgm:linClrLst>
-    <dgm:effectClrLst/>
-    <dgm:txLinClrLst/>
-    <dgm:txFillClrLst/>
-    <dgm:txEffectClrLst/>
-  </dgm:styleLbl>
-  <dgm:styleLbl name="node2">
-    <dgm:fillClrLst>
-      <a:schemeClr val="accent2"/>
-    </dgm:fillClrLst>
-    <dgm:linClrLst meth="repeat">
-      <a:schemeClr val="lt1"/>
-    </dgm:linClrLst>
-    <dgm:effectClrLst/>
-    <dgm:txLinClrLst/>
-    <dgm:txFillClrLst/>
-    <dgm:txEffectClrLst/>
-  </dgm:styleLbl>
-  <dgm:styleLbl name="node3">
-    <dgm:fillClrLst>
-      <a:schemeClr val="accent3"/>
-    </dgm:fillClrLst>
-    <dgm:linClrLst meth="repeat">
-      <a:schemeClr val="lt1"/>
-    </dgm:linClrLst>
-    <dgm:effectClrLst/>
-    <dgm:txLinClrLst/>
-    <dgm:txFillClrLst/>
-    <dgm:txEffectClrLst/>
-  </dgm:styleLbl>
-  <dgm:styleLbl name="node4">
-    <dgm:fillClrLst>
-      <a:schemeClr val="accent4"/>
-    </dgm:fillClrLst>
-    <dgm:linClrLst meth="repeat">
-      <a:schemeClr val="lt1"/>
-    </dgm:linClrLst>
-    <dgm:effectClrLst/>
-    <dgm:txLinClrLst/>
-    <dgm:txFillClrLst/>
-    <dgm:txEffectClrLst/>
-  </dgm:styleLbl>
-  <dgm:styleLbl name="fgImgPlace1">
-    <dgm:fillClrLst meth="repeat">
-      <a:schemeClr val="accent2">
-        <a:tint val="50000"/>
+      <a:schemeClr val="dk1">
+        <a:shade val="80000"/>
       </a:schemeClr>
-      <a:schemeClr val="accent3">
-        <a:tint val="50000"/>
-      </a:schemeClr>
-      <a:schemeClr val="accent4">
-        <a:tint val="50000"/>
-      </a:schemeClr>
-      <a:schemeClr val="accent5">
-        <a:tint val="50000"/>
-      </a:schemeClr>
-      <a:schemeClr val="accent6">
-        <a:tint val="50000"/>
-      </a:schemeClr>
-    </dgm:fillClrLst>
-    <dgm:linClrLst meth="repeat">
-      <a:schemeClr val="lt1"/>
     </dgm:linClrLst>
     <dgm:effectClrLst/>
     <dgm:txLinClrLst/>
@@ -2116,16 +2108,15 @@
     <dgm:txEffectClrLst/>
   </dgm:styleLbl>
   <dgm:styleLbl name="alignImgPlace1">
-    <dgm:fillClrLst>
-      <a:schemeClr val="accent1">
-        <a:tint val="50000"/>
-      </a:schemeClr>
-      <a:schemeClr val="accent2">
-        <a:tint val="20000"/>
+    <dgm:fillClrLst meth="repeat">
+      <a:schemeClr val="dk1">
+        <a:tint val="40000"/>
       </a:schemeClr>
     </dgm:fillClrLst>
     <dgm:linClrLst meth="repeat">
-      <a:schemeClr val="lt1"/>
+      <a:schemeClr val="dk1">
+        <a:shade val="80000"/>
+      </a:schemeClr>
     </dgm:linClrLst>
     <dgm:effectClrLst/>
     <dgm:txLinClrLst/>
@@ -2135,16 +2126,15 @@
     <dgm:txEffectClrLst/>
   </dgm:styleLbl>
   <dgm:styleLbl name="bgImgPlace1">
-    <dgm:fillClrLst>
-      <a:schemeClr val="accent1">
-        <a:tint val="50000"/>
-      </a:schemeClr>
-      <a:schemeClr val="accent2">
-        <a:tint val="20000"/>
+    <dgm:fillClrLst meth="repeat">
+      <a:schemeClr val="dk1">
+        <a:tint val="40000"/>
       </a:schemeClr>
     </dgm:fillClrLst>
     <dgm:linClrLst meth="repeat">
-      <a:schemeClr val="lt1"/>
+      <a:schemeClr val="dk1">
+        <a:shade val="80000"/>
+      </a:schemeClr>
     </dgm:linClrLst>
     <dgm:effectClrLst/>
     <dgm:txLinClrLst/>
@@ -2155,30 +2145,212 @@
   </dgm:styleLbl>
   <dgm:styleLbl name="sibTrans2D1">
     <dgm:fillClrLst meth="repeat">
-      <a:schemeClr val="accent2"/>
-      <a:schemeClr val="accent3"/>
-      <a:schemeClr val="accent4"/>
-      <a:schemeClr val="accent5"/>
-      <a:schemeClr val="accent6"/>
+      <a:schemeClr val="dk1">
+        <a:tint val="60000"/>
+      </a:schemeClr>
     </dgm:fillClrLst>
-    <dgm:linClrLst meth="cycle">
+    <dgm:linClrLst meth="repeat">
+      <a:schemeClr val="dk1">
+        <a:tint val="60000"/>
+      </a:schemeClr>
+    </dgm:linClrLst>
+    <dgm:effectClrLst/>
+    <dgm:txLinClrLst/>
+    <dgm:txFillClrLst meth="repeat">
+      <a:schemeClr val="dk1"/>
+    </dgm:txFillClrLst>
+    <dgm:txEffectClrLst/>
+  </dgm:styleLbl>
+  <dgm:styleLbl name="fgSibTrans2D1">
+    <dgm:fillClrLst meth="repeat">
+      <a:schemeClr val="dk1">
+        <a:tint val="60000"/>
+      </a:schemeClr>
+    </dgm:fillClrLst>
+    <dgm:linClrLst meth="repeat">
+      <a:schemeClr val="dk1">
+        <a:tint val="60000"/>
+      </a:schemeClr>
+    </dgm:linClrLst>
+    <dgm:effectClrLst/>
+    <dgm:txLinClrLst/>
+    <dgm:txFillClrLst meth="repeat">
+      <a:schemeClr val="dk1"/>
+    </dgm:txFillClrLst>
+    <dgm:txEffectClrLst/>
+  </dgm:styleLbl>
+  <dgm:styleLbl name="bgSibTrans2D1">
+    <dgm:fillClrLst meth="repeat">
+      <a:schemeClr val="dk1">
+        <a:tint val="60000"/>
+      </a:schemeClr>
+    </dgm:fillClrLst>
+    <dgm:linClrLst meth="repeat">
+      <a:schemeClr val="dk1">
+        <a:tint val="60000"/>
+      </a:schemeClr>
+    </dgm:linClrLst>
+    <dgm:effectClrLst/>
+    <dgm:txLinClrLst/>
+    <dgm:txFillClrLst meth="repeat">
+      <a:schemeClr val="dk1"/>
+    </dgm:txFillClrLst>
+    <dgm:txEffectClrLst/>
+  </dgm:styleLbl>
+  <dgm:styleLbl name="sibTrans1D1">
+    <dgm:fillClrLst meth="repeat">
+      <a:schemeClr val="dk1"/>
+    </dgm:fillClrLst>
+    <dgm:linClrLst meth="repeat">
+      <a:schemeClr val="dk1"/>
+    </dgm:linClrLst>
+    <dgm:effectClrLst/>
+    <dgm:txLinClrLst/>
+    <dgm:txFillClrLst meth="repeat">
+      <a:schemeClr val="tx1"/>
+    </dgm:txFillClrLst>
+    <dgm:txEffectClrLst/>
+  </dgm:styleLbl>
+  <dgm:styleLbl name="callout">
+    <dgm:fillClrLst meth="repeat">
+      <a:schemeClr val="dk1"/>
+    </dgm:fillClrLst>
+    <dgm:linClrLst meth="repeat">
+      <a:schemeClr val="dk1"/>
+    </dgm:linClrLst>
+    <dgm:effectClrLst/>
+    <dgm:txLinClrLst/>
+    <dgm:txFillClrLst meth="repeat">
+      <a:schemeClr val="tx1"/>
+    </dgm:txFillClrLst>
+    <dgm:txEffectClrLst/>
+  </dgm:styleLbl>
+  <dgm:styleLbl name="asst0">
+    <dgm:fillClrLst meth="repeat">
       <a:schemeClr val="lt1"/>
+    </dgm:fillClrLst>
+    <dgm:linClrLst meth="repeat">
+      <a:schemeClr val="dk1">
+        <a:shade val="80000"/>
+      </a:schemeClr>
+    </dgm:linClrLst>
+    <dgm:effectClrLst/>
+    <dgm:txLinClrLst/>
+    <dgm:txFillClrLst meth="repeat">
+      <a:schemeClr val="dk1"/>
+    </dgm:txFillClrLst>
+    <dgm:txEffectClrLst/>
+  </dgm:styleLbl>
+  <dgm:styleLbl name="asst1">
+    <dgm:fillClrLst meth="repeat">
+      <a:schemeClr val="lt1"/>
+    </dgm:fillClrLst>
+    <dgm:linClrLst meth="repeat">
+      <a:schemeClr val="dk1">
+        <a:shade val="80000"/>
+      </a:schemeClr>
+    </dgm:linClrLst>
+    <dgm:effectClrLst/>
+    <dgm:txLinClrLst/>
+    <dgm:txFillClrLst meth="repeat">
+      <a:schemeClr val="dk1"/>
+    </dgm:txFillClrLst>
+    <dgm:txEffectClrLst/>
+  </dgm:styleLbl>
+  <dgm:styleLbl name="asst2">
+    <dgm:fillClrLst meth="repeat">
+      <a:schemeClr val="lt1"/>
+    </dgm:fillClrLst>
+    <dgm:linClrLst meth="repeat">
+      <a:schemeClr val="dk1">
+        <a:shade val="80000"/>
+      </a:schemeClr>
+    </dgm:linClrLst>
+    <dgm:effectClrLst/>
+    <dgm:txLinClrLst/>
+    <dgm:txFillClrLst meth="repeat">
+      <a:schemeClr val="dk1"/>
+    </dgm:txFillClrLst>
+    <dgm:txEffectClrLst/>
+  </dgm:styleLbl>
+  <dgm:styleLbl name="asst3">
+    <dgm:fillClrLst meth="repeat">
+      <a:schemeClr val="lt1"/>
+    </dgm:fillClrLst>
+    <dgm:linClrLst meth="repeat">
+      <a:schemeClr val="dk1">
+        <a:shade val="80000"/>
+      </a:schemeClr>
+    </dgm:linClrLst>
+    <dgm:effectClrLst/>
+    <dgm:txLinClrLst/>
+    <dgm:txFillClrLst meth="repeat">
+      <a:schemeClr val="dk1"/>
+    </dgm:txFillClrLst>
+    <dgm:txEffectClrLst/>
+  </dgm:styleLbl>
+  <dgm:styleLbl name="asst4">
+    <dgm:fillClrLst meth="repeat">
+      <a:schemeClr val="lt1"/>
+    </dgm:fillClrLst>
+    <dgm:linClrLst meth="repeat">
+      <a:schemeClr val="dk1">
+        <a:shade val="80000"/>
+      </a:schemeClr>
+    </dgm:linClrLst>
+    <dgm:effectClrLst/>
+    <dgm:txLinClrLst/>
+    <dgm:txFillClrLst meth="repeat">
+      <a:schemeClr val="dk1"/>
+    </dgm:txFillClrLst>
+    <dgm:txEffectClrLst/>
+  </dgm:styleLbl>
+  <dgm:styleLbl name="parChTrans2D1">
+    <dgm:fillClrLst meth="repeat">
+      <a:schemeClr val="dk1">
+        <a:tint val="60000"/>
+      </a:schemeClr>
+    </dgm:fillClrLst>
+    <dgm:linClrLst meth="repeat">
+      <a:schemeClr val="dk1">
+        <a:tint val="60000"/>
+      </a:schemeClr>
     </dgm:linClrLst>
     <dgm:effectClrLst/>
     <dgm:txLinClrLst/>
     <dgm:txFillClrLst/>
     <dgm:txEffectClrLst/>
   </dgm:styleLbl>
-  <dgm:styleLbl name="fgSibTrans2D1">
+  <dgm:styleLbl name="parChTrans2D2">
     <dgm:fillClrLst meth="repeat">
-      <a:schemeClr val="accent2"/>
-      <a:schemeClr val="accent3"/>
-      <a:schemeClr val="accent4"/>
-      <a:schemeClr val="accent5"/>
-      <a:schemeClr val="accent6"/>
+      <a:schemeClr val="dk1"/>
     </dgm:fillClrLst>
-    <dgm:linClrLst meth="cycle">
-      <a:schemeClr val="lt1"/>
+    <dgm:linClrLst meth="repeat">
+      <a:schemeClr val="dk1"/>
+    </dgm:linClrLst>
+    <dgm:effectClrLst/>
+    <dgm:txLinClrLst/>
+    <dgm:txFillClrLst/>
+    <dgm:txEffectClrLst/>
+  </dgm:styleLbl>
+  <dgm:styleLbl name="parChTrans2D3">
+    <dgm:fillClrLst meth="repeat">
+      <a:schemeClr val="dk1"/>
+    </dgm:fillClrLst>
+    <dgm:linClrLst meth="repeat">
+      <a:schemeClr val="dk1"/>
+    </dgm:linClrLst>
+    <dgm:effectClrLst/>
+    <dgm:txLinClrLst/>
+    <dgm:txFillClrLst/>
+    <dgm:txEffectClrLst/>
+  </dgm:styleLbl>
+  <dgm:styleLbl name="parChTrans2D4">
+    <dgm:fillClrLst meth="repeat">
+      <a:schemeClr val="dk1"/>
+    </dgm:fillClrLst>
+    <dgm:linClrLst meth="repeat">
+      <a:schemeClr val="dk1"/>
     </dgm:linClrLst>
     <dgm:effectClrLst/>
     <dgm:txLinClrLst/>
@@ -2187,53 +2359,13 @@
     </dgm:txFillClrLst>
     <dgm:txEffectClrLst/>
   </dgm:styleLbl>
-  <dgm:styleLbl name="bgSibTrans2D1">
+  <dgm:styleLbl name="parChTrans1D1">
     <dgm:fillClrLst meth="repeat">
-      <a:schemeClr val="accent2"/>
-      <a:schemeClr val="accent3"/>
-      <a:schemeClr val="accent4"/>
-      <a:schemeClr val="accent5"/>
-      <a:schemeClr val="accent6"/>
-    </dgm:fillClrLst>
-    <dgm:linClrLst meth="cycle">
-      <a:schemeClr val="lt1"/>
-    </dgm:linClrLst>
-    <dgm:effectClrLst/>
-    <dgm:txLinClrLst/>
-    <dgm:txFillClrLst meth="repeat">
-      <a:schemeClr val="lt1"/>
-    </dgm:txFillClrLst>
-    <dgm:txEffectClrLst/>
-  </dgm:styleLbl>
-  <dgm:styleLbl name="sibTrans1D1">
-    <dgm:fillClrLst meth="repeat">
-      <a:schemeClr val="accent2"/>
-      <a:schemeClr val="accent3"/>
-      <a:schemeClr val="accent4"/>
-      <a:schemeClr val="accent5"/>
-      <a:schemeClr val="accent6"/>
+      <a:schemeClr val="dk1"/>
     </dgm:fillClrLst>
     <dgm:linClrLst meth="repeat">
-      <a:schemeClr val="accent2"/>
-      <a:schemeClr val="accent3"/>
-      <a:schemeClr val="accent4"/>
-      <a:schemeClr val="accent5"/>
-      <a:schemeClr val="accent6"/>
-    </dgm:linClrLst>
-    <dgm:effectClrLst/>
-    <dgm:txLinClrLst/>
-    <dgm:txFillClrLst meth="repeat">
-      <a:schemeClr val="tx1"/>
-    </dgm:txFillClrLst>
-    <dgm:txEffectClrLst/>
-  </dgm:styleLbl>
-  <dgm:styleLbl name="callout">
-    <dgm:fillClrLst meth="repeat">
-      <a:schemeClr val="accent2"/>
-    </dgm:fillClrLst>
-    <dgm:linClrLst meth="repeat">
-      <a:schemeClr val="accent2">
-        <a:tint val="50000"/>
+      <a:schemeClr val="dk1">
+        <a:shade val="60000"/>
       </a:schemeClr>
     </dgm:linClrLst>
     <dgm:effectClrLst/>
@@ -2243,124 +2375,14 @@
     </dgm:txFillClrLst>
     <dgm:txEffectClrLst/>
   </dgm:styleLbl>
-  <dgm:styleLbl name="asst0">
+  <dgm:styleLbl name="parChTrans1D2">
     <dgm:fillClrLst meth="repeat">
-      <a:schemeClr val="accent1"/>
+      <a:schemeClr val="dk1"/>
     </dgm:fillClrLst>
     <dgm:linClrLst meth="repeat">
-      <a:schemeClr val="lt1"/>
-    </dgm:linClrLst>
-    <dgm:effectClrLst/>
-    <dgm:txLinClrLst/>
-    <dgm:txFillClrLst/>
-    <dgm:txEffectClrLst/>
-  </dgm:styleLbl>
-  <dgm:styleLbl name="asst1">
-    <dgm:fillClrLst meth="repeat">
-      <a:schemeClr val="accent2"/>
-    </dgm:fillClrLst>
-    <dgm:linClrLst meth="repeat">
-      <a:schemeClr val="lt1"/>
-    </dgm:linClrLst>
-    <dgm:effectClrLst/>
-    <dgm:txLinClrLst/>
-    <dgm:txFillClrLst/>
-    <dgm:txEffectClrLst/>
-  </dgm:styleLbl>
-  <dgm:styleLbl name="asst2">
-    <dgm:fillClrLst>
-      <a:schemeClr val="accent3"/>
-    </dgm:fillClrLst>
-    <dgm:linClrLst meth="repeat">
-      <a:schemeClr val="lt1"/>
-    </dgm:linClrLst>
-    <dgm:effectClrLst/>
-    <dgm:txLinClrLst/>
-    <dgm:txFillClrLst/>
-    <dgm:txEffectClrLst/>
-  </dgm:styleLbl>
-  <dgm:styleLbl name="asst3">
-    <dgm:fillClrLst>
-      <a:schemeClr val="accent4"/>
-    </dgm:fillClrLst>
-    <dgm:linClrLst meth="repeat">
-      <a:schemeClr val="lt1"/>
-    </dgm:linClrLst>
-    <dgm:effectClrLst/>
-    <dgm:txLinClrLst/>
-    <dgm:txFillClrLst/>
-    <dgm:txEffectClrLst/>
-  </dgm:styleLbl>
-  <dgm:styleLbl name="asst4">
-    <dgm:fillClrLst>
-      <a:schemeClr val="accent5"/>
-    </dgm:fillClrLst>
-    <dgm:linClrLst meth="repeat">
-      <a:schemeClr val="lt1"/>
-    </dgm:linClrLst>
-    <dgm:effectClrLst/>
-    <dgm:txLinClrLst/>
-    <dgm:txFillClrLst/>
-    <dgm:txEffectClrLst/>
-  </dgm:styleLbl>
-  <dgm:styleLbl name="parChTrans2D1">
-    <dgm:fillClrLst meth="repeat">
-      <a:schemeClr val="accent2"/>
-    </dgm:fillClrLst>
-    <dgm:linClrLst meth="repeat">
-      <a:schemeClr val="lt1"/>
-    </dgm:linClrLst>
-    <dgm:effectClrLst/>
-    <dgm:txLinClrLst/>
-    <dgm:txFillClrLst meth="repeat">
-      <a:schemeClr val="lt1"/>
-    </dgm:txFillClrLst>
-    <dgm:txEffectClrLst/>
-  </dgm:styleLbl>
-  <dgm:styleLbl name="parChTrans2D2">
-    <dgm:fillClrLst meth="repeat">
-      <a:schemeClr val="accent3"/>
-    </dgm:fillClrLst>
-    <dgm:linClrLst meth="repeat">
-      <a:schemeClr val="lt1"/>
-    </dgm:linClrLst>
-    <dgm:effectClrLst/>
-    <dgm:txLinClrLst/>
-    <dgm:txFillClrLst/>
-    <dgm:txEffectClrLst/>
-  </dgm:styleLbl>
-  <dgm:styleLbl name="parChTrans2D3">
-    <dgm:fillClrLst meth="repeat">
-      <a:schemeClr val="accent4"/>
-    </dgm:fillClrLst>
-    <dgm:linClrLst meth="repeat">
-      <a:schemeClr val="lt1"/>
-    </dgm:linClrLst>
-    <dgm:effectClrLst/>
-    <dgm:txLinClrLst/>
-    <dgm:txFillClrLst/>
-    <dgm:txEffectClrLst/>
-  </dgm:styleLbl>
-  <dgm:styleLbl name="parChTrans2D4">
-    <dgm:fillClrLst meth="repeat">
-      <a:schemeClr val="accent5"/>
-    </dgm:fillClrLst>
-    <dgm:linClrLst meth="repeat">
-      <a:schemeClr val="lt1"/>
-    </dgm:linClrLst>
-    <dgm:effectClrLst/>
-    <dgm:txLinClrLst/>
-    <dgm:txFillClrLst meth="repeat">
-      <a:schemeClr val="lt1"/>
-    </dgm:txFillClrLst>
-    <dgm:txEffectClrLst/>
-  </dgm:styleLbl>
-  <dgm:styleLbl name="parChTrans1D1">
-    <dgm:fillClrLst meth="repeat">
-      <a:schemeClr val="accent2"/>
-    </dgm:fillClrLst>
-    <dgm:linClrLst meth="repeat">
-      <a:schemeClr val="accent1"/>
+      <a:schemeClr val="dk1">
+        <a:shade val="60000"/>
+      </a:schemeClr>
     </dgm:linClrLst>
     <dgm:effectClrLst/>
     <dgm:txLinClrLst/>
@@ -2369,14 +2391,14 @@
     </dgm:txFillClrLst>
     <dgm:txEffectClrLst/>
   </dgm:styleLbl>
-  <dgm:styleLbl name="parChTrans1D2">
+  <dgm:styleLbl name="parChTrans1D3">
     <dgm:fillClrLst meth="repeat">
-      <a:schemeClr val="accent3">
-        <a:tint val="90000"/>
-      </a:schemeClr>
+      <a:schemeClr val="dk1"/>
     </dgm:fillClrLst>
     <dgm:linClrLst meth="repeat">
-      <a:schemeClr val="accent2"/>
+      <a:schemeClr val="dk1">
+        <a:shade val="80000"/>
+      </a:schemeClr>
     </dgm:linClrLst>
     <dgm:effectClrLst/>
     <dgm:txLinClrLst/>
@@ -2385,14 +2407,14 @@
     </dgm:txFillClrLst>
     <dgm:txEffectClrLst/>
   </dgm:styleLbl>
-  <dgm:styleLbl name="parChTrans1D3">
+  <dgm:styleLbl name="parChTrans1D4">
     <dgm:fillClrLst meth="repeat">
-      <a:schemeClr val="accent4">
-        <a:tint val="70000"/>
-      </a:schemeClr>
+      <a:schemeClr val="dk1"/>
     </dgm:fillClrLst>
     <dgm:linClrLst meth="repeat">
-      <a:schemeClr val="accent3"/>
+      <a:schemeClr val="dk1">
+        <a:shade val="80000"/>
+      </a:schemeClr>
     </dgm:linClrLst>
     <dgm:effectClrLst/>
     <dgm:txLinClrLst/>
@@ -2401,395 +2423,10 @@
     </dgm:txFillClrLst>
     <dgm:txEffectClrLst/>
   </dgm:styleLbl>
-  <dgm:styleLbl name="parChTrans1D4">
-    <dgm:fillClrLst meth="repeat">
-      <a:schemeClr val="accent5">
-        <a:tint val="50000"/>
-      </a:schemeClr>
-    </dgm:fillClrLst>
-    <dgm:linClrLst meth="repeat">
-      <a:schemeClr val="accent4"/>
-    </dgm:linClrLst>
-    <dgm:effectClrLst/>
-    <dgm:txLinClrLst/>
-    <dgm:txFillClrLst meth="repeat">
-      <a:schemeClr val="tx1"/>
-    </dgm:txFillClrLst>
-    <dgm:txEffectClrLst/>
-  </dgm:styleLbl>
   <dgm:styleLbl name="fgAcc1">
     <dgm:fillClrLst meth="repeat">
-      <a:schemeClr val="lt1">
+      <a:schemeClr val="dk1">
         <a:alpha val="90000"/>
-      </a:schemeClr>
-    </dgm:fillClrLst>
-    <dgm:linClrLst meth="repeat">
-      <a:schemeClr val="accent2"/>
-      <a:schemeClr val="accent3"/>
-      <a:schemeClr val="accent4"/>
-      <a:schemeClr val="accent5"/>
-      <a:schemeClr val="accent6"/>
-    </dgm:linClrLst>
-    <dgm:effectClrLst/>
-    <dgm:txLinClrLst/>
-    <dgm:txFillClrLst meth="repeat">
-      <a:schemeClr val="dk1"/>
-    </dgm:txFillClrLst>
-    <dgm:txEffectClrLst/>
-  </dgm:styleLbl>
-  <dgm:styleLbl name="conFgAcc1">
-    <dgm:fillClrLst meth="repeat">
-      <a:schemeClr val="lt1">
-        <a:alpha val="90000"/>
-      </a:schemeClr>
-    </dgm:fillClrLst>
-    <dgm:linClrLst meth="repeat">
-      <a:schemeClr val="accent2"/>
-      <a:schemeClr val="accent3"/>
-      <a:schemeClr val="accent4"/>
-      <a:schemeClr val="accent5"/>
-      <a:schemeClr val="accent6"/>
-    </dgm:linClrLst>
-    <dgm:effectClrLst/>
-    <dgm:txLinClrLst/>
-    <dgm:txFillClrLst meth="repeat">
-      <a:schemeClr val="dk1"/>
-    </dgm:txFillClrLst>
-    <dgm:txEffectClrLst/>
-  </dgm:styleLbl>
-  <dgm:styleLbl name="alignAcc1">
-    <dgm:fillClrLst meth="repeat">
-      <a:schemeClr val="lt1">
-        <a:alpha val="90000"/>
-      </a:schemeClr>
-    </dgm:fillClrLst>
-    <dgm:linClrLst meth="repeat">
-      <a:schemeClr val="accent2"/>
-      <a:schemeClr val="accent3"/>
-      <a:schemeClr val="accent4"/>
-      <a:schemeClr val="accent5"/>
-      <a:schemeClr val="accent6"/>
-    </dgm:linClrLst>
-    <dgm:effectClrLst/>
-    <dgm:txLinClrLst/>
-    <dgm:txFillClrLst meth="repeat">
-      <a:schemeClr val="dk1"/>
-    </dgm:txFillClrLst>
-    <dgm:txEffectClrLst/>
-  </dgm:styleLbl>
-  <dgm:styleLbl name="trAlignAcc1">
-    <dgm:fillClrLst meth="repeat">
-      <a:schemeClr val="lt1">
-        <a:alpha val="40000"/>
-      </a:schemeClr>
-    </dgm:fillClrLst>
-    <dgm:linClrLst meth="repeat">
-      <a:schemeClr val="accent1"/>
-    </dgm:linClrLst>
-    <dgm:effectClrLst/>
-    <dgm:txLinClrLst/>
-    <dgm:txFillClrLst meth="repeat">
-      <a:schemeClr val="dk1"/>
-    </dgm:txFillClrLst>
-    <dgm:txEffectClrLst/>
-  </dgm:styleLbl>
-  <dgm:styleLbl name="bgAcc1">
-    <dgm:fillClrLst meth="repeat">
-      <a:schemeClr val="lt1">
-        <a:alpha val="90000"/>
-      </a:schemeClr>
-    </dgm:fillClrLst>
-    <dgm:linClrLst meth="repeat">
-      <a:schemeClr val="accent2"/>
-      <a:schemeClr val="accent3"/>
-      <a:schemeClr val="accent4"/>
-      <a:schemeClr val="accent5"/>
-      <a:schemeClr val="accent6"/>
-    </dgm:linClrLst>
-    <dgm:effectClrLst/>
-    <dgm:txLinClrLst/>
-    <dgm:txFillClrLst meth="repeat">
-      <a:schemeClr val="dk1"/>
-    </dgm:txFillClrLst>
-    <dgm:txEffectClrLst/>
-  </dgm:styleLbl>
-  <dgm:styleLbl name="solidFgAcc1">
-    <dgm:fillClrLst meth="repeat">
-      <a:schemeClr val="lt1"/>
-    </dgm:fillClrLst>
-    <dgm:linClrLst meth="repeat">
-      <a:schemeClr val="accent2"/>
-      <a:schemeClr val="accent3"/>
-      <a:schemeClr val="accent4"/>
-      <a:schemeClr val="accent5"/>
-      <a:schemeClr val="accent6"/>
-    </dgm:linClrLst>
-    <dgm:effectClrLst/>
-    <dgm:txLinClrLst/>
-    <dgm:txFillClrLst meth="repeat">
-      <a:schemeClr val="dk1"/>
-    </dgm:txFillClrLst>
-    <dgm:txEffectClrLst/>
-  </dgm:styleLbl>
-  <dgm:styleLbl name="solidAlignAcc1">
-    <dgm:fillClrLst meth="repeat">
-      <a:schemeClr val="lt1"/>
-    </dgm:fillClrLst>
-    <dgm:linClrLst meth="repeat">
-      <a:schemeClr val="accent2"/>
-      <a:schemeClr val="accent3"/>
-      <a:schemeClr val="accent4"/>
-      <a:schemeClr val="accent5"/>
-      <a:schemeClr val="accent6"/>
-    </dgm:linClrLst>
-    <dgm:effectClrLst/>
-    <dgm:txLinClrLst/>
-    <dgm:txFillClrLst meth="repeat">
-      <a:schemeClr val="dk1"/>
-    </dgm:txFillClrLst>
-    <dgm:txEffectClrLst/>
-  </dgm:styleLbl>
-  <dgm:styleLbl name="solidBgAcc1">
-    <dgm:fillClrLst meth="repeat">
-      <a:schemeClr val="lt1"/>
-    </dgm:fillClrLst>
-    <dgm:linClrLst meth="repeat">
-      <a:schemeClr val="accent2"/>
-      <a:schemeClr val="accent3"/>
-      <a:schemeClr val="accent4"/>
-      <a:schemeClr val="accent5"/>
-      <a:schemeClr val="accent6"/>
-    </dgm:linClrLst>
-    <dgm:effectClrLst/>
-    <dgm:txLinClrLst/>
-    <dgm:txFillClrLst meth="repeat">
-      <a:schemeClr val="dk1"/>
-    </dgm:txFillClrLst>
-    <dgm:txEffectClrLst/>
-  </dgm:styleLbl>
-  <dgm:styleLbl name="fgAccFollowNode1">
-    <dgm:fillClrLst meth="repeat">
-      <a:schemeClr val="accent2">
-        <a:tint val="40000"/>
-        <a:alpha val="90000"/>
-      </a:schemeClr>
-      <a:schemeClr val="accent3">
-        <a:tint val="40000"/>
-        <a:alpha val="90000"/>
-      </a:schemeClr>
-      <a:schemeClr val="accent4">
-        <a:tint val="40000"/>
-        <a:alpha val="90000"/>
-      </a:schemeClr>
-      <a:schemeClr val="accent5">
-        <a:tint val="40000"/>
-        <a:alpha val="90000"/>
-      </a:schemeClr>
-      <a:schemeClr val="accent6">
-        <a:tint val="40000"/>
-        <a:alpha val="90000"/>
-      </a:schemeClr>
-    </dgm:fillClrLst>
-    <dgm:linClrLst meth="repeat">
-      <a:schemeClr val="accent2">
-        <a:tint val="40000"/>
-        <a:alpha val="90000"/>
-      </a:schemeClr>
-      <a:schemeClr val="accent3">
-        <a:tint val="40000"/>
-        <a:alpha val="90000"/>
-      </a:schemeClr>
-      <a:schemeClr val="accent4">
-        <a:tint val="40000"/>
-        <a:alpha val="90000"/>
-      </a:schemeClr>
-      <a:schemeClr val="accent5">
-        <a:tint val="40000"/>
-        <a:alpha val="90000"/>
-      </a:schemeClr>
-      <a:schemeClr val="accent6">
-        <a:tint val="40000"/>
-        <a:alpha val="90000"/>
-      </a:schemeClr>
-    </dgm:linClrLst>
-    <dgm:effectClrLst/>
-    <dgm:txLinClrLst/>
-    <dgm:txFillClrLst meth="repeat">
-      <a:schemeClr val="dk1"/>
-    </dgm:txFillClrLst>
-    <dgm:txEffectClrLst/>
-  </dgm:styleLbl>
-  <dgm:styleLbl name="alignAccFollowNode1">
-    <dgm:fillClrLst meth="repeat">
-      <a:schemeClr val="accent2">
-        <a:tint val="40000"/>
-        <a:alpha val="90000"/>
-      </a:schemeClr>
-      <a:schemeClr val="accent3">
-        <a:tint val="40000"/>
-        <a:alpha val="90000"/>
-      </a:schemeClr>
-      <a:schemeClr val="accent4">
-        <a:tint val="40000"/>
-        <a:alpha val="90000"/>
-      </a:schemeClr>
-      <a:schemeClr val="accent5">
-        <a:tint val="40000"/>
-        <a:alpha val="90000"/>
-      </a:schemeClr>
-      <a:schemeClr val="accent6">
-        <a:tint val="40000"/>
-        <a:alpha val="90000"/>
-      </a:schemeClr>
-    </dgm:fillClrLst>
-    <dgm:linClrLst meth="repeat">
-      <a:schemeClr val="accent2">
-        <a:tint val="40000"/>
-        <a:alpha val="90000"/>
-      </a:schemeClr>
-      <a:schemeClr val="accent3">
-        <a:tint val="40000"/>
-        <a:alpha val="90000"/>
-      </a:schemeClr>
-      <a:schemeClr val="accent4">
-        <a:tint val="40000"/>
-        <a:alpha val="90000"/>
-      </a:schemeClr>
-      <a:schemeClr val="accent5">
-        <a:tint val="40000"/>
-        <a:alpha val="90000"/>
-      </a:schemeClr>
-      <a:schemeClr val="accent6">
-        <a:tint val="40000"/>
-        <a:alpha val="90000"/>
-      </a:schemeClr>
-    </dgm:linClrLst>
-    <dgm:effectClrLst/>
-    <dgm:txLinClrLst/>
-    <dgm:txFillClrLst meth="repeat">
-      <a:schemeClr val="dk1"/>
-    </dgm:txFillClrLst>
-    <dgm:txEffectClrLst/>
-  </dgm:styleLbl>
-  <dgm:styleLbl name="bgAccFollowNode1">
-    <dgm:fillClrLst meth="repeat">
-      <a:schemeClr val="accent2">
-        <a:tint val="40000"/>
-        <a:alpha val="90000"/>
-      </a:schemeClr>
-      <a:schemeClr val="accent3">
-        <a:tint val="40000"/>
-        <a:alpha val="90000"/>
-      </a:schemeClr>
-      <a:schemeClr val="accent4">
-        <a:tint val="40000"/>
-        <a:alpha val="90000"/>
-      </a:schemeClr>
-      <a:schemeClr val="accent5">
-        <a:tint val="40000"/>
-        <a:alpha val="90000"/>
-      </a:schemeClr>
-      <a:schemeClr val="accent6">
-        <a:tint val="40000"/>
-        <a:alpha val="90000"/>
-      </a:schemeClr>
-    </dgm:fillClrLst>
-    <dgm:linClrLst meth="repeat">
-      <a:schemeClr val="accent2">
-        <a:tint val="40000"/>
-        <a:alpha val="90000"/>
-      </a:schemeClr>
-      <a:schemeClr val="accent3">
-        <a:tint val="40000"/>
-        <a:alpha val="90000"/>
-      </a:schemeClr>
-      <a:schemeClr val="accent4">
-        <a:tint val="40000"/>
-        <a:alpha val="90000"/>
-      </a:schemeClr>
-      <a:schemeClr val="accent5">
-        <a:tint val="40000"/>
-        <a:alpha val="90000"/>
-      </a:schemeClr>
-      <a:schemeClr val="accent6">
-        <a:tint val="40000"/>
-        <a:alpha val="90000"/>
-      </a:schemeClr>
-    </dgm:linClrLst>
-    <dgm:effectClrLst/>
-    <dgm:txLinClrLst/>
-    <dgm:txFillClrLst meth="repeat">
-      <a:schemeClr val="dk1"/>
-    </dgm:txFillClrLst>
-    <dgm:txEffectClrLst/>
-  </dgm:styleLbl>
-  <dgm:styleLbl name="fgAcc0">
-    <dgm:fillClrLst meth="repeat">
-      <a:schemeClr val="lt1">
-        <a:alpha val="90000"/>
-      </a:schemeClr>
-    </dgm:fillClrLst>
-    <dgm:linClrLst>
-      <a:schemeClr val="accent1"/>
-    </dgm:linClrLst>
-    <dgm:effectClrLst/>
-    <dgm:txLinClrLst/>
-    <dgm:txFillClrLst meth="repeat">
-      <a:schemeClr val="dk1"/>
-    </dgm:txFillClrLst>
-    <dgm:txEffectClrLst/>
-  </dgm:styleLbl>
-  <dgm:styleLbl name="fgAcc2">
-    <dgm:fillClrLst meth="repeat">
-      <a:schemeClr val="lt1">
-        <a:alpha val="90000"/>
-      </a:schemeClr>
-    </dgm:fillClrLst>
-    <dgm:linClrLst>
-      <a:schemeClr val="accent2"/>
-    </dgm:linClrLst>
-    <dgm:effectClrLst/>
-    <dgm:txLinClrLst/>
-    <dgm:txFillClrLst meth="repeat">
-      <a:schemeClr val="dk1"/>
-    </dgm:txFillClrLst>
-    <dgm:txEffectClrLst/>
-  </dgm:styleLbl>
-  <dgm:styleLbl name="fgAcc3">
-    <dgm:fillClrLst meth="repeat">
-      <a:schemeClr val="lt1">
-        <a:alpha val="90000"/>
-      </a:schemeClr>
-    </dgm:fillClrLst>
-    <dgm:linClrLst>
-      <a:schemeClr val="accent3"/>
-    </dgm:linClrLst>
-    <dgm:effectClrLst/>
-    <dgm:txLinClrLst/>
-    <dgm:txFillClrLst meth="repeat">
-      <a:schemeClr val="dk1"/>
-    </dgm:txFillClrLst>
-    <dgm:txEffectClrLst/>
-  </dgm:styleLbl>
-  <dgm:styleLbl name="fgAcc4">
-    <dgm:fillClrLst meth="repeat">
-      <a:schemeClr val="lt1">
-        <a:alpha val="90000"/>
-      </a:schemeClr>
-    </dgm:fillClrLst>
-    <dgm:linClrLst>
-      <a:schemeClr val="accent4"/>
-    </dgm:linClrLst>
-    <dgm:effectClrLst/>
-    <dgm:txLinClrLst/>
-    <dgm:txFillClrLst meth="repeat">
-      <a:schemeClr val="dk1"/>
-    </dgm:txFillClrLst>
-    <dgm:txEffectClrLst/>
-  </dgm:styleLbl>
-  <dgm:styleLbl name="bgShp">
-    <dgm:fillClrLst meth="repeat">
-      <a:schemeClr val="accent2">
         <a:tint val="40000"/>
       </a:schemeClr>
     </dgm:fillClrLst>
@@ -2803,10 +2440,261 @@
     </dgm:txFillClrLst>
     <dgm:txEffectClrLst/>
   </dgm:styleLbl>
+  <dgm:styleLbl name="conFgAcc1">
+    <dgm:fillClrLst meth="repeat">
+      <a:schemeClr val="dk1">
+        <a:alpha val="90000"/>
+        <a:tint val="40000"/>
+      </a:schemeClr>
+    </dgm:fillClrLst>
+    <dgm:linClrLst meth="repeat">
+      <a:schemeClr val="dk1"/>
+    </dgm:linClrLst>
+    <dgm:effectClrLst/>
+    <dgm:txLinClrLst/>
+    <dgm:txFillClrLst meth="repeat">
+      <a:schemeClr val="dk1"/>
+    </dgm:txFillClrLst>
+    <dgm:txEffectClrLst/>
+  </dgm:styleLbl>
+  <dgm:styleLbl name="alignAcc1">
+    <dgm:fillClrLst meth="repeat">
+      <a:schemeClr val="dk1">
+        <a:alpha val="90000"/>
+        <a:tint val="40000"/>
+      </a:schemeClr>
+    </dgm:fillClrLst>
+    <dgm:linClrLst meth="repeat">
+      <a:schemeClr val="dk1"/>
+    </dgm:linClrLst>
+    <dgm:effectClrLst/>
+    <dgm:txLinClrLst/>
+    <dgm:txFillClrLst meth="repeat">
+      <a:schemeClr val="dk1"/>
+    </dgm:txFillClrLst>
+    <dgm:txEffectClrLst/>
+  </dgm:styleLbl>
+  <dgm:styleLbl name="trAlignAcc1">
+    <dgm:fillClrLst meth="repeat">
+      <a:schemeClr val="dk1">
+        <a:alpha val="40000"/>
+        <a:tint val="40000"/>
+      </a:schemeClr>
+    </dgm:fillClrLst>
+    <dgm:linClrLst meth="repeat">
+      <a:schemeClr val="dk1"/>
+    </dgm:linClrLst>
+    <dgm:effectClrLst/>
+    <dgm:txLinClrLst/>
+    <dgm:txFillClrLst meth="repeat">
+      <a:schemeClr val="dk1"/>
+    </dgm:txFillClrLst>
+    <dgm:txEffectClrLst/>
+  </dgm:styleLbl>
+  <dgm:styleLbl name="bgAcc1">
+    <dgm:fillClrLst meth="repeat">
+      <a:schemeClr val="dk1">
+        <a:alpha val="90000"/>
+        <a:tint val="40000"/>
+      </a:schemeClr>
+    </dgm:fillClrLst>
+    <dgm:linClrLst meth="repeat">
+      <a:schemeClr val="dk1"/>
+    </dgm:linClrLst>
+    <dgm:effectClrLst/>
+    <dgm:txLinClrLst/>
+    <dgm:txFillClrLst meth="repeat">
+      <a:schemeClr val="dk1"/>
+    </dgm:txFillClrLst>
+    <dgm:txEffectClrLst/>
+  </dgm:styleLbl>
+  <dgm:styleLbl name="solidFgAcc1">
+    <dgm:fillClrLst meth="repeat">
+      <a:schemeClr val="lt1"/>
+    </dgm:fillClrLst>
+    <dgm:linClrLst meth="repeat">
+      <a:schemeClr val="dk1"/>
+    </dgm:linClrLst>
+    <dgm:effectClrLst/>
+    <dgm:txLinClrLst/>
+    <dgm:txFillClrLst meth="repeat">
+      <a:schemeClr val="dk1"/>
+    </dgm:txFillClrLst>
+    <dgm:txEffectClrLst/>
+  </dgm:styleLbl>
+  <dgm:styleLbl name="solidAlignAcc1">
+    <dgm:fillClrLst meth="repeat">
+      <a:schemeClr val="lt1"/>
+    </dgm:fillClrLst>
+    <dgm:linClrLst meth="repeat">
+      <a:schemeClr val="dk1"/>
+    </dgm:linClrLst>
+    <dgm:effectClrLst/>
+    <dgm:txLinClrLst/>
+    <dgm:txFillClrLst meth="repeat">
+      <a:schemeClr val="dk1"/>
+    </dgm:txFillClrLst>
+    <dgm:txEffectClrLst/>
+  </dgm:styleLbl>
+  <dgm:styleLbl name="solidBgAcc1">
+    <dgm:fillClrLst meth="repeat">
+      <a:schemeClr val="lt1"/>
+    </dgm:fillClrLst>
+    <dgm:linClrLst meth="repeat">
+      <a:schemeClr val="dk1"/>
+    </dgm:linClrLst>
+    <dgm:effectClrLst/>
+    <dgm:txLinClrLst/>
+    <dgm:txFillClrLst meth="repeat">
+      <a:schemeClr val="dk1"/>
+    </dgm:txFillClrLst>
+    <dgm:txEffectClrLst/>
+  </dgm:styleLbl>
+  <dgm:styleLbl name="fgAccFollowNode1">
+    <dgm:fillClrLst meth="repeat">
+      <a:schemeClr val="lt1">
+        <a:alpha val="90000"/>
+        <a:tint val="40000"/>
+      </a:schemeClr>
+    </dgm:fillClrLst>
+    <dgm:linClrLst meth="repeat">
+      <a:schemeClr val="dk1">
+        <a:alpha val="90000"/>
+      </a:schemeClr>
+    </dgm:linClrLst>
+    <dgm:effectClrLst/>
+    <dgm:txLinClrLst/>
+    <dgm:txFillClrLst meth="repeat">
+      <a:schemeClr val="dk1"/>
+    </dgm:txFillClrLst>
+    <dgm:txEffectClrLst/>
+  </dgm:styleLbl>
+  <dgm:styleLbl name="alignAccFollowNode1">
+    <dgm:fillClrLst meth="repeat">
+      <a:schemeClr val="lt1">
+        <a:alpha val="90000"/>
+        <a:tint val="40000"/>
+      </a:schemeClr>
+    </dgm:fillClrLst>
+    <dgm:linClrLst meth="repeat">
+      <a:schemeClr val="dk1">
+        <a:alpha val="90000"/>
+      </a:schemeClr>
+    </dgm:linClrLst>
+    <dgm:effectClrLst/>
+    <dgm:txLinClrLst/>
+    <dgm:txFillClrLst meth="repeat">
+      <a:schemeClr val="dk1"/>
+    </dgm:txFillClrLst>
+    <dgm:txEffectClrLst/>
+  </dgm:styleLbl>
+  <dgm:styleLbl name="bgAccFollowNode1">
+    <dgm:fillClrLst meth="repeat">
+      <a:schemeClr val="lt1">
+        <a:alpha val="90000"/>
+        <a:tint val="40000"/>
+      </a:schemeClr>
+    </dgm:fillClrLst>
+    <dgm:linClrLst meth="repeat">
+      <a:schemeClr val="dk1">
+        <a:alpha val="90000"/>
+      </a:schemeClr>
+    </dgm:linClrLst>
+    <dgm:effectClrLst/>
+    <dgm:txLinClrLst/>
+    <dgm:txFillClrLst meth="repeat">
+      <a:schemeClr val="dk1"/>
+    </dgm:txFillClrLst>
+    <dgm:txEffectClrLst/>
+  </dgm:styleLbl>
+  <dgm:styleLbl name="fgAcc0">
+    <dgm:fillClrLst meth="repeat">
+      <a:schemeClr val="dk1">
+        <a:alpha val="90000"/>
+        <a:tint val="40000"/>
+      </a:schemeClr>
+    </dgm:fillClrLst>
+    <dgm:linClrLst meth="repeat">
+      <a:schemeClr val="dk1"/>
+    </dgm:linClrLst>
+    <dgm:effectClrLst/>
+    <dgm:txLinClrLst/>
+    <dgm:txFillClrLst meth="repeat">
+      <a:schemeClr val="dk1"/>
+    </dgm:txFillClrLst>
+    <dgm:txEffectClrLst/>
+  </dgm:styleLbl>
+  <dgm:styleLbl name="fgAcc2">
+    <dgm:fillClrLst meth="repeat">
+      <a:schemeClr val="dk1">
+        <a:alpha val="90000"/>
+        <a:tint val="40000"/>
+      </a:schemeClr>
+    </dgm:fillClrLst>
+    <dgm:linClrLst meth="repeat">
+      <a:schemeClr val="dk1"/>
+    </dgm:linClrLst>
+    <dgm:effectClrLst/>
+    <dgm:txLinClrLst/>
+    <dgm:txFillClrLst meth="repeat">
+      <a:schemeClr val="dk1"/>
+    </dgm:txFillClrLst>
+    <dgm:txEffectClrLst/>
+  </dgm:styleLbl>
+  <dgm:styleLbl name="fgAcc3">
+    <dgm:fillClrLst meth="repeat">
+      <a:schemeClr val="dk1">
+        <a:alpha val="90000"/>
+        <a:tint val="40000"/>
+      </a:schemeClr>
+    </dgm:fillClrLst>
+    <dgm:linClrLst meth="repeat">
+      <a:schemeClr val="dk1"/>
+    </dgm:linClrLst>
+    <dgm:effectClrLst/>
+    <dgm:txLinClrLst/>
+    <dgm:txFillClrLst meth="repeat">
+      <a:schemeClr val="dk1"/>
+    </dgm:txFillClrLst>
+    <dgm:txEffectClrLst/>
+  </dgm:styleLbl>
+  <dgm:styleLbl name="fgAcc4">
+    <dgm:fillClrLst meth="repeat">
+      <a:schemeClr val="dk1">
+        <a:alpha val="90000"/>
+        <a:tint val="40000"/>
+      </a:schemeClr>
+    </dgm:fillClrLst>
+    <dgm:linClrLst meth="repeat">
+      <a:schemeClr val="dk1"/>
+    </dgm:linClrLst>
+    <dgm:effectClrLst/>
+    <dgm:txLinClrLst/>
+    <dgm:txFillClrLst meth="repeat">
+      <a:schemeClr val="dk1"/>
+    </dgm:txFillClrLst>
+    <dgm:txEffectClrLst/>
+  </dgm:styleLbl>
+  <dgm:styleLbl name="bgShp">
+    <dgm:fillClrLst meth="repeat">
+      <a:schemeClr val="dk1">
+        <a:tint val="40000"/>
+      </a:schemeClr>
+    </dgm:fillClrLst>
+    <dgm:linClrLst meth="repeat">
+      <a:schemeClr val="dk1"/>
+    </dgm:linClrLst>
+    <dgm:effectClrLst/>
+    <dgm:txLinClrLst/>
+    <dgm:txFillClrLst meth="repeat">
+      <a:schemeClr val="dk1"/>
+    </dgm:txFillClrLst>
+    <dgm:txEffectClrLst/>
+  </dgm:styleLbl>
   <dgm:styleLbl name="dkBgShp">
     <dgm:fillClrLst meth="repeat">
-      <a:schemeClr val="accent2">
-        <a:shade val="90000"/>
+      <a:schemeClr val="dk1">
+        <a:shade val="80000"/>
       </a:schemeClr>
     </dgm:fillClrLst>
     <dgm:linClrLst meth="repeat">
@@ -2821,13 +2709,13 @@
   </dgm:styleLbl>
   <dgm:styleLbl name="trBgShp">
     <dgm:fillClrLst meth="repeat">
-      <a:schemeClr val="accent1">
+      <a:schemeClr val="dk1">
         <a:tint val="50000"/>
         <a:alpha val="40000"/>
       </a:schemeClr>
     </dgm:fillClrLst>
     <dgm:linClrLst meth="repeat">
-      <a:schemeClr val="accent2"/>
+      <a:schemeClr val="dk1"/>
     </dgm:linClrLst>
     <dgm:effectClrLst/>
     <dgm:txLinClrLst/>
@@ -2838,8 +2726,8 @@
   </dgm:styleLbl>
   <dgm:styleLbl name="fgShp">
     <dgm:fillClrLst meth="repeat">
-      <a:schemeClr val="accent2">
-        <a:tint val="40000"/>
+      <a:schemeClr val="dk1">
+        <a:tint val="60000"/>
       </a:schemeClr>
     </dgm:fillClrLst>
     <dgm:linClrLst meth="repeat">
@@ -4369,9 +4257,9 @@
     <dgm:cxn modelId="{1C2A922A-CD7F-4A96-BACC-7BD057B1F749}" srcId="{1C11AD53-DC8C-44E4-BB5C-899D66510AC7}" destId="{EC3093C4-D38A-44C9-9567-89B188560C5F}" srcOrd="0" destOrd="0" parTransId="{CC03ADF9-981A-4438-8B23-B93DA86594B4}" sibTransId="{DFA798A6-5793-41B5-9560-7857B9498CDF}"/>
     <dgm:cxn modelId="{C5F2612D-2E80-4F86-8444-E11942C620F8}" type="presOf" srcId="{1A6F0C1E-DBD3-44E5-BF2C-100615D542D8}" destId="{FFBBAD85-30E0-4CF9-AD06-9DD357875921}" srcOrd="0" destOrd="0" presId="urn:microsoft.com/office/officeart/2005/8/layout/hierarchy1"/>
     <dgm:cxn modelId="{A2940B34-2FAD-444E-B785-201B27CF0CB3}" type="presOf" srcId="{EC3093C4-D38A-44C9-9567-89B188560C5F}" destId="{10536226-4548-4029-9351-05D7FC724175}" srcOrd="0" destOrd="0" presId="urn:microsoft.com/office/officeart/2005/8/layout/hierarchy1"/>
+    <dgm:cxn modelId="{B98B1952-4666-4ECD-99F6-85D53FDA6349}" type="presOf" srcId="{37723236-2744-4435-8308-29A8D5A34875}" destId="{08D05BED-C17E-411B-9B4B-1FB6BE0A8E5C}" srcOrd="0" destOrd="0" presId="urn:microsoft.com/office/officeart/2005/8/layout/hierarchy1"/>
     <dgm:cxn modelId="{A9407161-FB08-487B-A267-AD9038DFB93B}" srcId="{1C11AD53-DC8C-44E4-BB5C-899D66510AC7}" destId="{4F1B2645-19FE-4B4E-B6AE-C8D433580967}" srcOrd="3" destOrd="0" parTransId="{72F26542-DFD6-45F1-B1D7-8E55DA8404D7}" sibTransId="{F7B35DB6-1546-466F-B078-90BAFA48E5CE}"/>
     <dgm:cxn modelId="{0C928E71-421C-44E9-909E-228E5247AF22}" srcId="{A22C65BD-D84C-40B4-9EC1-9DC3A110556B}" destId="{16CFF68F-E4A4-4A01-9688-8381847ACCD3}" srcOrd="0" destOrd="0" parTransId="{688A9A41-A4D7-4D92-A9A7-BC49AA0FE5CC}" sibTransId="{6D498FFC-17EC-45BD-AB7E-63D01C1DE9DE}"/>
-    <dgm:cxn modelId="{B98B1952-4666-4ECD-99F6-85D53FDA6349}" type="presOf" srcId="{37723236-2744-4435-8308-29A8D5A34875}" destId="{08D05BED-C17E-411B-9B4B-1FB6BE0A8E5C}" srcOrd="0" destOrd="0" presId="urn:microsoft.com/office/officeart/2005/8/layout/hierarchy1"/>
     <dgm:cxn modelId="{D0ADA972-2020-4EED-8E38-509A4BE2A1AD}" type="presOf" srcId="{A6CC778A-078F-4FCD-9863-671E1255D3DA}" destId="{3F286B6E-CA2E-4071-96AC-2C7D12D3469C}" srcOrd="0" destOrd="0" presId="urn:microsoft.com/office/officeart/2005/8/layout/hierarchy1"/>
     <dgm:cxn modelId="{31C0F179-52F3-4FD3-B4BA-1CAF9F25537C}" srcId="{4F1B2645-19FE-4B4E-B6AE-C8D433580967}" destId="{37723236-2744-4435-8308-29A8D5A34875}" srcOrd="1" destOrd="0" parTransId="{75E16CA1-B629-4346-8F28-1B9E052B37B4}" sibTransId="{C7C10E76-9B93-491F-88ED-E817055408CA}"/>
     <dgm:cxn modelId="{E5A5ED7A-C65A-4041-A938-A05D2DBAAFE9}" type="presOf" srcId="{688A9A41-A4D7-4D92-A9A7-BC49AA0FE5CC}" destId="{70B718BC-ECE2-4926-8D7E-7B791B2F1611}" srcOrd="0" destOrd="0" presId="urn:microsoft.com/office/officeart/2005/8/layout/hierarchy1"/>
@@ -5151,9 +5039,9 @@
     <dgm:cxn modelId="{4346FA17-79A1-43E5-8DC4-E7D40E0E313B}" srcId="{C5E85F34-2AD6-4BEA-A3AF-D537CC182376}" destId="{A5FFDB19-8B2A-45B6-AC52-CB68CBB5D7C6}" srcOrd="0" destOrd="0" parTransId="{029F64AB-5810-470F-8461-F278C08818C1}" sibTransId="{A669BC95-9427-4A6D-87B4-978B92BC93E1}"/>
     <dgm:cxn modelId="{E8B02323-6DA6-43F5-B9B3-954D1C568EE3}" type="presOf" srcId="{3B0CDD6F-7BF1-4B15-8B3D-F013CD11B9E8}" destId="{2FEA5648-2FF6-428D-A801-8714C517416D}" srcOrd="0" destOrd="0" presId="urn:microsoft.com/office/officeart/2005/8/layout/hierarchy1"/>
     <dgm:cxn modelId="{C5F2612D-2E80-4F86-8444-E11942C620F8}" type="presOf" srcId="{1A6F0C1E-DBD3-44E5-BF2C-100615D542D8}" destId="{FFBBAD85-30E0-4CF9-AD06-9DD357875921}" srcOrd="0" destOrd="0" presId="urn:microsoft.com/office/officeart/2005/8/layout/hierarchy1"/>
+    <dgm:cxn modelId="{B98B1952-4666-4ECD-99F6-85D53FDA6349}" type="presOf" srcId="{37723236-2744-4435-8308-29A8D5A34875}" destId="{08D05BED-C17E-411B-9B4B-1FB6BE0A8E5C}" srcOrd="0" destOrd="0" presId="urn:microsoft.com/office/officeart/2005/8/layout/hierarchy1"/>
     <dgm:cxn modelId="{A9407161-FB08-487B-A267-AD9038DFB93B}" srcId="{1C11AD53-DC8C-44E4-BB5C-899D66510AC7}" destId="{4F1B2645-19FE-4B4E-B6AE-C8D433580967}" srcOrd="2" destOrd="0" parTransId="{72F26542-DFD6-45F1-B1D7-8E55DA8404D7}" sibTransId="{F7B35DB6-1546-466F-B078-90BAFA48E5CE}"/>
     <dgm:cxn modelId="{0C928E71-421C-44E9-909E-228E5247AF22}" srcId="{A22C65BD-D84C-40B4-9EC1-9DC3A110556B}" destId="{16CFF68F-E4A4-4A01-9688-8381847ACCD3}" srcOrd="0" destOrd="0" parTransId="{688A9A41-A4D7-4D92-A9A7-BC49AA0FE5CC}" sibTransId="{6D498FFC-17EC-45BD-AB7E-63D01C1DE9DE}"/>
-    <dgm:cxn modelId="{B98B1952-4666-4ECD-99F6-85D53FDA6349}" type="presOf" srcId="{37723236-2744-4435-8308-29A8D5A34875}" destId="{08D05BED-C17E-411B-9B4B-1FB6BE0A8E5C}" srcOrd="0" destOrd="0" presId="urn:microsoft.com/office/officeart/2005/8/layout/hierarchy1"/>
     <dgm:cxn modelId="{D0ADA972-2020-4EED-8E38-509A4BE2A1AD}" type="presOf" srcId="{A6CC778A-078F-4FCD-9863-671E1255D3DA}" destId="{3F286B6E-CA2E-4071-96AC-2C7D12D3469C}" srcOrd="0" destOrd="0" presId="urn:microsoft.com/office/officeart/2005/8/layout/hierarchy1"/>
     <dgm:cxn modelId="{31C0F179-52F3-4FD3-B4BA-1CAF9F25537C}" srcId="{4F1B2645-19FE-4B4E-B6AE-C8D433580967}" destId="{37723236-2744-4435-8308-29A8D5A34875}" srcOrd="1" destOrd="0" parTransId="{75E16CA1-B629-4346-8F28-1B9E052B37B4}" sibTransId="{C7C10E76-9B93-491F-88ED-E817055408CA}"/>
     <dgm:cxn modelId="{E5A5ED7A-C65A-4041-A938-A05D2DBAAFE9}" type="presOf" srcId="{688A9A41-A4D7-4D92-A9A7-BC49AA0FE5CC}" destId="{70B718BC-ECE2-4926-8D7E-7B791B2F1611}" srcOrd="0" destOrd="0" presId="urn:microsoft.com/office/officeart/2005/8/layout/hierarchy1"/>
@@ -5248,7 +5136,7 @@
 <dgm:dataModel xmlns:dgm="http://schemas.openxmlformats.org/drawingml/2006/diagram" xmlns:a="http://schemas.openxmlformats.org/drawingml/2006/main">
   <dgm:ptLst>
     <dgm:pt modelId="{7C00C073-BF38-46FC-B863-CEE1AFB54C2F}" type="doc">
-      <dgm:prSet loTypeId="urn:microsoft.com/office/officeart/2005/8/layout/hierarchy6" loCatId="hierarchy" qsTypeId="urn:microsoft.com/office/officeart/2005/8/quickstyle/simple3" qsCatId="simple" csTypeId="urn:microsoft.com/office/officeart/2005/8/colors/colorful1" csCatId="colorful" phldr="1"/>
+      <dgm:prSet loTypeId="urn:microsoft.com/office/officeart/2005/8/layout/hierarchy6" loCatId="hierarchy" qsTypeId="urn:microsoft.com/office/officeart/2005/8/quickstyle/simple3" qsCatId="simple" csTypeId="urn:microsoft.com/office/officeart/2005/8/colors/accent0_1" csCatId="mainScheme" phldr="1"/>
       <dgm:spPr/>
       <dgm:t>
         <a:bodyPr/>
@@ -5260,21 +5148,68 @@
     </dgm:pt>
     <dgm:pt modelId="{1C11AD53-DC8C-44E4-BB5C-899D66510AC7}">
       <dgm:prSet phldrT="[Text]"/>
-      <dgm:spPr/>
+      <dgm:spPr>
+        <a:solidFill>
+          <a:schemeClr val="accent1">
+            <a:lumMod val="20000"/>
+            <a:lumOff val="80000"/>
+          </a:schemeClr>
+        </a:solidFill>
+      </dgm:spPr>
       <dgm:t>
         <a:bodyPr/>
         <a:lstStyle/>
         <a:p>
           <a:r>
             <a:rPr lang="de-DE" dirty="0"/>
-            <a:t>Garten-</a:t>
+            <a:t>Gartenhochbahn </a:t>
           </a:r>
-          <a:br>
+        </a:p>
+      </dgm:t>
+    </dgm:pt>
+    <dgm:pt modelId="{67EEE806-D24F-4743-A664-DE2E17C660CE}" type="parTrans" cxnId="{617E18E4-A31D-419A-94EC-5AC5E69DBD20}">
+      <dgm:prSet/>
+      <dgm:spPr/>
+      <dgm:t>
+        <a:bodyPr/>
+        <a:lstStyle/>
+        <a:p>
+          <a:endParaRPr lang="de-DE"/>
+        </a:p>
+      </dgm:t>
+    </dgm:pt>
+    <dgm:pt modelId="{A5F80318-AD1A-48B9-994D-F0E04176F937}" type="sibTrans" cxnId="{617E18E4-A31D-419A-94EC-5AC5E69DBD20}">
+      <dgm:prSet/>
+      <dgm:spPr/>
+      <dgm:t>
+        <a:bodyPr/>
+        <a:lstStyle/>
+        <a:p>
+          <a:endParaRPr lang="de-DE"/>
+        </a:p>
+      </dgm:t>
+    </dgm:pt>
+    <dgm:pt modelId="{C5E85F34-2AD6-4BEA-A3AF-D537CC182376}">
+      <dgm:prSet phldrT="[Text]"/>
+      <dgm:spPr>
+        <a:solidFill>
+          <a:schemeClr val="accent6">
+            <a:lumMod val="20000"/>
+            <a:lumOff val="80000"/>
+          </a:schemeClr>
+        </a:solidFill>
+      </dgm:spPr>
+      <dgm:t>
+        <a:bodyPr/>
+        <a:lstStyle/>
+        <a:p>
+          <a:r>
             <a:rPr lang="de-DE" dirty="0"/>
-          </a:br>
+            <a:t>1. </a:t>
+          </a:r>
           <a:r>
             <a:rPr lang="de-DE" dirty="0" err="1"/>
-            <a:t>hochbahn</a:t>
+            <a:t>Aktorik</a:t>
           </a:r>
           <a:r>
             <a:rPr lang="de-DE" dirty="0"/>
@@ -5283,7 +5218,7 @@
         </a:p>
       </dgm:t>
     </dgm:pt>
-    <dgm:pt modelId="{67EEE806-D24F-4743-A664-DE2E17C660CE}" type="parTrans" cxnId="{617E18E4-A31D-419A-94EC-5AC5E69DBD20}">
+    <dgm:pt modelId="{72A5593D-AD41-4BF1-9A4C-9C5D7581F506}" type="parTrans" cxnId="{FED689D0-7E6A-4C16-ACA9-59DF16A0CEBD}">
       <dgm:prSet/>
       <dgm:spPr/>
       <dgm:t>
@@ -5294,7 +5229,7 @@
         </a:p>
       </dgm:t>
     </dgm:pt>
-    <dgm:pt modelId="{A5F80318-AD1A-48B9-994D-F0E04176F937}" type="sibTrans" cxnId="{617E18E4-A31D-419A-94EC-5AC5E69DBD20}">
+    <dgm:pt modelId="{B102FC38-4700-481B-97E2-CA92BC5F3CFE}" type="sibTrans" cxnId="{FED689D0-7E6A-4C16-ACA9-59DF16A0CEBD}">
       <dgm:prSet/>
       <dgm:spPr/>
       <dgm:t>
@@ -5305,21 +5240,28 @@
         </a:p>
       </dgm:t>
     </dgm:pt>
-    <dgm:pt modelId="{C5E85F34-2AD6-4BEA-A3AF-D537CC182376}">
+    <dgm:pt modelId="{3B0CDD6F-7BF1-4B15-8B3D-F013CD11B9E8}">
       <dgm:prSet phldrT="[Text]"/>
-      <dgm:spPr/>
+      <dgm:spPr>
+        <a:solidFill>
+          <a:schemeClr val="accent4">
+            <a:lumMod val="20000"/>
+            <a:lumOff val="80000"/>
+          </a:schemeClr>
+        </a:solidFill>
+      </dgm:spPr>
       <dgm:t>
         <a:bodyPr/>
         <a:lstStyle/>
         <a:p>
           <a:r>
             <a:rPr lang="de-DE" dirty="0"/>
-            <a:t>Aktorik </a:t>
+            <a:t>3.1. Unfall-verhütung</a:t>
           </a:r>
         </a:p>
       </dgm:t>
     </dgm:pt>
-    <dgm:pt modelId="{72A5593D-AD41-4BF1-9A4C-9C5D7581F506}" type="parTrans" cxnId="{FED689D0-7E6A-4C16-ACA9-59DF16A0CEBD}">
+    <dgm:pt modelId="{1A6F0C1E-DBD3-44E5-BF2C-100615D542D8}" type="parTrans" cxnId="{58AD648D-DEED-4EC2-A130-A7F7D1068051}">
       <dgm:prSet/>
       <dgm:spPr/>
       <dgm:t>
@@ -5330,7 +5272,7 @@
         </a:p>
       </dgm:t>
     </dgm:pt>
-    <dgm:pt modelId="{B102FC38-4700-481B-97E2-CA92BC5F3CFE}" type="sibTrans" cxnId="{FED689D0-7E6A-4C16-ACA9-59DF16A0CEBD}">
+    <dgm:pt modelId="{8A21575D-C8C8-480C-984D-D47F7487AA1C}" type="sibTrans" cxnId="{58AD648D-DEED-4EC2-A130-A7F7D1068051}">
       <dgm:prSet/>
       <dgm:spPr/>
       <dgm:t>
@@ -5341,21 +5283,28 @@
         </a:p>
       </dgm:t>
     </dgm:pt>
-    <dgm:pt modelId="{3B0CDD6F-7BF1-4B15-8B3D-F013CD11B9E8}">
+    <dgm:pt modelId="{A22C65BD-D84C-40B4-9EC1-9DC3A110556B}">
       <dgm:prSet phldrT="[Text]"/>
-      <dgm:spPr/>
+      <dgm:spPr>
+        <a:solidFill>
+          <a:schemeClr val="accent6">
+            <a:lumMod val="20000"/>
+            <a:lumOff val="80000"/>
+          </a:schemeClr>
+        </a:solidFill>
+      </dgm:spPr>
       <dgm:t>
         <a:bodyPr/>
         <a:lstStyle/>
         <a:p>
           <a:r>
             <a:rPr lang="de-DE" dirty="0"/>
-            <a:t>Unfall-verhütung</a:t>
+            <a:t>2. Energie</a:t>
           </a:r>
         </a:p>
       </dgm:t>
     </dgm:pt>
-    <dgm:pt modelId="{1A6F0C1E-DBD3-44E5-BF2C-100615D542D8}" type="parTrans" cxnId="{58AD648D-DEED-4EC2-A130-A7F7D1068051}">
+    <dgm:pt modelId="{3AD12BF0-F9CE-4EE6-B153-F442BD3C65E7}" type="parTrans" cxnId="{68FDB692-BD7A-4CA1-9E54-BC221DE04D6F}">
       <dgm:prSet/>
       <dgm:spPr/>
       <dgm:t>
@@ -5366,7 +5315,7 @@
         </a:p>
       </dgm:t>
     </dgm:pt>
-    <dgm:pt modelId="{8A21575D-C8C8-480C-984D-D47F7487AA1C}" type="sibTrans" cxnId="{58AD648D-DEED-4EC2-A130-A7F7D1068051}">
+    <dgm:pt modelId="{12A62C27-6F4C-4C4C-95AD-B717A2F6BA97}" type="sibTrans" cxnId="{68FDB692-BD7A-4CA1-9E54-BC221DE04D6F}">
       <dgm:prSet/>
       <dgm:spPr/>
       <dgm:t>
@@ -5377,21 +5326,28 @@
         </a:p>
       </dgm:t>
     </dgm:pt>
-    <dgm:pt modelId="{A22C65BD-D84C-40B4-9EC1-9DC3A110556B}">
+    <dgm:pt modelId="{4F1B2645-19FE-4B4E-B6AE-C8D433580967}">
       <dgm:prSet phldrT="[Text]"/>
-      <dgm:spPr/>
+      <dgm:spPr>
+        <a:solidFill>
+          <a:schemeClr val="accent6">
+            <a:lumMod val="20000"/>
+            <a:lumOff val="80000"/>
+          </a:schemeClr>
+        </a:solidFill>
+      </dgm:spPr>
       <dgm:t>
         <a:bodyPr/>
         <a:lstStyle/>
         <a:p>
           <a:r>
             <a:rPr lang="de-DE" dirty="0"/>
-            <a:t>Energie</a:t>
+            <a:t>3. Sensorik </a:t>
           </a:r>
         </a:p>
       </dgm:t>
     </dgm:pt>
-    <dgm:pt modelId="{3AD12BF0-F9CE-4EE6-B153-F442BD3C65E7}" type="parTrans" cxnId="{68FDB692-BD7A-4CA1-9E54-BC221DE04D6F}">
+    <dgm:pt modelId="{72F26542-DFD6-45F1-B1D7-8E55DA8404D7}" type="parTrans" cxnId="{A9407161-FB08-487B-A267-AD9038DFB93B}">
       <dgm:prSet/>
       <dgm:spPr/>
       <dgm:t>
@@ -5402,7 +5358,7 @@
         </a:p>
       </dgm:t>
     </dgm:pt>
-    <dgm:pt modelId="{12A62C27-6F4C-4C4C-95AD-B717A2F6BA97}" type="sibTrans" cxnId="{68FDB692-BD7A-4CA1-9E54-BC221DE04D6F}">
+    <dgm:pt modelId="{F7B35DB6-1546-466F-B078-90BAFA48E5CE}" type="sibTrans" cxnId="{A9407161-FB08-487B-A267-AD9038DFB93B}">
       <dgm:prSet/>
       <dgm:spPr/>
       <dgm:t>
@@ -5413,21 +5369,28 @@
         </a:p>
       </dgm:t>
     </dgm:pt>
-    <dgm:pt modelId="{4F1B2645-19FE-4B4E-B6AE-C8D433580967}">
+    <dgm:pt modelId="{A5FFDB19-8B2A-45B6-AC52-CB68CBB5D7C6}">
       <dgm:prSet phldrT="[Text]"/>
-      <dgm:spPr/>
+      <dgm:spPr>
+        <a:solidFill>
+          <a:schemeClr val="accent4">
+            <a:lumMod val="20000"/>
+            <a:lumOff val="80000"/>
+          </a:schemeClr>
+        </a:solidFill>
+      </dgm:spPr>
       <dgm:t>
         <a:bodyPr/>
         <a:lstStyle/>
         <a:p>
           <a:r>
             <a:rPr lang="de-DE" dirty="0"/>
-            <a:t>Sensorik </a:t>
+            <a:t>1.1 Motor</a:t>
           </a:r>
         </a:p>
       </dgm:t>
     </dgm:pt>
-    <dgm:pt modelId="{72F26542-DFD6-45F1-B1D7-8E55DA8404D7}" type="parTrans" cxnId="{A9407161-FB08-487B-A267-AD9038DFB93B}">
+    <dgm:pt modelId="{029F64AB-5810-470F-8461-F278C08818C1}" type="parTrans" cxnId="{4346FA17-79A1-43E5-8DC4-E7D40E0E313B}">
       <dgm:prSet/>
       <dgm:spPr/>
       <dgm:t>
@@ -5438,7 +5401,7 @@
         </a:p>
       </dgm:t>
     </dgm:pt>
-    <dgm:pt modelId="{F7B35DB6-1546-466F-B078-90BAFA48E5CE}" type="sibTrans" cxnId="{A9407161-FB08-487B-A267-AD9038DFB93B}">
+    <dgm:pt modelId="{A669BC95-9427-4A6D-87B4-978B92BC93E1}" type="sibTrans" cxnId="{4346FA17-79A1-43E5-8DC4-E7D40E0E313B}">
       <dgm:prSet/>
       <dgm:spPr/>
       <dgm:t>
@@ -5449,21 +5412,28 @@
         </a:p>
       </dgm:t>
     </dgm:pt>
-    <dgm:pt modelId="{A5FFDB19-8B2A-45B6-AC52-CB68CBB5D7C6}">
+    <dgm:pt modelId="{A6CC778A-078F-4FCD-9863-671E1255D3DA}">
       <dgm:prSet phldrT="[Text]"/>
-      <dgm:spPr/>
+      <dgm:spPr>
+        <a:solidFill>
+          <a:schemeClr val="accent4">
+            <a:lumMod val="20000"/>
+            <a:lumOff val="80000"/>
+          </a:schemeClr>
+        </a:solidFill>
+      </dgm:spPr>
       <dgm:t>
         <a:bodyPr/>
         <a:lstStyle/>
         <a:p>
           <a:r>
             <a:rPr lang="de-DE" dirty="0"/>
-            <a:t>Motor</a:t>
+            <a:t>1.2. Getriebe</a:t>
           </a:r>
         </a:p>
       </dgm:t>
     </dgm:pt>
-    <dgm:pt modelId="{029F64AB-5810-470F-8461-F278C08818C1}" type="parTrans" cxnId="{4346FA17-79A1-43E5-8DC4-E7D40E0E313B}">
+    <dgm:pt modelId="{DD0EAFEE-F74D-466C-8144-6F46427E2867}" type="parTrans" cxnId="{B187DD03-545B-4C73-A456-BDF3096F6599}">
       <dgm:prSet/>
       <dgm:spPr/>
       <dgm:t>
@@ -5474,7 +5444,7 @@
         </a:p>
       </dgm:t>
     </dgm:pt>
-    <dgm:pt modelId="{A669BC95-9427-4A6D-87B4-978B92BC93E1}" type="sibTrans" cxnId="{4346FA17-79A1-43E5-8DC4-E7D40E0E313B}">
+    <dgm:pt modelId="{8A8A1EF1-E27E-4175-B0E3-ECE024664D67}" type="sibTrans" cxnId="{B187DD03-545B-4C73-A456-BDF3096F6599}">
       <dgm:prSet/>
       <dgm:spPr/>
       <dgm:t>
@@ -5485,21 +5455,28 @@
         </a:p>
       </dgm:t>
     </dgm:pt>
-    <dgm:pt modelId="{A6CC778A-078F-4FCD-9863-671E1255D3DA}">
+    <dgm:pt modelId="{16CFF68F-E4A4-4A01-9688-8381847ACCD3}">
       <dgm:prSet phldrT="[Text]"/>
-      <dgm:spPr/>
+      <dgm:spPr>
+        <a:solidFill>
+          <a:schemeClr val="accent4">
+            <a:lumMod val="20000"/>
+            <a:lumOff val="80000"/>
+          </a:schemeClr>
+        </a:solidFill>
+      </dgm:spPr>
       <dgm:t>
         <a:bodyPr/>
         <a:lstStyle/>
         <a:p>
           <a:r>
             <a:rPr lang="de-DE" dirty="0"/>
-            <a:t>Getriebe</a:t>
+            <a:t>2.1. Akku </a:t>
           </a:r>
         </a:p>
       </dgm:t>
     </dgm:pt>
-    <dgm:pt modelId="{DD0EAFEE-F74D-466C-8144-6F46427E2867}" type="parTrans" cxnId="{B187DD03-545B-4C73-A456-BDF3096F6599}">
+    <dgm:pt modelId="{688A9A41-A4D7-4D92-A9A7-BC49AA0FE5CC}" type="parTrans" cxnId="{0C928E71-421C-44E9-909E-228E5247AF22}">
       <dgm:prSet/>
       <dgm:spPr/>
       <dgm:t>
@@ -5510,7 +5487,7 @@
         </a:p>
       </dgm:t>
     </dgm:pt>
-    <dgm:pt modelId="{8A8A1EF1-E27E-4175-B0E3-ECE024664D67}" type="sibTrans" cxnId="{B187DD03-545B-4C73-A456-BDF3096F6599}">
+    <dgm:pt modelId="{6D498FFC-17EC-45BD-AB7E-63D01C1DE9DE}" type="sibTrans" cxnId="{0C928E71-421C-44E9-909E-228E5247AF22}">
       <dgm:prSet/>
       <dgm:spPr/>
       <dgm:t>
@@ -5521,21 +5498,28 @@
         </a:p>
       </dgm:t>
     </dgm:pt>
-    <dgm:pt modelId="{16CFF68F-E4A4-4A01-9688-8381847ACCD3}">
+    <dgm:pt modelId="{44E4D6EA-92BE-451C-867A-95DFC1CE5EE9}">
       <dgm:prSet phldrT="[Text]"/>
-      <dgm:spPr/>
+      <dgm:spPr>
+        <a:solidFill>
+          <a:schemeClr val="accent4">
+            <a:lumMod val="20000"/>
+            <a:lumOff val="80000"/>
+          </a:schemeClr>
+        </a:solidFill>
+      </dgm:spPr>
       <dgm:t>
         <a:bodyPr/>
         <a:lstStyle/>
         <a:p>
           <a:r>
             <a:rPr lang="de-DE" dirty="0"/>
-            <a:t>Akku </a:t>
+            <a:t>2.2. Lade-konzept</a:t>
           </a:r>
         </a:p>
       </dgm:t>
     </dgm:pt>
-    <dgm:pt modelId="{688A9A41-A4D7-4D92-A9A7-BC49AA0FE5CC}" type="parTrans" cxnId="{0C928E71-421C-44E9-909E-228E5247AF22}">
+    <dgm:pt modelId="{4F6613C5-5046-410E-8AE3-8CA5037664FF}" type="parTrans" cxnId="{94047B88-52AA-4BF7-AFDA-3751EC96FA8A}">
       <dgm:prSet/>
       <dgm:spPr/>
       <dgm:t>
@@ -5546,7 +5530,7 @@
         </a:p>
       </dgm:t>
     </dgm:pt>
-    <dgm:pt modelId="{6D498FFC-17EC-45BD-AB7E-63D01C1DE9DE}" type="sibTrans" cxnId="{0C928E71-421C-44E9-909E-228E5247AF22}">
+    <dgm:pt modelId="{07DC4508-11D4-45A2-969B-21710378FB9C}" type="sibTrans" cxnId="{94047B88-52AA-4BF7-AFDA-3751EC96FA8A}">
       <dgm:prSet/>
       <dgm:spPr/>
       <dgm:t>
@@ -5557,52 +5541,23 @@
         </a:p>
       </dgm:t>
     </dgm:pt>
-    <dgm:pt modelId="{44E4D6EA-92BE-451C-867A-95DFC1CE5EE9}">
+    <dgm:pt modelId="{37723236-2744-4435-8308-29A8D5A34875}">
       <dgm:prSet phldrT="[Text]"/>
-      <dgm:spPr/>
+      <dgm:spPr>
+        <a:solidFill>
+          <a:schemeClr val="accent4">
+            <a:lumMod val="20000"/>
+            <a:lumOff val="80000"/>
+          </a:schemeClr>
+        </a:solidFill>
+      </dgm:spPr>
       <dgm:t>
         <a:bodyPr/>
         <a:lstStyle/>
         <a:p>
           <a:r>
             <a:rPr lang="de-DE" dirty="0"/>
-            <a:t>Lade-konzept</a:t>
-          </a:r>
-        </a:p>
-      </dgm:t>
-    </dgm:pt>
-    <dgm:pt modelId="{4F6613C5-5046-410E-8AE3-8CA5037664FF}" type="parTrans" cxnId="{94047B88-52AA-4BF7-AFDA-3751EC96FA8A}">
-      <dgm:prSet/>
-      <dgm:spPr/>
-      <dgm:t>
-        <a:bodyPr/>
-        <a:lstStyle/>
-        <a:p>
-          <a:endParaRPr lang="de-DE"/>
-        </a:p>
-      </dgm:t>
-    </dgm:pt>
-    <dgm:pt modelId="{07DC4508-11D4-45A2-969B-21710378FB9C}" type="sibTrans" cxnId="{94047B88-52AA-4BF7-AFDA-3751EC96FA8A}">
-      <dgm:prSet/>
-      <dgm:spPr/>
-      <dgm:t>
-        <a:bodyPr/>
-        <a:lstStyle/>
-        <a:p>
-          <a:endParaRPr lang="de-DE"/>
-        </a:p>
-      </dgm:t>
-    </dgm:pt>
-    <dgm:pt modelId="{37723236-2744-4435-8308-29A8D5A34875}">
-      <dgm:prSet phldrT="[Text]"/>
-      <dgm:spPr/>
-      <dgm:t>
-        <a:bodyPr/>
-        <a:lstStyle/>
-        <a:p>
-          <a:r>
-            <a:rPr lang="de-DE" dirty="0"/>
-            <a:t>Positions-erkennung</a:t>
+            <a:t>3.2. Positions-erkennung</a:t>
           </a:r>
         </a:p>
       </dgm:t>
@@ -5660,7 +5615,7 @@
       <dgm:spPr/>
     </dgm:pt>
     <dgm:pt modelId="{E4F2FF7A-5375-467B-8A90-6DA45AA048BF}" type="pres">
-      <dgm:prSet presAssocID="{1C11AD53-DC8C-44E4-BB5C-899D66510AC7}" presName="level1Shape" presStyleLbl="node0" presStyleIdx="0" presStyleCnt="1">
+      <dgm:prSet presAssocID="{1C11AD53-DC8C-44E4-BB5C-899D66510AC7}" presName="level1Shape" presStyleLbl="node0" presStyleIdx="0" presStyleCnt="1" custScaleX="222095" custLinFactNeighborX="-14977" custLinFactNeighborY="985">
         <dgm:presLayoutVars>
           <dgm:chPref val="3"/>
         </dgm:presLayoutVars>
@@ -5680,7 +5635,7 @@
       <dgm:spPr/>
     </dgm:pt>
     <dgm:pt modelId="{399F3120-05E8-48D9-A6E3-17B70DDB9BE2}" type="pres">
-      <dgm:prSet presAssocID="{C5E85F34-2AD6-4BEA-A3AF-D537CC182376}" presName="level2Shape" presStyleLbl="node2" presStyleIdx="0" presStyleCnt="3"/>
+      <dgm:prSet presAssocID="{C5E85F34-2AD6-4BEA-A3AF-D537CC182376}" presName="level2Shape" presStyleLbl="node2" presStyleIdx="0" presStyleCnt="3" custLinFactNeighborX="1936" custLinFactNeighborY="0"/>
       <dgm:spPr/>
     </dgm:pt>
     <dgm:pt modelId="{801A042F-905F-41D5-B052-0CB672BEE634}" type="pres">
@@ -5728,7 +5683,7 @@
       <dgm:spPr/>
     </dgm:pt>
     <dgm:pt modelId="{999E5A60-0DEE-4D33-9D17-0928E012BB1F}" type="pres">
-      <dgm:prSet presAssocID="{A22C65BD-D84C-40B4-9EC1-9DC3A110556B}" presName="level2Shape" presStyleLbl="node2" presStyleIdx="1" presStyleCnt="3"/>
+      <dgm:prSet presAssocID="{A22C65BD-D84C-40B4-9EC1-9DC3A110556B}" presName="level2Shape" presStyleLbl="node2" presStyleIdx="1" presStyleCnt="3" custLinFactNeighborX="9994"/>
       <dgm:spPr/>
     </dgm:pt>
     <dgm:pt modelId="{2CC3BF0A-685B-4584-8A44-5686D0711A88}" type="pres">
@@ -5776,7 +5731,7 @@
       <dgm:spPr/>
     </dgm:pt>
     <dgm:pt modelId="{7DE03E4D-6BED-4040-B0D6-D42EA22F1400}" type="pres">
-      <dgm:prSet presAssocID="{4F1B2645-19FE-4B4E-B6AE-C8D433580967}" presName="level2Shape" presStyleLbl="node2" presStyleIdx="2" presStyleCnt="3"/>
+      <dgm:prSet presAssocID="{4F1B2645-19FE-4B4E-B6AE-C8D433580967}" presName="level2Shape" presStyleLbl="node2" presStyleIdx="2" presStyleCnt="3" custScaleX="121557"/>
       <dgm:spPr/>
     </dgm:pt>
     <dgm:pt modelId="{6A189D6B-447C-4482-83EA-73F33F7679C3}" type="pres">
@@ -5792,7 +5747,7 @@
       <dgm:spPr/>
     </dgm:pt>
     <dgm:pt modelId="{3C99AAED-B684-4694-96C9-7A82393050F2}" type="pres">
-      <dgm:prSet presAssocID="{3B0CDD6F-7BF1-4B15-8B3D-F013CD11B9E8}" presName="level2Shape" presStyleLbl="node3" presStyleIdx="4" presStyleCnt="6"/>
+      <dgm:prSet presAssocID="{3B0CDD6F-7BF1-4B15-8B3D-F013CD11B9E8}" presName="level2Shape" presStyleLbl="node3" presStyleIdx="4" presStyleCnt="6" custScaleX="134840"/>
       <dgm:spPr/>
     </dgm:pt>
     <dgm:pt modelId="{68BF4D2E-997F-4775-9A2B-579E4E3C2BEB}" type="pres">
@@ -5808,7 +5763,7 @@
       <dgm:spPr/>
     </dgm:pt>
     <dgm:pt modelId="{F1FC2BB7-FFEB-443F-B744-4728213CC3B3}" type="pres">
-      <dgm:prSet presAssocID="{37723236-2744-4435-8308-29A8D5A34875}" presName="level2Shape" presStyleLbl="node3" presStyleIdx="5" presStyleCnt="6"/>
+      <dgm:prSet presAssocID="{37723236-2744-4435-8308-29A8D5A34875}" presName="level2Shape" presStyleLbl="node3" presStyleIdx="5" presStyleCnt="6" custScaleX="140540"/>
       <dgm:spPr/>
     </dgm:pt>
     <dgm:pt modelId="{7A63A389-4F13-4362-A151-D184FA2A5577}" type="pres">
@@ -5831,9 +5786,9 @@
     <dgm:cxn modelId="{A271E83C-9FCF-4625-9F9E-C9C58C0DA20B}" type="presOf" srcId="{688A9A41-A4D7-4D92-A9A7-BC49AA0FE5CC}" destId="{34AC174D-566E-4108-83AB-F6394CFF280B}" srcOrd="0" destOrd="0" presId="urn:microsoft.com/office/officeart/2005/8/layout/hierarchy6"/>
     <dgm:cxn modelId="{7810A23E-19F3-40A3-880A-C1C2B6E9F385}" type="presOf" srcId="{7C00C073-BF38-46FC-B863-CEE1AFB54C2F}" destId="{6AF7DBFC-D790-4DD8-AB8A-25D330052338}" srcOrd="0" destOrd="0" presId="urn:microsoft.com/office/officeart/2005/8/layout/hierarchy6"/>
     <dgm:cxn modelId="{C0799940-AC80-4575-8E94-C67131653D25}" type="presOf" srcId="{1C11AD53-DC8C-44E4-BB5C-899D66510AC7}" destId="{E4F2FF7A-5375-467B-8A90-6DA45AA048BF}" srcOrd="0" destOrd="0" presId="urn:microsoft.com/office/officeart/2005/8/layout/hierarchy6"/>
+    <dgm:cxn modelId="{E04E2C46-35C5-4EE7-BFD7-20E268F3335C}" type="presOf" srcId="{3B0CDD6F-7BF1-4B15-8B3D-F013CD11B9E8}" destId="{3C99AAED-B684-4694-96C9-7A82393050F2}" srcOrd="0" destOrd="0" presId="urn:microsoft.com/office/officeart/2005/8/layout/hierarchy6"/>
     <dgm:cxn modelId="{215F835F-394F-4487-9F5F-DBB01C7C49FD}" type="presOf" srcId="{4F1B2645-19FE-4B4E-B6AE-C8D433580967}" destId="{7DE03E4D-6BED-4040-B0D6-D42EA22F1400}" srcOrd="0" destOrd="0" presId="urn:microsoft.com/office/officeart/2005/8/layout/hierarchy6"/>
     <dgm:cxn modelId="{A9407161-FB08-487B-A267-AD9038DFB93B}" srcId="{1C11AD53-DC8C-44E4-BB5C-899D66510AC7}" destId="{4F1B2645-19FE-4B4E-B6AE-C8D433580967}" srcOrd="2" destOrd="0" parTransId="{72F26542-DFD6-45F1-B1D7-8E55DA8404D7}" sibTransId="{F7B35DB6-1546-466F-B078-90BAFA48E5CE}"/>
-    <dgm:cxn modelId="{E04E2C46-35C5-4EE7-BFD7-20E268F3335C}" type="presOf" srcId="{3B0CDD6F-7BF1-4B15-8B3D-F013CD11B9E8}" destId="{3C99AAED-B684-4694-96C9-7A82393050F2}" srcOrd="0" destOrd="0" presId="urn:microsoft.com/office/officeart/2005/8/layout/hierarchy6"/>
     <dgm:cxn modelId="{7A8E2369-E434-477A-890F-6D49D6B38710}" type="presOf" srcId="{DD0EAFEE-F74D-466C-8144-6F46427E2867}" destId="{4F30E04F-6A3B-4941-BCA5-5BB9140148C4}" srcOrd="0" destOrd="0" presId="urn:microsoft.com/office/officeart/2005/8/layout/hierarchy6"/>
     <dgm:cxn modelId="{C9040A6B-EE17-40B9-BA96-AC8D6CDF933B}" type="presOf" srcId="{1A6F0C1E-DBD3-44E5-BF2C-100615D542D8}" destId="{978B42CF-A760-4F14-8221-562401F0E80F}" srcOrd="0" destOrd="0" presId="urn:microsoft.com/office/officeart/2005/8/layout/hierarchy6"/>
     <dgm:cxn modelId="{0C928E71-421C-44E9-909E-228E5247AF22}" srcId="{A22C65BD-D84C-40B4-9EC1-9DC3A110556B}" destId="{16CFF68F-E4A4-4A01-9688-8381847ACCD3}" srcOrd="0" destOrd="0" parTransId="{688A9A41-A4D7-4D92-A9A7-BC49AA0FE5CC}" sibTransId="{6D498FFC-17EC-45BD-AB7E-63D01C1DE9DE}"/>
@@ -10529,52 +10484,20 @@
       </dsp:nvSpPr>
       <dsp:spPr>
         <a:xfrm>
-          <a:off x="4959377" y="1216739"/>
-          <a:ext cx="1525532" cy="1017021"/>
+          <a:off x="3626074" y="1425242"/>
+          <a:ext cx="2945374" cy="884118"/>
         </a:xfrm>
         <a:prstGeom prst="roundRect">
           <a:avLst>
             <a:gd name="adj" fmla="val 10000"/>
           </a:avLst>
         </a:prstGeom>
-        <a:gradFill rotWithShape="0">
-          <a:gsLst>
-            <a:gs pos="0">
-              <a:schemeClr val="accent1">
-                <a:hueOff val="0"/>
-                <a:satOff val="0"/>
-                <a:lumOff val="0"/>
-                <a:alphaOff val="0"/>
-                <a:lumMod val="110000"/>
-                <a:satMod val="105000"/>
-                <a:tint val="67000"/>
-              </a:schemeClr>
-            </a:gs>
-            <a:gs pos="50000">
-              <a:schemeClr val="accent1">
-                <a:hueOff val="0"/>
-                <a:satOff val="0"/>
-                <a:lumOff val="0"/>
-                <a:alphaOff val="0"/>
-                <a:lumMod val="105000"/>
-                <a:satMod val="103000"/>
-                <a:tint val="73000"/>
-              </a:schemeClr>
-            </a:gs>
-            <a:gs pos="100000">
-              <a:schemeClr val="accent1">
-                <a:hueOff val="0"/>
-                <a:satOff val="0"/>
-                <a:lumOff val="0"/>
-                <a:alphaOff val="0"/>
-                <a:lumMod val="105000"/>
-                <a:satMod val="109000"/>
-                <a:tint val="81000"/>
-              </a:schemeClr>
-            </a:gs>
-          </a:gsLst>
-          <a:lin ang="5400000" scaled="0"/>
-        </a:gradFill>
+        <a:solidFill>
+          <a:schemeClr val="accent1">
+            <a:lumMod val="20000"/>
+            <a:lumOff val="80000"/>
+          </a:schemeClr>
+        </a:solidFill>
         <a:ln>
           <a:noFill/>
         </a:ln>
@@ -10602,12 +10525,12 @@
         </a:fontRef>
       </dsp:style>
       <dsp:txBody>
-        <a:bodyPr spcFirstLastPara="0" vert="horz" wrap="square" lIns="87630" tIns="87630" rIns="87630" bIns="87630" numCol="1" spcCol="1270" anchor="ctr" anchorCtr="0">
+        <a:bodyPr spcFirstLastPara="0" vert="horz" wrap="square" lIns="80010" tIns="80010" rIns="80010" bIns="80010" numCol="1" spcCol="1270" anchor="ctr" anchorCtr="0">
           <a:noAutofit/>
         </a:bodyPr>
         <a:lstStyle/>
         <a:p>
-          <a:pPr marL="0" lvl="0" indent="0" algn="ctr" defTabSz="1022350">
+          <a:pPr marL="0" lvl="0" indent="0" algn="ctr" defTabSz="933450">
             <a:lnSpc>
               <a:spcPct val="90000"/>
             </a:lnSpc>
@@ -10620,25 +10543,14 @@
             <a:buNone/>
           </a:pPr>
           <a:r>
-            <a:rPr lang="de-DE" sz="2300" kern="1200" dirty="0"/>
-            <a:t>Garten-</a:t>
-          </a:r>
-          <a:br>
-            <a:rPr lang="de-DE" sz="2300" kern="1200" dirty="0"/>
-          </a:br>
-          <a:r>
-            <a:rPr lang="de-DE" sz="2300" kern="1200" dirty="0" err="1"/>
-            <a:t>hochbahn</a:t>
-          </a:r>
-          <a:r>
-            <a:rPr lang="de-DE" sz="2300" kern="1200" dirty="0"/>
-            <a:t> </a:t>
+            <a:rPr lang="de-DE" sz="2100" kern="1200" dirty="0"/>
+            <a:t>Gartenhochbahn </a:t>
           </a:r>
         </a:p>
       </dsp:txBody>
       <dsp:txXfrm>
-        <a:off x="4989165" y="1246527"/>
-        <a:ext cx="1465956" cy="957445"/>
+        <a:off x="3651969" y="1451137"/>
+        <a:ext cx="2893584" cy="832328"/>
       </dsp:txXfrm>
     </dsp:sp>
     <dsp:sp modelId="{5F0B754B-2F6A-4FC8-9086-ED328C6504B5}">
@@ -10648,8 +10560,8 @@
       </dsp:nvSpPr>
       <dsp:spPr>
         <a:xfrm>
-          <a:off x="1755759" y="2233761"/>
-          <a:ext cx="3966384" cy="406808"/>
+          <a:off x="1553607" y="2309361"/>
+          <a:ext cx="3545155" cy="344938"/>
         </a:xfrm>
         <a:custGeom>
           <a:avLst/>
@@ -10660,16 +10572,16 @@
           <a:pathLst>
             <a:path>
               <a:moveTo>
-                <a:pt x="3966384" y="0"/>
+                <a:pt x="3545155" y="0"/>
               </a:moveTo>
               <a:lnTo>
-                <a:pt x="3966384" y="203404"/>
+                <a:pt x="3545155" y="172469"/>
               </a:lnTo>
               <a:lnTo>
-                <a:pt x="0" y="203404"/>
+                <a:pt x="0" y="172469"/>
               </a:lnTo>
               <a:lnTo>
-                <a:pt x="0" y="406808"/>
+                <a:pt x="0" y="344938"/>
               </a:lnTo>
             </a:path>
           </a:pathLst>
@@ -10677,7 +10589,8 @@
         <a:noFill/>
         <a:ln w="12700" cap="flat" cmpd="sng" algn="ctr">
           <a:solidFill>
-            <a:schemeClr val="accent2">
+            <a:schemeClr val="dk1">
+              <a:shade val="60000"/>
               <a:hueOff val="0"/>
               <a:satOff val="0"/>
               <a:lumOff val="0"/>
@@ -10709,52 +10622,20 @@
       </dsp:nvSpPr>
       <dsp:spPr>
         <a:xfrm>
-          <a:off x="992993" y="2640570"/>
-          <a:ext cx="1525532" cy="1017021"/>
+          <a:off x="890518" y="2654300"/>
+          <a:ext cx="1326177" cy="884118"/>
         </a:xfrm>
         <a:prstGeom prst="roundRect">
           <a:avLst>
             <a:gd name="adj" fmla="val 10000"/>
           </a:avLst>
         </a:prstGeom>
-        <a:gradFill rotWithShape="0">
-          <a:gsLst>
-            <a:gs pos="0">
-              <a:schemeClr val="accent2">
-                <a:hueOff val="0"/>
-                <a:satOff val="0"/>
-                <a:lumOff val="0"/>
-                <a:alphaOff val="0"/>
-                <a:lumMod val="110000"/>
-                <a:satMod val="105000"/>
-                <a:tint val="67000"/>
-              </a:schemeClr>
-            </a:gs>
-            <a:gs pos="50000">
-              <a:schemeClr val="accent2">
-                <a:hueOff val="0"/>
-                <a:satOff val="0"/>
-                <a:lumOff val="0"/>
-                <a:alphaOff val="0"/>
-                <a:lumMod val="105000"/>
-                <a:satMod val="103000"/>
-                <a:tint val="73000"/>
-              </a:schemeClr>
-            </a:gs>
-            <a:gs pos="100000">
-              <a:schemeClr val="accent2">
-                <a:hueOff val="0"/>
-                <a:satOff val="0"/>
-                <a:lumOff val="0"/>
-                <a:alphaOff val="0"/>
-                <a:lumMod val="105000"/>
-                <a:satMod val="109000"/>
-                <a:tint val="81000"/>
-              </a:schemeClr>
-            </a:gs>
-          </a:gsLst>
-          <a:lin ang="5400000" scaled="0"/>
-        </a:gradFill>
+        <a:solidFill>
+          <a:schemeClr val="accent6">
+            <a:lumMod val="20000"/>
+            <a:lumOff val="80000"/>
+          </a:schemeClr>
+        </a:solidFill>
         <a:ln>
           <a:noFill/>
         </a:ln>
@@ -10782,12 +10663,12 @@
         </a:fontRef>
       </dsp:style>
       <dsp:txBody>
-        <a:bodyPr spcFirstLastPara="0" vert="horz" wrap="square" lIns="87630" tIns="87630" rIns="87630" bIns="87630" numCol="1" spcCol="1270" anchor="ctr" anchorCtr="0">
+        <a:bodyPr spcFirstLastPara="0" vert="horz" wrap="square" lIns="80010" tIns="80010" rIns="80010" bIns="80010" numCol="1" spcCol="1270" anchor="ctr" anchorCtr="0">
           <a:noAutofit/>
         </a:bodyPr>
         <a:lstStyle/>
         <a:p>
-          <a:pPr marL="0" lvl="0" indent="0" algn="ctr" defTabSz="1022350">
+          <a:pPr marL="0" lvl="0" indent="0" algn="ctr" defTabSz="933450">
             <a:lnSpc>
               <a:spcPct val="90000"/>
             </a:lnSpc>
@@ -10800,14 +10681,22 @@
             <a:buNone/>
           </a:pPr>
           <a:r>
-            <a:rPr lang="de-DE" sz="2300" kern="1200" dirty="0"/>
-            <a:t>Aktorik </a:t>
+            <a:rPr lang="de-DE" sz="2100" kern="1200" dirty="0"/>
+            <a:t>1. </a:t>
+          </a:r>
+          <a:r>
+            <a:rPr lang="de-DE" sz="2100" kern="1200" dirty="0" err="1"/>
+            <a:t>Aktorik</a:t>
+          </a:r>
+          <a:r>
+            <a:rPr lang="de-DE" sz="2100" kern="1200" dirty="0"/>
+            <a:t> </a:t>
           </a:r>
         </a:p>
       </dsp:txBody>
       <dsp:txXfrm>
-        <a:off x="1022781" y="2670358"/>
-        <a:ext cx="1465956" cy="957445"/>
+        <a:off x="916413" y="2680195"/>
+        <a:ext cx="1274387" cy="832328"/>
       </dsp:txXfrm>
     </dsp:sp>
     <dsp:sp modelId="{7773219A-97D0-44ED-9A77-398536D264D9}">
@@ -10817,8 +10706,8 @@
       </dsp:nvSpPr>
       <dsp:spPr>
         <a:xfrm>
-          <a:off x="764163" y="3657591"/>
-          <a:ext cx="991596" cy="406808"/>
+          <a:off x="665916" y="3538418"/>
+          <a:ext cx="887690" cy="353647"/>
         </a:xfrm>
         <a:custGeom>
           <a:avLst/>
@@ -10829,16 +10718,16 @@
           <a:pathLst>
             <a:path>
               <a:moveTo>
-                <a:pt x="991596" y="0"/>
+                <a:pt x="887690" y="0"/>
               </a:moveTo>
               <a:lnTo>
-                <a:pt x="991596" y="203404"/>
+                <a:pt x="887690" y="176823"/>
               </a:lnTo>
               <a:lnTo>
-                <a:pt x="0" y="203404"/>
+                <a:pt x="0" y="176823"/>
               </a:lnTo>
               <a:lnTo>
-                <a:pt x="0" y="406808"/>
+                <a:pt x="0" y="353647"/>
               </a:lnTo>
             </a:path>
           </a:pathLst>
@@ -10846,7 +10735,8 @@
         <a:noFill/>
         <a:ln w="12700" cap="flat" cmpd="sng" algn="ctr">
           <a:solidFill>
-            <a:schemeClr val="accent3">
+            <a:schemeClr val="dk1">
+              <a:shade val="80000"/>
               <a:hueOff val="0"/>
               <a:satOff val="0"/>
               <a:lumOff val="0"/>
@@ -10878,52 +10768,20 @@
       </dsp:nvSpPr>
       <dsp:spPr>
         <a:xfrm>
-          <a:off x="1397" y="4064400"/>
-          <a:ext cx="1525532" cy="1017021"/>
+          <a:off x="2827" y="3892066"/>
+          <a:ext cx="1326177" cy="884118"/>
         </a:xfrm>
         <a:prstGeom prst="roundRect">
           <a:avLst>
             <a:gd name="adj" fmla="val 10000"/>
           </a:avLst>
         </a:prstGeom>
-        <a:gradFill rotWithShape="0">
-          <a:gsLst>
-            <a:gs pos="0">
-              <a:schemeClr val="accent3">
-                <a:hueOff val="0"/>
-                <a:satOff val="0"/>
-                <a:lumOff val="0"/>
-                <a:alphaOff val="0"/>
-                <a:lumMod val="110000"/>
-                <a:satMod val="105000"/>
-                <a:tint val="67000"/>
-              </a:schemeClr>
-            </a:gs>
-            <a:gs pos="50000">
-              <a:schemeClr val="accent3">
-                <a:hueOff val="0"/>
-                <a:satOff val="0"/>
-                <a:lumOff val="0"/>
-                <a:alphaOff val="0"/>
-                <a:lumMod val="105000"/>
-                <a:satMod val="103000"/>
-                <a:tint val="73000"/>
-              </a:schemeClr>
-            </a:gs>
-            <a:gs pos="100000">
-              <a:schemeClr val="accent3">
-                <a:hueOff val="0"/>
-                <a:satOff val="0"/>
-                <a:lumOff val="0"/>
-                <a:alphaOff val="0"/>
-                <a:lumMod val="105000"/>
-                <a:satMod val="109000"/>
-                <a:tint val="81000"/>
-              </a:schemeClr>
-            </a:gs>
-          </a:gsLst>
-          <a:lin ang="5400000" scaled="0"/>
-        </a:gradFill>
+        <a:solidFill>
+          <a:schemeClr val="accent4">
+            <a:lumMod val="20000"/>
+            <a:lumOff val="80000"/>
+          </a:schemeClr>
+        </a:solidFill>
         <a:ln>
           <a:noFill/>
         </a:ln>
@@ -10951,12 +10809,12 @@
         </a:fontRef>
       </dsp:style>
       <dsp:txBody>
-        <a:bodyPr spcFirstLastPara="0" vert="horz" wrap="square" lIns="87630" tIns="87630" rIns="87630" bIns="87630" numCol="1" spcCol="1270" anchor="ctr" anchorCtr="0">
+        <a:bodyPr spcFirstLastPara="0" vert="horz" wrap="square" lIns="80010" tIns="80010" rIns="80010" bIns="80010" numCol="1" spcCol="1270" anchor="ctr" anchorCtr="0">
           <a:noAutofit/>
         </a:bodyPr>
         <a:lstStyle/>
         <a:p>
-          <a:pPr marL="0" lvl="0" indent="0" algn="ctr" defTabSz="1022350">
+          <a:pPr marL="0" lvl="0" indent="0" algn="ctr" defTabSz="933450">
             <a:lnSpc>
               <a:spcPct val="90000"/>
             </a:lnSpc>
@@ -10969,14 +10827,14 @@
             <a:buNone/>
           </a:pPr>
           <a:r>
-            <a:rPr lang="de-DE" sz="2300" kern="1200" dirty="0"/>
-            <a:t>Motor</a:t>
+            <a:rPr lang="de-DE" sz="2100" kern="1200" dirty="0"/>
+            <a:t>1.1 Motor</a:t>
           </a:r>
         </a:p>
       </dsp:txBody>
       <dsp:txXfrm>
-        <a:off x="31185" y="4094188"/>
-        <a:ext cx="1465956" cy="957445"/>
+        <a:off x="28722" y="3917961"/>
+        <a:ext cx="1274387" cy="832328"/>
       </dsp:txXfrm>
     </dsp:sp>
     <dsp:sp modelId="{4F30E04F-6A3B-4941-BCA5-5BB9140148C4}">
@@ -10986,8 +10844,8 @@
       </dsp:nvSpPr>
       <dsp:spPr>
         <a:xfrm>
-          <a:off x="1755759" y="3657591"/>
-          <a:ext cx="991596" cy="406808"/>
+          <a:off x="1553607" y="3538418"/>
+          <a:ext cx="836340" cy="353647"/>
         </a:xfrm>
         <a:custGeom>
           <a:avLst/>
@@ -11001,13 +10859,13 @@
                 <a:pt x="0" y="0"/>
               </a:moveTo>
               <a:lnTo>
-                <a:pt x="0" y="203404"/>
+                <a:pt x="0" y="176823"/>
               </a:lnTo>
               <a:lnTo>
-                <a:pt x="991596" y="203404"/>
+                <a:pt x="836340" y="176823"/>
               </a:lnTo>
               <a:lnTo>
-                <a:pt x="991596" y="406808"/>
+                <a:pt x="836340" y="353647"/>
               </a:lnTo>
             </a:path>
           </a:pathLst>
@@ -11015,7 +10873,8 @@
         <a:noFill/>
         <a:ln w="12700" cap="flat" cmpd="sng" algn="ctr">
           <a:solidFill>
-            <a:schemeClr val="accent3">
+            <a:schemeClr val="dk1">
+              <a:shade val="80000"/>
               <a:hueOff val="0"/>
               <a:satOff val="0"/>
               <a:lumOff val="0"/>
@@ -11047,52 +10906,20 @@
       </dsp:nvSpPr>
       <dsp:spPr>
         <a:xfrm>
-          <a:off x="1984589" y="4064400"/>
-          <a:ext cx="1525532" cy="1017021"/>
+          <a:off x="1726858" y="3892066"/>
+          <a:ext cx="1326177" cy="884118"/>
         </a:xfrm>
         <a:prstGeom prst="roundRect">
           <a:avLst>
             <a:gd name="adj" fmla="val 10000"/>
           </a:avLst>
         </a:prstGeom>
-        <a:gradFill rotWithShape="0">
-          <a:gsLst>
-            <a:gs pos="0">
-              <a:schemeClr val="accent3">
-                <a:hueOff val="0"/>
-                <a:satOff val="0"/>
-                <a:lumOff val="0"/>
-                <a:alphaOff val="0"/>
-                <a:lumMod val="110000"/>
-                <a:satMod val="105000"/>
-                <a:tint val="67000"/>
-              </a:schemeClr>
-            </a:gs>
-            <a:gs pos="50000">
-              <a:schemeClr val="accent3">
-                <a:hueOff val="0"/>
-                <a:satOff val="0"/>
-                <a:lumOff val="0"/>
-                <a:alphaOff val="0"/>
-                <a:lumMod val="105000"/>
-                <a:satMod val="103000"/>
-                <a:tint val="73000"/>
-              </a:schemeClr>
-            </a:gs>
-            <a:gs pos="100000">
-              <a:schemeClr val="accent3">
-                <a:hueOff val="0"/>
-                <a:satOff val="0"/>
-                <a:lumOff val="0"/>
-                <a:alphaOff val="0"/>
-                <a:lumMod val="105000"/>
-                <a:satMod val="109000"/>
-                <a:tint val="81000"/>
-              </a:schemeClr>
-            </a:gs>
-          </a:gsLst>
-          <a:lin ang="5400000" scaled="0"/>
-        </a:gradFill>
+        <a:solidFill>
+          <a:schemeClr val="accent4">
+            <a:lumMod val="20000"/>
+            <a:lumOff val="80000"/>
+          </a:schemeClr>
+        </a:solidFill>
         <a:ln>
           <a:noFill/>
         </a:ln>
@@ -11120,12 +10947,12 @@
         </a:fontRef>
       </dsp:style>
       <dsp:txBody>
-        <a:bodyPr spcFirstLastPara="0" vert="horz" wrap="square" lIns="87630" tIns="87630" rIns="87630" bIns="87630" numCol="1" spcCol="1270" anchor="ctr" anchorCtr="0">
+        <a:bodyPr spcFirstLastPara="0" vert="horz" wrap="square" lIns="80010" tIns="80010" rIns="80010" bIns="80010" numCol="1" spcCol="1270" anchor="ctr" anchorCtr="0">
           <a:noAutofit/>
         </a:bodyPr>
         <a:lstStyle/>
         <a:p>
-          <a:pPr marL="0" lvl="0" indent="0" algn="ctr" defTabSz="1022350">
+          <a:pPr marL="0" lvl="0" indent="0" algn="ctr" defTabSz="933450">
             <a:lnSpc>
               <a:spcPct val="90000"/>
             </a:lnSpc>
@@ -11138,14 +10965,14 @@
             <a:buNone/>
           </a:pPr>
           <a:r>
-            <a:rPr lang="de-DE" sz="2300" kern="1200" dirty="0"/>
-            <a:t>Getriebe</a:t>
+            <a:rPr lang="de-DE" sz="2100" kern="1200" dirty="0"/>
+            <a:t>1.2. Getriebe</a:t>
           </a:r>
         </a:p>
       </dsp:txBody>
       <dsp:txXfrm>
-        <a:off x="2014377" y="4094188"/>
-        <a:ext cx="1465956" cy="957445"/>
+        <a:off x="1752753" y="3917961"/>
+        <a:ext cx="1274387" cy="832328"/>
       </dsp:txXfrm>
     </dsp:sp>
     <dsp:sp modelId="{438DA641-D23D-4996-A012-7BCD7BC4C7FB}">
@@ -11155,8 +10982,8 @@
       </dsp:nvSpPr>
       <dsp:spPr>
         <a:xfrm>
-          <a:off x="5676423" y="2233761"/>
-          <a:ext cx="91440" cy="406808"/>
+          <a:off x="5053042" y="2309361"/>
+          <a:ext cx="91440" cy="344938"/>
         </a:xfrm>
         <a:custGeom>
           <a:avLst/>
@@ -11170,7 +10997,13 @@
                 <a:pt x="45720" y="0"/>
               </a:moveTo>
               <a:lnTo>
-                <a:pt x="45720" y="406808"/>
+                <a:pt x="45720" y="172469"/>
+              </a:lnTo>
+              <a:lnTo>
+                <a:pt x="55490" y="172469"/>
+              </a:lnTo>
+              <a:lnTo>
+                <a:pt x="55490" y="344938"/>
               </a:lnTo>
             </a:path>
           </a:pathLst>
@@ -11178,7 +11011,8 @@
         <a:noFill/>
         <a:ln w="12700" cap="flat" cmpd="sng" algn="ctr">
           <a:solidFill>
-            <a:schemeClr val="accent2">
+            <a:schemeClr val="dk1">
+              <a:shade val="60000"/>
               <a:hueOff val="0"/>
               <a:satOff val="0"/>
               <a:lumOff val="0"/>
@@ -11210,52 +11044,20 @@
       </dsp:nvSpPr>
       <dsp:spPr>
         <a:xfrm>
-          <a:off x="4959377" y="2640570"/>
-          <a:ext cx="1525532" cy="1017021"/>
+          <a:off x="4445443" y="2654300"/>
+          <a:ext cx="1326177" cy="884118"/>
         </a:xfrm>
         <a:prstGeom prst="roundRect">
           <a:avLst>
             <a:gd name="adj" fmla="val 10000"/>
           </a:avLst>
         </a:prstGeom>
-        <a:gradFill rotWithShape="0">
-          <a:gsLst>
-            <a:gs pos="0">
-              <a:schemeClr val="accent2">
-                <a:hueOff val="0"/>
-                <a:satOff val="0"/>
-                <a:lumOff val="0"/>
-                <a:alphaOff val="0"/>
-                <a:lumMod val="110000"/>
-                <a:satMod val="105000"/>
-                <a:tint val="67000"/>
-              </a:schemeClr>
-            </a:gs>
-            <a:gs pos="50000">
-              <a:schemeClr val="accent2">
-                <a:hueOff val="0"/>
-                <a:satOff val="0"/>
-                <a:lumOff val="0"/>
-                <a:alphaOff val="0"/>
-                <a:lumMod val="105000"/>
-                <a:satMod val="103000"/>
-                <a:tint val="73000"/>
-              </a:schemeClr>
-            </a:gs>
-            <a:gs pos="100000">
-              <a:schemeClr val="accent2">
-                <a:hueOff val="0"/>
-                <a:satOff val="0"/>
-                <a:lumOff val="0"/>
-                <a:alphaOff val="0"/>
-                <a:lumMod val="105000"/>
-                <a:satMod val="109000"/>
-                <a:tint val="81000"/>
-              </a:schemeClr>
-            </a:gs>
-          </a:gsLst>
-          <a:lin ang="5400000" scaled="0"/>
-        </a:gradFill>
+        <a:solidFill>
+          <a:schemeClr val="accent6">
+            <a:lumMod val="20000"/>
+            <a:lumOff val="80000"/>
+          </a:schemeClr>
+        </a:solidFill>
         <a:ln>
           <a:noFill/>
         </a:ln>
@@ -11283,12 +11085,12 @@
         </a:fontRef>
       </dsp:style>
       <dsp:txBody>
-        <a:bodyPr spcFirstLastPara="0" vert="horz" wrap="square" lIns="87630" tIns="87630" rIns="87630" bIns="87630" numCol="1" spcCol="1270" anchor="ctr" anchorCtr="0">
+        <a:bodyPr spcFirstLastPara="0" vert="horz" wrap="square" lIns="80010" tIns="80010" rIns="80010" bIns="80010" numCol="1" spcCol="1270" anchor="ctr" anchorCtr="0">
           <a:noAutofit/>
         </a:bodyPr>
         <a:lstStyle/>
         <a:p>
-          <a:pPr marL="0" lvl="0" indent="0" algn="ctr" defTabSz="1022350">
+          <a:pPr marL="0" lvl="0" indent="0" algn="ctr" defTabSz="933450">
             <a:lnSpc>
               <a:spcPct val="90000"/>
             </a:lnSpc>
@@ -11301,14 +11103,14 @@
             <a:buNone/>
           </a:pPr>
           <a:r>
-            <a:rPr lang="de-DE" sz="2300" kern="1200" dirty="0"/>
-            <a:t>Energie</a:t>
+            <a:rPr lang="de-DE" sz="2100" kern="1200" dirty="0"/>
+            <a:t>2. Energie</a:t>
           </a:r>
         </a:p>
       </dsp:txBody>
       <dsp:txXfrm>
-        <a:off x="4989165" y="2670358"/>
-        <a:ext cx="1465956" cy="957445"/>
+        <a:off x="4471338" y="2680195"/>
+        <a:ext cx="1274387" cy="832328"/>
       </dsp:txXfrm>
     </dsp:sp>
     <dsp:sp modelId="{34AC174D-566E-4108-83AB-F6394CFF280B}">
@@ -11318,8 +11120,8 @@
       </dsp:nvSpPr>
       <dsp:spPr>
         <a:xfrm>
-          <a:off x="4730547" y="3657591"/>
-          <a:ext cx="991596" cy="406808"/>
+          <a:off x="4113978" y="3538418"/>
+          <a:ext cx="994553" cy="353647"/>
         </a:xfrm>
         <a:custGeom>
           <a:avLst/>
@@ -11330,16 +11132,16 @@
           <a:pathLst>
             <a:path>
               <a:moveTo>
-                <a:pt x="991596" y="0"/>
+                <a:pt x="994553" y="0"/>
               </a:moveTo>
               <a:lnTo>
-                <a:pt x="991596" y="203404"/>
+                <a:pt x="994553" y="176823"/>
               </a:lnTo>
               <a:lnTo>
-                <a:pt x="0" y="203404"/>
+                <a:pt x="0" y="176823"/>
               </a:lnTo>
               <a:lnTo>
-                <a:pt x="0" y="406808"/>
+                <a:pt x="0" y="353647"/>
               </a:lnTo>
             </a:path>
           </a:pathLst>
@@ -11347,7 +11149,8 @@
         <a:noFill/>
         <a:ln w="12700" cap="flat" cmpd="sng" algn="ctr">
           <a:solidFill>
-            <a:schemeClr val="accent3">
+            <a:schemeClr val="dk1">
+              <a:shade val="80000"/>
               <a:hueOff val="0"/>
               <a:satOff val="0"/>
               <a:lumOff val="0"/>
@@ -11379,52 +11182,20 @@
       </dsp:nvSpPr>
       <dsp:spPr>
         <a:xfrm>
-          <a:off x="3967781" y="4064400"/>
-          <a:ext cx="1525532" cy="1017021"/>
+          <a:off x="3450890" y="3892066"/>
+          <a:ext cx="1326177" cy="884118"/>
         </a:xfrm>
         <a:prstGeom prst="roundRect">
           <a:avLst>
             <a:gd name="adj" fmla="val 10000"/>
           </a:avLst>
         </a:prstGeom>
-        <a:gradFill rotWithShape="0">
-          <a:gsLst>
-            <a:gs pos="0">
-              <a:schemeClr val="accent3">
-                <a:hueOff val="0"/>
-                <a:satOff val="0"/>
-                <a:lumOff val="0"/>
-                <a:alphaOff val="0"/>
-                <a:lumMod val="110000"/>
-                <a:satMod val="105000"/>
-                <a:tint val="67000"/>
-              </a:schemeClr>
-            </a:gs>
-            <a:gs pos="50000">
-              <a:schemeClr val="accent3">
-                <a:hueOff val="0"/>
-                <a:satOff val="0"/>
-                <a:lumOff val="0"/>
-                <a:alphaOff val="0"/>
-                <a:lumMod val="105000"/>
-                <a:satMod val="103000"/>
-                <a:tint val="73000"/>
-              </a:schemeClr>
-            </a:gs>
-            <a:gs pos="100000">
-              <a:schemeClr val="accent3">
-                <a:hueOff val="0"/>
-                <a:satOff val="0"/>
-                <a:lumOff val="0"/>
-                <a:alphaOff val="0"/>
-                <a:lumMod val="105000"/>
-                <a:satMod val="109000"/>
-                <a:tint val="81000"/>
-              </a:schemeClr>
-            </a:gs>
-          </a:gsLst>
-          <a:lin ang="5400000" scaled="0"/>
-        </a:gradFill>
+        <a:solidFill>
+          <a:schemeClr val="accent4">
+            <a:lumMod val="20000"/>
+            <a:lumOff val="80000"/>
+          </a:schemeClr>
+        </a:solidFill>
         <a:ln>
           <a:noFill/>
         </a:ln>
@@ -11452,12 +11223,12 @@
         </a:fontRef>
       </dsp:style>
       <dsp:txBody>
-        <a:bodyPr spcFirstLastPara="0" vert="horz" wrap="square" lIns="87630" tIns="87630" rIns="87630" bIns="87630" numCol="1" spcCol="1270" anchor="ctr" anchorCtr="0">
+        <a:bodyPr spcFirstLastPara="0" vert="horz" wrap="square" lIns="80010" tIns="80010" rIns="80010" bIns="80010" numCol="1" spcCol="1270" anchor="ctr" anchorCtr="0">
           <a:noAutofit/>
         </a:bodyPr>
         <a:lstStyle/>
         <a:p>
-          <a:pPr marL="0" lvl="0" indent="0" algn="ctr" defTabSz="1022350">
+          <a:pPr marL="0" lvl="0" indent="0" algn="ctr" defTabSz="933450">
             <a:lnSpc>
               <a:spcPct val="90000"/>
             </a:lnSpc>
@@ -11470,14 +11241,14 @@
             <a:buNone/>
           </a:pPr>
           <a:r>
-            <a:rPr lang="de-DE" sz="2300" kern="1200" dirty="0"/>
-            <a:t>Akku </a:t>
+            <a:rPr lang="de-DE" sz="2100" kern="1200" dirty="0"/>
+            <a:t>2.1. Akku </a:t>
           </a:r>
         </a:p>
       </dsp:txBody>
       <dsp:txXfrm>
-        <a:off x="3997569" y="4094188"/>
-        <a:ext cx="1465956" cy="957445"/>
+        <a:off x="3476785" y="3917961"/>
+        <a:ext cx="1274387" cy="832328"/>
       </dsp:txXfrm>
     </dsp:sp>
     <dsp:sp modelId="{92BE1152-2F5C-414D-B3A6-FC61AD83063B}">
@@ -11487,8 +11258,8 @@
       </dsp:nvSpPr>
       <dsp:spPr>
         <a:xfrm>
-          <a:off x="5722143" y="3657591"/>
-          <a:ext cx="991596" cy="406808"/>
+          <a:off x="5108532" y="3538418"/>
+          <a:ext cx="729477" cy="353647"/>
         </a:xfrm>
         <a:custGeom>
           <a:avLst/>
@@ -11502,13 +11273,13 @@
                 <a:pt x="0" y="0"/>
               </a:moveTo>
               <a:lnTo>
-                <a:pt x="0" y="203404"/>
+                <a:pt x="0" y="176823"/>
               </a:lnTo>
               <a:lnTo>
-                <a:pt x="991596" y="203404"/>
+                <a:pt x="729477" y="176823"/>
               </a:lnTo>
               <a:lnTo>
-                <a:pt x="991596" y="406808"/>
+                <a:pt x="729477" y="353647"/>
               </a:lnTo>
             </a:path>
           </a:pathLst>
@@ -11516,7 +11287,8 @@
         <a:noFill/>
         <a:ln w="12700" cap="flat" cmpd="sng" algn="ctr">
           <a:solidFill>
-            <a:schemeClr val="accent3">
+            <a:schemeClr val="dk1">
+              <a:shade val="80000"/>
               <a:hueOff val="0"/>
               <a:satOff val="0"/>
               <a:lumOff val="0"/>
@@ -11548,52 +11320,20 @@
       </dsp:nvSpPr>
       <dsp:spPr>
         <a:xfrm>
-          <a:off x="5950973" y="4064400"/>
-          <a:ext cx="1525532" cy="1017021"/>
+          <a:off x="5174921" y="3892066"/>
+          <a:ext cx="1326177" cy="884118"/>
         </a:xfrm>
         <a:prstGeom prst="roundRect">
           <a:avLst>
             <a:gd name="adj" fmla="val 10000"/>
           </a:avLst>
         </a:prstGeom>
-        <a:gradFill rotWithShape="0">
-          <a:gsLst>
-            <a:gs pos="0">
-              <a:schemeClr val="accent3">
-                <a:hueOff val="0"/>
-                <a:satOff val="0"/>
-                <a:lumOff val="0"/>
-                <a:alphaOff val="0"/>
-                <a:lumMod val="110000"/>
-                <a:satMod val="105000"/>
-                <a:tint val="67000"/>
-              </a:schemeClr>
-            </a:gs>
-            <a:gs pos="50000">
-              <a:schemeClr val="accent3">
-                <a:hueOff val="0"/>
-                <a:satOff val="0"/>
-                <a:lumOff val="0"/>
-                <a:alphaOff val="0"/>
-                <a:lumMod val="105000"/>
-                <a:satMod val="103000"/>
-                <a:tint val="73000"/>
-              </a:schemeClr>
-            </a:gs>
-            <a:gs pos="100000">
-              <a:schemeClr val="accent3">
-                <a:hueOff val="0"/>
-                <a:satOff val="0"/>
-                <a:lumOff val="0"/>
-                <a:alphaOff val="0"/>
-                <a:lumMod val="105000"/>
-                <a:satMod val="109000"/>
-                <a:tint val="81000"/>
-              </a:schemeClr>
-            </a:gs>
-          </a:gsLst>
-          <a:lin ang="5400000" scaled="0"/>
-        </a:gradFill>
+        <a:solidFill>
+          <a:schemeClr val="accent4">
+            <a:lumMod val="20000"/>
+            <a:lumOff val="80000"/>
+          </a:schemeClr>
+        </a:solidFill>
         <a:ln>
           <a:noFill/>
         </a:ln>
@@ -11621,12 +11361,12 @@
         </a:fontRef>
       </dsp:style>
       <dsp:txBody>
-        <a:bodyPr spcFirstLastPara="0" vert="horz" wrap="square" lIns="87630" tIns="87630" rIns="87630" bIns="87630" numCol="1" spcCol="1270" anchor="ctr" anchorCtr="0">
+        <a:bodyPr spcFirstLastPara="0" vert="horz" wrap="square" lIns="80010" tIns="80010" rIns="80010" bIns="80010" numCol="1" spcCol="1270" anchor="ctr" anchorCtr="0">
           <a:noAutofit/>
         </a:bodyPr>
         <a:lstStyle/>
         <a:p>
-          <a:pPr marL="0" lvl="0" indent="0" algn="ctr" defTabSz="1022350">
+          <a:pPr marL="0" lvl="0" indent="0" algn="ctr" defTabSz="933450">
             <a:lnSpc>
               <a:spcPct val="90000"/>
             </a:lnSpc>
@@ -11639,14 +11379,14 @@
             <a:buNone/>
           </a:pPr>
           <a:r>
-            <a:rPr lang="de-DE" sz="2300" kern="1200" dirty="0"/>
-            <a:t>Lade-konzept</a:t>
+            <a:rPr lang="de-DE" sz="2100" kern="1200" dirty="0"/>
+            <a:t>2.2. Lade-konzept</a:t>
           </a:r>
         </a:p>
       </dsp:txBody>
       <dsp:txXfrm>
-        <a:off x="5980761" y="4094188"/>
-        <a:ext cx="1465956" cy="957445"/>
+        <a:off x="5200816" y="3917961"/>
+        <a:ext cx="1274387" cy="832328"/>
       </dsp:txXfrm>
     </dsp:sp>
     <dsp:sp modelId="{77C492DB-E3A9-4A40-9DAD-FC5C7E2066DF}">
@@ -11656,8 +11396,8 @@
       </dsp:nvSpPr>
       <dsp:spPr>
         <a:xfrm>
-          <a:off x="5722143" y="2233761"/>
-          <a:ext cx="3966384" cy="406808"/>
+          <a:off x="5098762" y="2309361"/>
+          <a:ext cx="3825131" cy="344938"/>
         </a:xfrm>
         <a:custGeom>
           <a:avLst/>
@@ -11671,13 +11411,13 @@
                 <a:pt x="0" y="0"/>
               </a:moveTo>
               <a:lnTo>
-                <a:pt x="0" y="203404"/>
+                <a:pt x="0" y="172469"/>
               </a:lnTo>
               <a:lnTo>
-                <a:pt x="3966384" y="203404"/>
+                <a:pt x="3825131" y="172469"/>
               </a:lnTo>
               <a:lnTo>
-                <a:pt x="3966384" y="406808"/>
+                <a:pt x="3825131" y="344938"/>
               </a:lnTo>
             </a:path>
           </a:pathLst>
@@ -11685,7 +11425,8 @@
         <a:noFill/>
         <a:ln w="12700" cap="flat" cmpd="sng" algn="ctr">
           <a:solidFill>
-            <a:schemeClr val="accent2">
+            <a:schemeClr val="dk1">
+              <a:shade val="60000"/>
               <a:hueOff val="0"/>
               <a:satOff val="0"/>
               <a:lumOff val="0"/>
@@ -11717,52 +11458,20 @@
       </dsp:nvSpPr>
       <dsp:spPr>
         <a:xfrm>
-          <a:off x="8925761" y="2640570"/>
-          <a:ext cx="1525532" cy="1017021"/>
+          <a:off x="8117862" y="2654300"/>
+          <a:ext cx="1612061" cy="884118"/>
         </a:xfrm>
         <a:prstGeom prst="roundRect">
           <a:avLst>
             <a:gd name="adj" fmla="val 10000"/>
           </a:avLst>
         </a:prstGeom>
-        <a:gradFill rotWithShape="0">
-          <a:gsLst>
-            <a:gs pos="0">
-              <a:schemeClr val="accent2">
-                <a:hueOff val="0"/>
-                <a:satOff val="0"/>
-                <a:lumOff val="0"/>
-                <a:alphaOff val="0"/>
-                <a:lumMod val="110000"/>
-                <a:satMod val="105000"/>
-                <a:tint val="67000"/>
-              </a:schemeClr>
-            </a:gs>
-            <a:gs pos="50000">
-              <a:schemeClr val="accent2">
-                <a:hueOff val="0"/>
-                <a:satOff val="0"/>
-                <a:lumOff val="0"/>
-                <a:alphaOff val="0"/>
-                <a:lumMod val="105000"/>
-                <a:satMod val="103000"/>
-                <a:tint val="73000"/>
-              </a:schemeClr>
-            </a:gs>
-            <a:gs pos="100000">
-              <a:schemeClr val="accent2">
-                <a:hueOff val="0"/>
-                <a:satOff val="0"/>
-                <a:lumOff val="0"/>
-                <a:alphaOff val="0"/>
-                <a:lumMod val="105000"/>
-                <a:satMod val="109000"/>
-                <a:tint val="81000"/>
-              </a:schemeClr>
-            </a:gs>
-          </a:gsLst>
-          <a:lin ang="5400000" scaled="0"/>
-        </a:gradFill>
+        <a:solidFill>
+          <a:schemeClr val="accent6">
+            <a:lumMod val="20000"/>
+            <a:lumOff val="80000"/>
+          </a:schemeClr>
+        </a:solidFill>
         <a:ln>
           <a:noFill/>
         </a:ln>
@@ -11790,12 +11499,12 @@
         </a:fontRef>
       </dsp:style>
       <dsp:txBody>
-        <a:bodyPr spcFirstLastPara="0" vert="horz" wrap="square" lIns="87630" tIns="87630" rIns="87630" bIns="87630" numCol="1" spcCol="1270" anchor="ctr" anchorCtr="0">
+        <a:bodyPr spcFirstLastPara="0" vert="horz" wrap="square" lIns="80010" tIns="80010" rIns="80010" bIns="80010" numCol="1" spcCol="1270" anchor="ctr" anchorCtr="0">
           <a:noAutofit/>
         </a:bodyPr>
         <a:lstStyle/>
         <a:p>
-          <a:pPr marL="0" lvl="0" indent="0" algn="ctr" defTabSz="1022350">
+          <a:pPr marL="0" lvl="0" indent="0" algn="ctr" defTabSz="933450">
             <a:lnSpc>
               <a:spcPct val="90000"/>
             </a:lnSpc>
@@ -11808,14 +11517,14 @@
             <a:buNone/>
           </a:pPr>
           <a:r>
-            <a:rPr lang="de-DE" sz="2300" kern="1200" dirty="0"/>
-            <a:t>Sensorik </a:t>
+            <a:rPr lang="de-DE" sz="2100" kern="1200" dirty="0"/>
+            <a:t>3. Sensorik </a:t>
           </a:r>
         </a:p>
       </dsp:txBody>
       <dsp:txXfrm>
-        <a:off x="8955549" y="2670358"/>
-        <a:ext cx="1465956" cy="957445"/>
+        <a:off x="8143757" y="2680195"/>
+        <a:ext cx="1560271" cy="832328"/>
       </dsp:txXfrm>
     </dsp:sp>
     <dsp:sp modelId="{978B42CF-A760-4F14-8221-562401F0E80F}">
@@ -11825,8 +11534,8 @@
       </dsp:nvSpPr>
       <dsp:spPr>
         <a:xfrm>
-          <a:off x="8696931" y="3657591"/>
-          <a:ext cx="991596" cy="406808"/>
+          <a:off x="7793061" y="3538418"/>
+          <a:ext cx="1130831" cy="353647"/>
         </a:xfrm>
         <a:custGeom>
           <a:avLst/>
@@ -11837,16 +11546,16 @@
           <a:pathLst>
             <a:path>
               <a:moveTo>
-                <a:pt x="991596" y="0"/>
+                <a:pt x="1130831" y="0"/>
               </a:moveTo>
               <a:lnTo>
-                <a:pt x="991596" y="203404"/>
+                <a:pt x="1130831" y="176823"/>
               </a:lnTo>
               <a:lnTo>
-                <a:pt x="0" y="203404"/>
+                <a:pt x="0" y="176823"/>
               </a:lnTo>
               <a:lnTo>
-                <a:pt x="0" y="406808"/>
+                <a:pt x="0" y="353647"/>
               </a:lnTo>
             </a:path>
           </a:pathLst>
@@ -11854,7 +11563,8 @@
         <a:noFill/>
         <a:ln w="12700" cap="flat" cmpd="sng" algn="ctr">
           <a:solidFill>
-            <a:schemeClr val="accent3">
+            <a:schemeClr val="dk1">
+              <a:shade val="80000"/>
               <a:hueOff val="0"/>
               <a:satOff val="0"/>
               <a:lumOff val="0"/>
@@ -11886,52 +11596,20 @@
       </dsp:nvSpPr>
       <dsp:spPr>
         <a:xfrm>
-          <a:off x="7934165" y="4064400"/>
-          <a:ext cx="1525532" cy="1017021"/>
+          <a:off x="6898952" y="3892066"/>
+          <a:ext cx="1788218" cy="884118"/>
         </a:xfrm>
         <a:prstGeom prst="roundRect">
           <a:avLst>
             <a:gd name="adj" fmla="val 10000"/>
           </a:avLst>
         </a:prstGeom>
-        <a:gradFill rotWithShape="0">
-          <a:gsLst>
-            <a:gs pos="0">
-              <a:schemeClr val="accent3">
-                <a:hueOff val="0"/>
-                <a:satOff val="0"/>
-                <a:lumOff val="0"/>
-                <a:alphaOff val="0"/>
-                <a:lumMod val="110000"/>
-                <a:satMod val="105000"/>
-                <a:tint val="67000"/>
-              </a:schemeClr>
-            </a:gs>
-            <a:gs pos="50000">
-              <a:schemeClr val="accent3">
-                <a:hueOff val="0"/>
-                <a:satOff val="0"/>
-                <a:lumOff val="0"/>
-                <a:alphaOff val="0"/>
-                <a:lumMod val="105000"/>
-                <a:satMod val="103000"/>
-                <a:tint val="73000"/>
-              </a:schemeClr>
-            </a:gs>
-            <a:gs pos="100000">
-              <a:schemeClr val="accent3">
-                <a:hueOff val="0"/>
-                <a:satOff val="0"/>
-                <a:lumOff val="0"/>
-                <a:alphaOff val="0"/>
-                <a:lumMod val="105000"/>
-                <a:satMod val="109000"/>
-                <a:tint val="81000"/>
-              </a:schemeClr>
-            </a:gs>
-          </a:gsLst>
-          <a:lin ang="5400000" scaled="0"/>
-        </a:gradFill>
+        <a:solidFill>
+          <a:schemeClr val="accent4">
+            <a:lumMod val="20000"/>
+            <a:lumOff val="80000"/>
+          </a:schemeClr>
+        </a:solidFill>
         <a:ln>
           <a:noFill/>
         </a:ln>
@@ -11959,12 +11637,12 @@
         </a:fontRef>
       </dsp:style>
       <dsp:txBody>
-        <a:bodyPr spcFirstLastPara="0" vert="horz" wrap="square" lIns="87630" tIns="87630" rIns="87630" bIns="87630" numCol="1" spcCol="1270" anchor="ctr" anchorCtr="0">
+        <a:bodyPr spcFirstLastPara="0" vert="horz" wrap="square" lIns="80010" tIns="80010" rIns="80010" bIns="80010" numCol="1" spcCol="1270" anchor="ctr" anchorCtr="0">
           <a:noAutofit/>
         </a:bodyPr>
         <a:lstStyle/>
         <a:p>
-          <a:pPr marL="0" lvl="0" indent="0" algn="ctr" defTabSz="1022350">
+          <a:pPr marL="0" lvl="0" indent="0" algn="ctr" defTabSz="933450">
             <a:lnSpc>
               <a:spcPct val="90000"/>
             </a:lnSpc>
@@ -11977,14 +11655,14 @@
             <a:buNone/>
           </a:pPr>
           <a:r>
-            <a:rPr lang="de-DE" sz="2300" kern="1200" dirty="0"/>
-            <a:t>Unfall-verhütung</a:t>
+            <a:rPr lang="de-DE" sz="2100" kern="1200" dirty="0"/>
+            <a:t>3.1. Unfall-verhütung</a:t>
           </a:r>
         </a:p>
       </dsp:txBody>
       <dsp:txXfrm>
-        <a:off x="7963953" y="4094188"/>
-        <a:ext cx="1465956" cy="957445"/>
+        <a:off x="6924847" y="3917961"/>
+        <a:ext cx="1736428" cy="832328"/>
       </dsp:txXfrm>
     </dsp:sp>
     <dsp:sp modelId="{C2254EDE-2B9D-4E1D-9504-D10DFFFC3476}">
@@ -11994,8 +11672,8 @@
       </dsp:nvSpPr>
       <dsp:spPr>
         <a:xfrm>
-          <a:off x="9688527" y="3657591"/>
-          <a:ext cx="991596" cy="406808"/>
+          <a:off x="8923893" y="3538418"/>
+          <a:ext cx="1093035" cy="353647"/>
         </a:xfrm>
         <a:custGeom>
           <a:avLst/>
@@ -12009,13 +11687,13 @@
                 <a:pt x="0" y="0"/>
               </a:moveTo>
               <a:lnTo>
-                <a:pt x="0" y="203404"/>
+                <a:pt x="0" y="176823"/>
               </a:lnTo>
               <a:lnTo>
-                <a:pt x="991596" y="203404"/>
+                <a:pt x="1093035" y="176823"/>
               </a:lnTo>
               <a:lnTo>
-                <a:pt x="991596" y="406808"/>
+                <a:pt x="1093035" y="353647"/>
               </a:lnTo>
             </a:path>
           </a:pathLst>
@@ -12023,7 +11701,8 @@
         <a:noFill/>
         <a:ln w="12700" cap="flat" cmpd="sng" algn="ctr">
           <a:solidFill>
-            <a:schemeClr val="accent3">
+            <a:schemeClr val="dk1">
+              <a:shade val="80000"/>
               <a:hueOff val="0"/>
               <a:satOff val="0"/>
               <a:lumOff val="0"/>
@@ -12055,52 +11734,20 @@
       </dsp:nvSpPr>
       <dsp:spPr>
         <a:xfrm>
-          <a:off x="9917357" y="4064400"/>
-          <a:ext cx="1525532" cy="1017021"/>
+          <a:off x="9085023" y="3892066"/>
+          <a:ext cx="1863810" cy="884118"/>
         </a:xfrm>
         <a:prstGeom prst="roundRect">
           <a:avLst>
             <a:gd name="adj" fmla="val 10000"/>
           </a:avLst>
         </a:prstGeom>
-        <a:gradFill rotWithShape="0">
-          <a:gsLst>
-            <a:gs pos="0">
-              <a:schemeClr val="accent3">
-                <a:hueOff val="0"/>
-                <a:satOff val="0"/>
-                <a:lumOff val="0"/>
-                <a:alphaOff val="0"/>
-                <a:lumMod val="110000"/>
-                <a:satMod val="105000"/>
-                <a:tint val="67000"/>
-              </a:schemeClr>
-            </a:gs>
-            <a:gs pos="50000">
-              <a:schemeClr val="accent3">
-                <a:hueOff val="0"/>
-                <a:satOff val="0"/>
-                <a:lumOff val="0"/>
-                <a:alphaOff val="0"/>
-                <a:lumMod val="105000"/>
-                <a:satMod val="103000"/>
-                <a:tint val="73000"/>
-              </a:schemeClr>
-            </a:gs>
-            <a:gs pos="100000">
-              <a:schemeClr val="accent3">
-                <a:hueOff val="0"/>
-                <a:satOff val="0"/>
-                <a:lumOff val="0"/>
-                <a:alphaOff val="0"/>
-                <a:lumMod val="105000"/>
-                <a:satMod val="109000"/>
-                <a:tint val="81000"/>
-              </a:schemeClr>
-            </a:gs>
-          </a:gsLst>
-          <a:lin ang="5400000" scaled="0"/>
-        </a:gradFill>
+        <a:solidFill>
+          <a:schemeClr val="accent4">
+            <a:lumMod val="20000"/>
+            <a:lumOff val="80000"/>
+          </a:schemeClr>
+        </a:solidFill>
         <a:ln>
           <a:noFill/>
         </a:ln>
@@ -12128,12 +11775,12 @@
         </a:fontRef>
       </dsp:style>
       <dsp:txBody>
-        <a:bodyPr spcFirstLastPara="0" vert="horz" wrap="square" lIns="87630" tIns="87630" rIns="87630" bIns="87630" numCol="1" spcCol="1270" anchor="ctr" anchorCtr="0">
+        <a:bodyPr spcFirstLastPara="0" vert="horz" wrap="square" lIns="80010" tIns="80010" rIns="80010" bIns="80010" numCol="1" spcCol="1270" anchor="ctr" anchorCtr="0">
           <a:noAutofit/>
         </a:bodyPr>
         <a:lstStyle/>
         <a:p>
-          <a:pPr marL="0" lvl="0" indent="0" algn="ctr" defTabSz="1022350">
+          <a:pPr marL="0" lvl="0" indent="0" algn="ctr" defTabSz="933450">
             <a:lnSpc>
               <a:spcPct val="90000"/>
             </a:lnSpc>
@@ -12146,14 +11793,14 @@
             <a:buNone/>
           </a:pPr>
           <a:r>
-            <a:rPr lang="de-DE" sz="2300" kern="1200" dirty="0"/>
-            <a:t>Positions-erkennung</a:t>
+            <a:rPr lang="de-DE" sz="2100" kern="1200" dirty="0"/>
+            <a:t>3.2. Positions-erkennung</a:t>
           </a:r>
         </a:p>
       </dsp:txBody>
       <dsp:txXfrm>
-        <a:off x="9947145" y="4094188"/>
-        <a:ext cx="1465956" cy="957445"/>
+        <a:off x="9110918" y="3917961"/>
+        <a:ext cx="1812020" cy="832328"/>
       </dsp:txXfrm>
     </dsp:sp>
   </dsp:spTree>
@@ -19625,13 +19272,7 @@
       </p:grpSpPr>
       <p:sp>
         <p:nvSpPr>
-          <p:cNvPr id="2" name="Titel 1">
-            <a:extLst>
-              <a:ext uri="{FF2B5EF4-FFF2-40B4-BE49-F238E27FC236}">
-                <a16:creationId xmlns:a16="http://schemas.microsoft.com/office/drawing/2014/main" id="{B5602508-4252-47CC-A358-4AB0DBFAC431}"/>
-              </a:ext>
-            </a:extLst>
-          </p:cNvPr>
+          <p:cNvPr id="2" name="Title 1"/>
           <p:cNvSpPr>
             <a:spLocks noGrp="1"/>
           </p:cNvSpPr>
@@ -19641,15 +19282,15 @@
         </p:nvSpPr>
         <p:spPr>
           <a:xfrm>
-            <a:off x="1524000" y="1122363"/>
-            <a:ext cx="9144000" cy="2387600"/>
+            <a:off x="1524000" y="1001553"/>
+            <a:ext cx="9144000" cy="2130602"/>
           </a:xfrm>
         </p:spPr>
         <p:txBody>
           <a:bodyPr anchor="b"/>
           <a:lstStyle>
             <a:lvl1pPr algn="ctr">
-              <a:defRPr sz="6000"/>
+              <a:defRPr sz="5354"/>
             </a:lvl1pPr>
           </a:lstStyle>
           <a:p>
@@ -19657,18 +19298,13 @@
               <a:rPr lang="de-DE"/>
               <a:t>Mastertitelformat bearbeiten</a:t>
             </a:r>
+            <a:endParaRPr lang="en-US" dirty="0"/>
           </a:p>
         </p:txBody>
       </p:sp>
       <p:sp>
         <p:nvSpPr>
-          <p:cNvPr id="3" name="Untertitel 2">
-            <a:extLst>
-              <a:ext uri="{FF2B5EF4-FFF2-40B4-BE49-F238E27FC236}">
-                <a16:creationId xmlns:a16="http://schemas.microsoft.com/office/drawing/2014/main" id="{3716E880-57B4-4AA5-818F-89CC7E1BD7FB}"/>
-              </a:ext>
-            </a:extLst>
-          </p:cNvPr>
+          <p:cNvPr id="3" name="Subtitle 2"/>
           <p:cNvSpPr>
             <a:spLocks noGrp="1"/>
           </p:cNvSpPr>
@@ -19678,8 +19314,8 @@
         </p:nvSpPr>
         <p:spPr>
           <a:xfrm>
-            <a:off x="1524000" y="3602038"/>
-            <a:ext cx="9144000" cy="1655762"/>
+            <a:off x="1524000" y="3214319"/>
+            <a:ext cx="9144000" cy="1477538"/>
           </a:xfrm>
         </p:spPr>
         <p:txBody>
@@ -19687,39 +19323,39 @@
           <a:lstStyle>
             <a:lvl1pPr marL="0" indent="0" algn="ctr">
               <a:buNone/>
-              <a:defRPr sz="2400"/>
+              <a:defRPr sz="2142"/>
             </a:lvl1pPr>
-            <a:lvl2pPr marL="457200" indent="0" algn="ctr">
+            <a:lvl2pPr marL="408005" indent="0" algn="ctr">
               <a:buNone/>
-              <a:defRPr sz="2000"/>
+              <a:defRPr sz="1785"/>
             </a:lvl2pPr>
-            <a:lvl3pPr marL="914400" indent="0" algn="ctr">
+            <a:lvl3pPr marL="816011" indent="0" algn="ctr">
               <a:buNone/>
-              <a:defRPr sz="1800"/>
+              <a:defRPr sz="1606"/>
             </a:lvl3pPr>
-            <a:lvl4pPr marL="1371600" indent="0" algn="ctr">
+            <a:lvl4pPr marL="1224016" indent="0" algn="ctr">
               <a:buNone/>
-              <a:defRPr sz="1600"/>
+              <a:defRPr sz="1428"/>
             </a:lvl4pPr>
-            <a:lvl5pPr marL="1828800" indent="0" algn="ctr">
+            <a:lvl5pPr marL="1632021" indent="0" algn="ctr">
               <a:buNone/>
-              <a:defRPr sz="1600"/>
+              <a:defRPr sz="1428"/>
             </a:lvl5pPr>
-            <a:lvl6pPr marL="2286000" indent="0" algn="ctr">
+            <a:lvl6pPr marL="2040026" indent="0" algn="ctr">
               <a:buNone/>
-              <a:defRPr sz="1600"/>
+              <a:defRPr sz="1428"/>
             </a:lvl6pPr>
-            <a:lvl7pPr marL="2743200" indent="0" algn="ctr">
+            <a:lvl7pPr marL="2448032" indent="0" algn="ctr">
               <a:buNone/>
-              <a:defRPr sz="1600"/>
+              <a:defRPr sz="1428"/>
             </a:lvl7pPr>
-            <a:lvl8pPr marL="3200400" indent="0" algn="ctr">
+            <a:lvl8pPr marL="2856037" indent="0" algn="ctr">
               <a:buNone/>
-              <a:defRPr sz="1600"/>
+              <a:defRPr sz="1428"/>
             </a:lvl8pPr>
-            <a:lvl9pPr marL="3657600" indent="0" algn="ctr">
+            <a:lvl9pPr marL="3264042" indent="0" algn="ctr">
               <a:buNone/>
-              <a:defRPr sz="1600"/>
+              <a:defRPr sz="1428"/>
             </a:lvl9pPr>
           </a:lstStyle>
           <a:p>
@@ -19727,18 +19363,13 @@
               <a:rPr lang="de-DE"/>
               <a:t>Master-Untertitelformat bearbeiten</a:t>
             </a:r>
+            <a:endParaRPr lang="en-US" dirty="0"/>
           </a:p>
         </p:txBody>
       </p:sp>
       <p:sp>
         <p:nvSpPr>
-          <p:cNvPr id="4" name="Datumsplatzhalter 3">
-            <a:extLst>
-              <a:ext uri="{FF2B5EF4-FFF2-40B4-BE49-F238E27FC236}">
-                <a16:creationId xmlns:a16="http://schemas.microsoft.com/office/drawing/2014/main" id="{468113C2-D0E7-4D4A-A1AD-E23B492B7659}"/>
-              </a:ext>
-            </a:extLst>
-          </p:cNvPr>
+          <p:cNvPr id="4" name="Date Placeholder 3"/>
           <p:cNvSpPr>
             <a:spLocks noGrp="1"/>
           </p:cNvSpPr>
@@ -19753,7 +19384,7 @@
           <a:p>
             <a:fld id="{8146E6E3-6CE9-472E-AD61-A8E8C3D4E719}" type="datetimeFigureOut">
               <a:rPr lang="de-DE" smtClean="0"/>
-              <a:t>31.10.2021</a:t>
+              <a:t>13.11.21</a:t>
             </a:fld>
             <a:endParaRPr lang="de-DE"/>
           </a:p>
@@ -19761,13 +19392,7 @@
       </p:sp>
       <p:sp>
         <p:nvSpPr>
-          <p:cNvPr id="5" name="Fußzeilenplatzhalter 4">
-            <a:extLst>
-              <a:ext uri="{FF2B5EF4-FFF2-40B4-BE49-F238E27FC236}">
-                <a16:creationId xmlns:a16="http://schemas.microsoft.com/office/drawing/2014/main" id="{BF42B883-0000-4700-82C9-E59F97A55A4C}"/>
-              </a:ext>
-            </a:extLst>
-          </p:cNvPr>
+          <p:cNvPr id="5" name="Footer Placeholder 4"/>
           <p:cNvSpPr>
             <a:spLocks noGrp="1"/>
           </p:cNvSpPr>
@@ -19786,13 +19411,7 @@
       </p:sp>
       <p:sp>
         <p:nvSpPr>
-          <p:cNvPr id="6" name="Foliennummernplatzhalter 5">
-            <a:extLst>
-              <a:ext uri="{FF2B5EF4-FFF2-40B4-BE49-F238E27FC236}">
-                <a16:creationId xmlns:a16="http://schemas.microsoft.com/office/drawing/2014/main" id="{B9BA2DC5-9706-410A-8950-651EA92AC5BD}"/>
-              </a:ext>
-            </a:extLst>
-          </p:cNvPr>
+          <p:cNvPr id="6" name="Slide Number Placeholder 5"/>
           <p:cNvSpPr>
             <a:spLocks noGrp="1"/>
           </p:cNvSpPr>
@@ -19816,7 +19435,7 @@
     </p:spTree>
     <p:extLst>
       <p:ext uri="{BB962C8B-B14F-4D97-AF65-F5344CB8AC3E}">
-        <p14:creationId xmlns:p14="http://schemas.microsoft.com/office/powerpoint/2010/main" val="4177685359"/>
+        <p14:creationId xmlns:p14="http://schemas.microsoft.com/office/powerpoint/2010/main" val="577717534"/>
       </p:ext>
     </p:extLst>
   </p:cSld>
@@ -19845,13 +19464,7 @@
       </p:grpSpPr>
       <p:sp>
         <p:nvSpPr>
-          <p:cNvPr id="2" name="Titel 1">
-            <a:extLst>
-              <a:ext uri="{FF2B5EF4-FFF2-40B4-BE49-F238E27FC236}">
-                <a16:creationId xmlns:a16="http://schemas.microsoft.com/office/drawing/2014/main" id="{C7D78BEF-8E86-4F31-9962-86546E4A13D7}"/>
-              </a:ext>
-            </a:extLst>
-          </p:cNvPr>
+          <p:cNvPr id="2" name="Title 1"/>
           <p:cNvSpPr>
             <a:spLocks noGrp="1"/>
           </p:cNvSpPr>
@@ -19868,18 +19481,13 @@
               <a:rPr lang="de-DE"/>
               <a:t>Mastertitelformat bearbeiten</a:t>
             </a:r>
+            <a:endParaRPr lang="en-US" dirty="0"/>
           </a:p>
         </p:txBody>
       </p:sp>
       <p:sp>
         <p:nvSpPr>
-          <p:cNvPr id="3" name="Vertikaler Textplatzhalter 2">
-            <a:extLst>
-              <a:ext uri="{FF2B5EF4-FFF2-40B4-BE49-F238E27FC236}">
-                <a16:creationId xmlns:a16="http://schemas.microsoft.com/office/drawing/2014/main" id="{18B1CE7E-7B45-4A2B-AC65-A8C3EE3CBD03}"/>
-              </a:ext>
-            </a:extLst>
-          </p:cNvPr>
+          <p:cNvPr id="3" name="Vertical Text Placeholder 2"/>
           <p:cNvSpPr>
             <a:spLocks noGrp="1"/>
           </p:cNvSpPr>
@@ -19925,18 +19533,13 @@
               <a:rPr lang="de-DE"/>
               <a:t>Fünfte Ebene</a:t>
             </a:r>
+            <a:endParaRPr lang="en-US" dirty="0"/>
           </a:p>
         </p:txBody>
       </p:sp>
       <p:sp>
         <p:nvSpPr>
-          <p:cNvPr id="4" name="Datumsplatzhalter 3">
-            <a:extLst>
-              <a:ext uri="{FF2B5EF4-FFF2-40B4-BE49-F238E27FC236}">
-                <a16:creationId xmlns:a16="http://schemas.microsoft.com/office/drawing/2014/main" id="{8CC261C4-D167-454F-B968-524F6B908788}"/>
-              </a:ext>
-            </a:extLst>
-          </p:cNvPr>
+          <p:cNvPr id="4" name="Date Placeholder 3"/>
           <p:cNvSpPr>
             <a:spLocks noGrp="1"/>
           </p:cNvSpPr>
@@ -19951,7 +19554,7 @@
           <a:p>
             <a:fld id="{8146E6E3-6CE9-472E-AD61-A8E8C3D4E719}" type="datetimeFigureOut">
               <a:rPr lang="de-DE" smtClean="0"/>
-              <a:t>31.10.2021</a:t>
+              <a:t>13.11.21</a:t>
             </a:fld>
             <a:endParaRPr lang="de-DE"/>
           </a:p>
@@ -19959,13 +19562,7 @@
       </p:sp>
       <p:sp>
         <p:nvSpPr>
-          <p:cNvPr id="5" name="Fußzeilenplatzhalter 4">
-            <a:extLst>
-              <a:ext uri="{FF2B5EF4-FFF2-40B4-BE49-F238E27FC236}">
-                <a16:creationId xmlns:a16="http://schemas.microsoft.com/office/drawing/2014/main" id="{6EA23F72-D5E7-4FE0-BDB2-6170E26B0C5A}"/>
-              </a:ext>
-            </a:extLst>
-          </p:cNvPr>
+          <p:cNvPr id="5" name="Footer Placeholder 4"/>
           <p:cNvSpPr>
             <a:spLocks noGrp="1"/>
           </p:cNvSpPr>
@@ -19984,13 +19581,7 @@
       </p:sp>
       <p:sp>
         <p:nvSpPr>
-          <p:cNvPr id="6" name="Foliennummernplatzhalter 5">
-            <a:extLst>
-              <a:ext uri="{FF2B5EF4-FFF2-40B4-BE49-F238E27FC236}">
-                <a16:creationId xmlns:a16="http://schemas.microsoft.com/office/drawing/2014/main" id="{5CAA69AD-BBB0-415B-948B-56CA4CDEBE08}"/>
-              </a:ext>
-            </a:extLst>
-          </p:cNvPr>
+          <p:cNvPr id="6" name="Slide Number Placeholder 5"/>
           <p:cNvSpPr>
             <a:spLocks noGrp="1"/>
           </p:cNvSpPr>
@@ -20014,7 +19605,7 @@
     </p:spTree>
     <p:extLst>
       <p:ext uri="{BB962C8B-B14F-4D97-AF65-F5344CB8AC3E}">
-        <p14:creationId xmlns:p14="http://schemas.microsoft.com/office/powerpoint/2010/main" val="1466798346"/>
+        <p14:creationId xmlns:p14="http://schemas.microsoft.com/office/powerpoint/2010/main" val="4034835521"/>
       </p:ext>
     </p:extLst>
   </p:cSld>
@@ -20043,13 +19634,7 @@
       </p:grpSpPr>
       <p:sp>
         <p:nvSpPr>
-          <p:cNvPr id="2" name="Vertikaler Titel 1">
-            <a:extLst>
-              <a:ext uri="{FF2B5EF4-FFF2-40B4-BE49-F238E27FC236}">
-                <a16:creationId xmlns:a16="http://schemas.microsoft.com/office/drawing/2014/main" id="{51942A2A-F7B8-47DA-8AEF-2044BE9767E4}"/>
-              </a:ext>
-            </a:extLst>
-          </p:cNvPr>
+          <p:cNvPr id="2" name="Vertical Title 1"/>
           <p:cNvSpPr>
             <a:spLocks noGrp="1"/>
           </p:cNvSpPr>
@@ -20059,8 +19644,8 @@
         </p:nvSpPr>
         <p:spPr>
           <a:xfrm>
-            <a:off x="8724900" y="365125"/>
-            <a:ext cx="2628900" cy="5811838"/>
+            <a:off x="8724900" y="325823"/>
+            <a:ext cx="2628900" cy="5186259"/>
           </a:xfrm>
         </p:spPr>
         <p:txBody>
@@ -20071,18 +19656,13 @@
               <a:rPr lang="de-DE"/>
               <a:t>Mastertitelformat bearbeiten</a:t>
             </a:r>
+            <a:endParaRPr lang="en-US" dirty="0"/>
           </a:p>
         </p:txBody>
       </p:sp>
       <p:sp>
         <p:nvSpPr>
-          <p:cNvPr id="3" name="Vertikaler Textplatzhalter 2">
-            <a:extLst>
-              <a:ext uri="{FF2B5EF4-FFF2-40B4-BE49-F238E27FC236}">
-                <a16:creationId xmlns:a16="http://schemas.microsoft.com/office/drawing/2014/main" id="{782B397D-47B9-469B-A5A0-A4B25BDD342F}"/>
-              </a:ext>
-            </a:extLst>
-          </p:cNvPr>
+          <p:cNvPr id="3" name="Vertical Text Placeholder 2"/>
           <p:cNvSpPr>
             <a:spLocks noGrp="1"/>
           </p:cNvSpPr>
@@ -20092,8 +19672,8 @@
         </p:nvSpPr>
         <p:spPr>
           <a:xfrm>
-            <a:off x="838200" y="365125"/>
-            <a:ext cx="7734300" cy="5811838"/>
+            <a:off x="838200" y="325823"/>
+            <a:ext cx="7734300" cy="5186259"/>
           </a:xfrm>
         </p:spPr>
         <p:txBody>
@@ -20133,18 +19713,13 @@
               <a:rPr lang="de-DE"/>
               <a:t>Fünfte Ebene</a:t>
             </a:r>
+            <a:endParaRPr lang="en-US" dirty="0"/>
           </a:p>
         </p:txBody>
       </p:sp>
       <p:sp>
         <p:nvSpPr>
-          <p:cNvPr id="4" name="Datumsplatzhalter 3">
-            <a:extLst>
-              <a:ext uri="{FF2B5EF4-FFF2-40B4-BE49-F238E27FC236}">
-                <a16:creationId xmlns:a16="http://schemas.microsoft.com/office/drawing/2014/main" id="{76B27EAC-C165-4D36-A720-2A390D257CF1}"/>
-              </a:ext>
-            </a:extLst>
-          </p:cNvPr>
+          <p:cNvPr id="4" name="Date Placeholder 3"/>
           <p:cNvSpPr>
             <a:spLocks noGrp="1"/>
           </p:cNvSpPr>
@@ -20159,7 +19734,7 @@
           <a:p>
             <a:fld id="{8146E6E3-6CE9-472E-AD61-A8E8C3D4E719}" type="datetimeFigureOut">
               <a:rPr lang="de-DE" smtClean="0"/>
-              <a:t>31.10.2021</a:t>
+              <a:t>13.11.21</a:t>
             </a:fld>
             <a:endParaRPr lang="de-DE"/>
           </a:p>
@@ -20167,13 +19742,7 @@
       </p:sp>
       <p:sp>
         <p:nvSpPr>
-          <p:cNvPr id="5" name="Fußzeilenplatzhalter 4">
-            <a:extLst>
-              <a:ext uri="{FF2B5EF4-FFF2-40B4-BE49-F238E27FC236}">
-                <a16:creationId xmlns:a16="http://schemas.microsoft.com/office/drawing/2014/main" id="{4A169C6F-DC3B-4572-99FB-DA41F4DA3E0A}"/>
-              </a:ext>
-            </a:extLst>
-          </p:cNvPr>
+          <p:cNvPr id="5" name="Footer Placeholder 4"/>
           <p:cNvSpPr>
             <a:spLocks noGrp="1"/>
           </p:cNvSpPr>
@@ -20192,13 +19761,7 @@
       </p:sp>
       <p:sp>
         <p:nvSpPr>
-          <p:cNvPr id="6" name="Foliennummernplatzhalter 5">
-            <a:extLst>
-              <a:ext uri="{FF2B5EF4-FFF2-40B4-BE49-F238E27FC236}">
-                <a16:creationId xmlns:a16="http://schemas.microsoft.com/office/drawing/2014/main" id="{3DFE508A-9467-47C4-954F-40F4027AEAAE}"/>
-              </a:ext>
-            </a:extLst>
-          </p:cNvPr>
+          <p:cNvPr id="6" name="Slide Number Placeholder 5"/>
           <p:cNvSpPr>
             <a:spLocks noGrp="1"/>
           </p:cNvSpPr>
@@ -20222,7 +19785,7 @@
     </p:spTree>
     <p:extLst>
       <p:ext uri="{BB962C8B-B14F-4D97-AF65-F5344CB8AC3E}">
-        <p14:creationId xmlns:p14="http://schemas.microsoft.com/office/powerpoint/2010/main" val="3082301876"/>
+        <p14:creationId xmlns:p14="http://schemas.microsoft.com/office/powerpoint/2010/main" val="2907432369"/>
       </p:ext>
     </p:extLst>
   </p:cSld>
@@ -20251,13 +19814,7 @@
       </p:grpSpPr>
       <p:sp>
         <p:nvSpPr>
-          <p:cNvPr id="2" name="Titel 1">
-            <a:extLst>
-              <a:ext uri="{FF2B5EF4-FFF2-40B4-BE49-F238E27FC236}">
-                <a16:creationId xmlns:a16="http://schemas.microsoft.com/office/drawing/2014/main" id="{0B3A0807-DBE1-4502-B3A8-66BD64664F51}"/>
-              </a:ext>
-            </a:extLst>
-          </p:cNvPr>
+          <p:cNvPr id="2" name="Title 1"/>
           <p:cNvSpPr>
             <a:spLocks noGrp="1"/>
           </p:cNvSpPr>
@@ -20274,18 +19831,13 @@
               <a:rPr lang="de-DE"/>
               <a:t>Mastertitelformat bearbeiten</a:t>
             </a:r>
+            <a:endParaRPr lang="en-US" dirty="0"/>
           </a:p>
         </p:txBody>
       </p:sp>
       <p:sp>
         <p:nvSpPr>
-          <p:cNvPr id="3" name="Inhaltsplatzhalter 2">
-            <a:extLst>
-              <a:ext uri="{FF2B5EF4-FFF2-40B4-BE49-F238E27FC236}">
-                <a16:creationId xmlns:a16="http://schemas.microsoft.com/office/drawing/2014/main" id="{73CBC97F-BB73-4780-AF62-7B2E7246A050}"/>
-              </a:ext>
-            </a:extLst>
-          </p:cNvPr>
+          <p:cNvPr id="3" name="Content Placeholder 2"/>
           <p:cNvSpPr>
             <a:spLocks noGrp="1"/>
           </p:cNvSpPr>
@@ -20331,18 +19883,13 @@
               <a:rPr lang="de-DE"/>
               <a:t>Fünfte Ebene</a:t>
             </a:r>
+            <a:endParaRPr lang="en-US" dirty="0"/>
           </a:p>
         </p:txBody>
       </p:sp>
       <p:sp>
         <p:nvSpPr>
-          <p:cNvPr id="4" name="Datumsplatzhalter 3">
-            <a:extLst>
-              <a:ext uri="{FF2B5EF4-FFF2-40B4-BE49-F238E27FC236}">
-                <a16:creationId xmlns:a16="http://schemas.microsoft.com/office/drawing/2014/main" id="{5D87B27C-5958-4596-9237-36B638A453D1}"/>
-              </a:ext>
-            </a:extLst>
-          </p:cNvPr>
+          <p:cNvPr id="4" name="Date Placeholder 3"/>
           <p:cNvSpPr>
             <a:spLocks noGrp="1"/>
           </p:cNvSpPr>
@@ -20357,7 +19904,7 @@
           <a:p>
             <a:fld id="{8146E6E3-6CE9-472E-AD61-A8E8C3D4E719}" type="datetimeFigureOut">
               <a:rPr lang="de-DE" smtClean="0"/>
-              <a:t>31.10.2021</a:t>
+              <a:t>13.11.21</a:t>
             </a:fld>
             <a:endParaRPr lang="de-DE"/>
           </a:p>
@@ -20365,13 +19912,7 @@
       </p:sp>
       <p:sp>
         <p:nvSpPr>
-          <p:cNvPr id="5" name="Fußzeilenplatzhalter 4">
-            <a:extLst>
-              <a:ext uri="{FF2B5EF4-FFF2-40B4-BE49-F238E27FC236}">
-                <a16:creationId xmlns:a16="http://schemas.microsoft.com/office/drawing/2014/main" id="{32C0872A-949F-4935-8254-DEF65020CB61}"/>
-              </a:ext>
-            </a:extLst>
-          </p:cNvPr>
+          <p:cNvPr id="5" name="Footer Placeholder 4"/>
           <p:cNvSpPr>
             <a:spLocks noGrp="1"/>
           </p:cNvSpPr>
@@ -20390,13 +19931,7 @@
       </p:sp>
       <p:sp>
         <p:nvSpPr>
-          <p:cNvPr id="6" name="Foliennummernplatzhalter 5">
-            <a:extLst>
-              <a:ext uri="{FF2B5EF4-FFF2-40B4-BE49-F238E27FC236}">
-                <a16:creationId xmlns:a16="http://schemas.microsoft.com/office/drawing/2014/main" id="{7223E88C-7194-4B15-9417-66D04531F6D3}"/>
-              </a:ext>
-            </a:extLst>
-          </p:cNvPr>
+          <p:cNvPr id="6" name="Slide Number Placeholder 5"/>
           <p:cNvSpPr>
             <a:spLocks noGrp="1"/>
           </p:cNvSpPr>
@@ -20420,7 +19955,7 @@
     </p:spTree>
     <p:extLst>
       <p:ext uri="{BB962C8B-B14F-4D97-AF65-F5344CB8AC3E}">
-        <p14:creationId xmlns:p14="http://schemas.microsoft.com/office/powerpoint/2010/main" val="3807022996"/>
+        <p14:creationId xmlns:p14="http://schemas.microsoft.com/office/powerpoint/2010/main" val="2811727464"/>
       </p:ext>
     </p:extLst>
   </p:cSld>
@@ -20449,13 +19984,7 @@
       </p:grpSpPr>
       <p:sp>
         <p:nvSpPr>
-          <p:cNvPr id="2" name="Titel 1">
-            <a:extLst>
-              <a:ext uri="{FF2B5EF4-FFF2-40B4-BE49-F238E27FC236}">
-                <a16:creationId xmlns:a16="http://schemas.microsoft.com/office/drawing/2014/main" id="{F7CD6255-A998-4B53-842C-BFD3BB1035FC}"/>
-              </a:ext>
-            </a:extLst>
-          </p:cNvPr>
+          <p:cNvPr id="2" name="Title 1"/>
           <p:cNvSpPr>
             <a:spLocks noGrp="1"/>
           </p:cNvSpPr>
@@ -20465,15 +19994,15 @@
         </p:nvSpPr>
         <p:spPr>
           <a:xfrm>
-            <a:off x="831850" y="1709738"/>
-            <a:ext cx="10515600" cy="2852737"/>
+            <a:off x="831850" y="1525704"/>
+            <a:ext cx="10515600" cy="2545672"/>
           </a:xfrm>
         </p:spPr>
         <p:txBody>
           <a:bodyPr anchor="b"/>
           <a:lstStyle>
             <a:lvl1pPr>
-              <a:defRPr sz="6000"/>
+              <a:defRPr sz="5354"/>
             </a:lvl1pPr>
           </a:lstStyle>
           <a:p>
@@ -20481,18 +20010,13 @@
               <a:rPr lang="de-DE"/>
               <a:t>Mastertitelformat bearbeiten</a:t>
             </a:r>
+            <a:endParaRPr lang="en-US" dirty="0"/>
           </a:p>
         </p:txBody>
       </p:sp>
       <p:sp>
         <p:nvSpPr>
-          <p:cNvPr id="3" name="Textplatzhalter 2">
-            <a:extLst>
-              <a:ext uri="{FF2B5EF4-FFF2-40B4-BE49-F238E27FC236}">
-                <a16:creationId xmlns:a16="http://schemas.microsoft.com/office/drawing/2014/main" id="{23B251C2-C481-487B-BFE2-A0A72848BD3F}"/>
-              </a:ext>
-            </a:extLst>
-          </p:cNvPr>
+          <p:cNvPr id="3" name="Text Placeholder 2"/>
           <p:cNvSpPr>
             <a:spLocks noGrp="1"/>
           </p:cNvSpPr>
@@ -20502,8 +20026,8 @@
         </p:nvSpPr>
         <p:spPr>
           <a:xfrm>
-            <a:off x="831850" y="4589463"/>
-            <a:ext cx="10515600" cy="1500187"/>
+            <a:off x="831850" y="4095459"/>
+            <a:ext cx="10515600" cy="1338709"/>
           </a:xfrm>
         </p:spPr>
         <p:txBody>
@@ -20511,7 +20035,7 @@
           <a:lstStyle>
             <a:lvl1pPr marL="0" indent="0">
               <a:buNone/>
-              <a:defRPr sz="2400">
+              <a:defRPr sz="2142">
                 <a:solidFill>
                   <a:schemeClr val="tx1">
                     <a:tint val="75000"/>
@@ -20519,9 +20043,9 @@
                 </a:solidFill>
               </a:defRPr>
             </a:lvl1pPr>
-            <a:lvl2pPr marL="457200" indent="0">
+            <a:lvl2pPr marL="408005" indent="0">
               <a:buNone/>
-              <a:defRPr sz="2000">
+              <a:defRPr sz="1785">
                 <a:solidFill>
                   <a:schemeClr val="tx1">
                     <a:tint val="75000"/>
@@ -20529,9 +20053,9 @@
                 </a:solidFill>
               </a:defRPr>
             </a:lvl2pPr>
-            <a:lvl3pPr marL="914400" indent="0">
+            <a:lvl3pPr marL="816011" indent="0">
               <a:buNone/>
-              <a:defRPr sz="1800">
+              <a:defRPr sz="1606">
                 <a:solidFill>
                   <a:schemeClr val="tx1">
                     <a:tint val="75000"/>
@@ -20539,9 +20063,9 @@
                 </a:solidFill>
               </a:defRPr>
             </a:lvl3pPr>
-            <a:lvl4pPr marL="1371600" indent="0">
+            <a:lvl4pPr marL="1224016" indent="0">
               <a:buNone/>
-              <a:defRPr sz="1600">
+              <a:defRPr sz="1428">
                 <a:solidFill>
                   <a:schemeClr val="tx1">
                     <a:tint val="75000"/>
@@ -20549,9 +20073,9 @@
                 </a:solidFill>
               </a:defRPr>
             </a:lvl4pPr>
-            <a:lvl5pPr marL="1828800" indent="0">
+            <a:lvl5pPr marL="1632021" indent="0">
               <a:buNone/>
-              <a:defRPr sz="1600">
+              <a:defRPr sz="1428">
                 <a:solidFill>
                   <a:schemeClr val="tx1">
                     <a:tint val="75000"/>
@@ -20559,9 +20083,9 @@
                 </a:solidFill>
               </a:defRPr>
             </a:lvl5pPr>
-            <a:lvl6pPr marL="2286000" indent="0">
+            <a:lvl6pPr marL="2040026" indent="0">
               <a:buNone/>
-              <a:defRPr sz="1600">
+              <a:defRPr sz="1428">
                 <a:solidFill>
                   <a:schemeClr val="tx1">
                     <a:tint val="75000"/>
@@ -20569,9 +20093,9 @@
                 </a:solidFill>
               </a:defRPr>
             </a:lvl6pPr>
-            <a:lvl7pPr marL="2743200" indent="0">
+            <a:lvl7pPr marL="2448032" indent="0">
               <a:buNone/>
-              <a:defRPr sz="1600">
+              <a:defRPr sz="1428">
                 <a:solidFill>
                   <a:schemeClr val="tx1">
                     <a:tint val="75000"/>
@@ -20579,9 +20103,9 @@
                 </a:solidFill>
               </a:defRPr>
             </a:lvl7pPr>
-            <a:lvl8pPr marL="3200400" indent="0">
+            <a:lvl8pPr marL="2856037" indent="0">
               <a:buNone/>
-              <a:defRPr sz="1600">
+              <a:defRPr sz="1428">
                 <a:solidFill>
                   <a:schemeClr val="tx1">
                     <a:tint val="75000"/>
@@ -20589,9 +20113,9 @@
                 </a:solidFill>
               </a:defRPr>
             </a:lvl8pPr>
-            <a:lvl9pPr marL="3657600" indent="0">
+            <a:lvl9pPr marL="3264042" indent="0">
               <a:buNone/>
-              <a:defRPr sz="1600">
+              <a:defRPr sz="1428">
                 <a:solidFill>
                   <a:schemeClr val="tx1">
                     <a:tint val="75000"/>
@@ -20611,13 +20135,7 @@
       </p:sp>
       <p:sp>
         <p:nvSpPr>
-          <p:cNvPr id="4" name="Datumsplatzhalter 3">
-            <a:extLst>
-              <a:ext uri="{FF2B5EF4-FFF2-40B4-BE49-F238E27FC236}">
-                <a16:creationId xmlns:a16="http://schemas.microsoft.com/office/drawing/2014/main" id="{673DCC69-EF7E-4E35-911E-86AAB39868FC}"/>
-              </a:ext>
-            </a:extLst>
-          </p:cNvPr>
+          <p:cNvPr id="4" name="Date Placeholder 3"/>
           <p:cNvSpPr>
             <a:spLocks noGrp="1"/>
           </p:cNvSpPr>
@@ -20632,7 +20150,7 @@
           <a:p>
             <a:fld id="{8146E6E3-6CE9-472E-AD61-A8E8C3D4E719}" type="datetimeFigureOut">
               <a:rPr lang="de-DE" smtClean="0"/>
-              <a:t>31.10.2021</a:t>
+              <a:t>13.11.21</a:t>
             </a:fld>
             <a:endParaRPr lang="de-DE"/>
           </a:p>
@@ -20640,13 +20158,7 @@
       </p:sp>
       <p:sp>
         <p:nvSpPr>
-          <p:cNvPr id="5" name="Fußzeilenplatzhalter 4">
-            <a:extLst>
-              <a:ext uri="{FF2B5EF4-FFF2-40B4-BE49-F238E27FC236}">
-                <a16:creationId xmlns:a16="http://schemas.microsoft.com/office/drawing/2014/main" id="{65B0F4BE-5BC2-448C-9B4A-732D9AFC886A}"/>
-              </a:ext>
-            </a:extLst>
-          </p:cNvPr>
+          <p:cNvPr id="5" name="Footer Placeholder 4"/>
           <p:cNvSpPr>
             <a:spLocks noGrp="1"/>
           </p:cNvSpPr>
@@ -20665,13 +20177,7 @@
       </p:sp>
       <p:sp>
         <p:nvSpPr>
-          <p:cNvPr id="6" name="Foliennummernplatzhalter 5">
-            <a:extLst>
-              <a:ext uri="{FF2B5EF4-FFF2-40B4-BE49-F238E27FC236}">
-                <a16:creationId xmlns:a16="http://schemas.microsoft.com/office/drawing/2014/main" id="{0A2F0C00-FB75-4BF4-9498-DE9E665F4EDA}"/>
-              </a:ext>
-            </a:extLst>
-          </p:cNvPr>
+          <p:cNvPr id="6" name="Slide Number Placeholder 5"/>
           <p:cNvSpPr>
             <a:spLocks noGrp="1"/>
           </p:cNvSpPr>
@@ -20695,7 +20201,7 @@
     </p:spTree>
     <p:extLst>
       <p:ext uri="{BB962C8B-B14F-4D97-AF65-F5344CB8AC3E}">
-        <p14:creationId xmlns:p14="http://schemas.microsoft.com/office/powerpoint/2010/main" val="3536135207"/>
+        <p14:creationId xmlns:p14="http://schemas.microsoft.com/office/powerpoint/2010/main" val="2141195348"/>
       </p:ext>
     </p:extLst>
   </p:cSld>
@@ -20724,13 +20230,7 @@
       </p:grpSpPr>
       <p:sp>
         <p:nvSpPr>
-          <p:cNvPr id="2" name="Titel 1">
-            <a:extLst>
-              <a:ext uri="{FF2B5EF4-FFF2-40B4-BE49-F238E27FC236}">
-                <a16:creationId xmlns:a16="http://schemas.microsoft.com/office/drawing/2014/main" id="{E1090B69-103F-4D58-8EA1-614579AA3395}"/>
-              </a:ext>
-            </a:extLst>
-          </p:cNvPr>
+          <p:cNvPr id="2" name="Title 1"/>
           <p:cNvSpPr>
             <a:spLocks noGrp="1"/>
           </p:cNvSpPr>
@@ -20747,18 +20247,13 @@
               <a:rPr lang="de-DE"/>
               <a:t>Mastertitelformat bearbeiten</a:t>
             </a:r>
+            <a:endParaRPr lang="en-US" dirty="0"/>
           </a:p>
         </p:txBody>
       </p:sp>
       <p:sp>
         <p:nvSpPr>
-          <p:cNvPr id="3" name="Inhaltsplatzhalter 2">
-            <a:extLst>
-              <a:ext uri="{FF2B5EF4-FFF2-40B4-BE49-F238E27FC236}">
-                <a16:creationId xmlns:a16="http://schemas.microsoft.com/office/drawing/2014/main" id="{5F6C0FFD-666E-47C4-8574-378D0504C937}"/>
-              </a:ext>
-            </a:extLst>
-          </p:cNvPr>
+          <p:cNvPr id="3" name="Content Placeholder 2"/>
           <p:cNvSpPr>
             <a:spLocks noGrp="1"/>
           </p:cNvSpPr>
@@ -20768,8 +20263,8 @@
         </p:nvSpPr>
         <p:spPr>
           <a:xfrm>
-            <a:off x="838200" y="1825625"/>
-            <a:ext cx="5181600" cy="4351338"/>
+            <a:off x="838200" y="1629117"/>
+            <a:ext cx="5181600" cy="3882965"/>
           </a:xfrm>
         </p:spPr>
         <p:txBody>
@@ -20809,18 +20304,13 @@
               <a:rPr lang="de-DE"/>
               <a:t>Fünfte Ebene</a:t>
             </a:r>
+            <a:endParaRPr lang="en-US" dirty="0"/>
           </a:p>
         </p:txBody>
       </p:sp>
       <p:sp>
         <p:nvSpPr>
-          <p:cNvPr id="4" name="Inhaltsplatzhalter 3">
-            <a:extLst>
-              <a:ext uri="{FF2B5EF4-FFF2-40B4-BE49-F238E27FC236}">
-                <a16:creationId xmlns:a16="http://schemas.microsoft.com/office/drawing/2014/main" id="{609438DE-247A-434A-A560-7CC8FAE1CF77}"/>
-              </a:ext>
-            </a:extLst>
-          </p:cNvPr>
+          <p:cNvPr id="4" name="Content Placeholder 3"/>
           <p:cNvSpPr>
             <a:spLocks noGrp="1"/>
           </p:cNvSpPr>
@@ -20830,8 +20320,8 @@
         </p:nvSpPr>
         <p:spPr>
           <a:xfrm>
-            <a:off x="6172200" y="1825625"/>
-            <a:ext cx="5181600" cy="4351338"/>
+            <a:off x="6172200" y="1629117"/>
+            <a:ext cx="5181600" cy="3882965"/>
           </a:xfrm>
         </p:spPr>
         <p:txBody>
@@ -20871,18 +20361,13 @@
               <a:rPr lang="de-DE"/>
               <a:t>Fünfte Ebene</a:t>
             </a:r>
+            <a:endParaRPr lang="en-US" dirty="0"/>
           </a:p>
         </p:txBody>
       </p:sp>
       <p:sp>
         <p:nvSpPr>
-          <p:cNvPr id="5" name="Datumsplatzhalter 4">
-            <a:extLst>
-              <a:ext uri="{FF2B5EF4-FFF2-40B4-BE49-F238E27FC236}">
-                <a16:creationId xmlns:a16="http://schemas.microsoft.com/office/drawing/2014/main" id="{ABF1F5C8-7718-4249-AA90-7359A8700DF4}"/>
-              </a:ext>
-            </a:extLst>
-          </p:cNvPr>
+          <p:cNvPr id="5" name="Date Placeholder 4"/>
           <p:cNvSpPr>
             <a:spLocks noGrp="1"/>
           </p:cNvSpPr>
@@ -20897,7 +20382,7 @@
           <a:p>
             <a:fld id="{8146E6E3-6CE9-472E-AD61-A8E8C3D4E719}" type="datetimeFigureOut">
               <a:rPr lang="de-DE" smtClean="0"/>
-              <a:t>31.10.2021</a:t>
+              <a:t>13.11.21</a:t>
             </a:fld>
             <a:endParaRPr lang="de-DE"/>
           </a:p>
@@ -20905,13 +20390,7 @@
       </p:sp>
       <p:sp>
         <p:nvSpPr>
-          <p:cNvPr id="6" name="Fußzeilenplatzhalter 5">
-            <a:extLst>
-              <a:ext uri="{FF2B5EF4-FFF2-40B4-BE49-F238E27FC236}">
-                <a16:creationId xmlns:a16="http://schemas.microsoft.com/office/drawing/2014/main" id="{D4FAFDB0-AABB-4E73-BF6D-D8BC96BA0D2D}"/>
-              </a:ext>
-            </a:extLst>
-          </p:cNvPr>
+          <p:cNvPr id="6" name="Footer Placeholder 5"/>
           <p:cNvSpPr>
             <a:spLocks noGrp="1"/>
           </p:cNvSpPr>
@@ -20930,13 +20409,7 @@
       </p:sp>
       <p:sp>
         <p:nvSpPr>
-          <p:cNvPr id="7" name="Foliennummernplatzhalter 6">
-            <a:extLst>
-              <a:ext uri="{FF2B5EF4-FFF2-40B4-BE49-F238E27FC236}">
-                <a16:creationId xmlns:a16="http://schemas.microsoft.com/office/drawing/2014/main" id="{4EC66A5D-422A-44B8-A5C0-B87896686AAC}"/>
-              </a:ext>
-            </a:extLst>
-          </p:cNvPr>
+          <p:cNvPr id="7" name="Slide Number Placeholder 6"/>
           <p:cNvSpPr>
             <a:spLocks noGrp="1"/>
           </p:cNvSpPr>
@@ -20960,7 +20433,7 @@
     </p:spTree>
     <p:extLst>
       <p:ext uri="{BB962C8B-B14F-4D97-AF65-F5344CB8AC3E}">
-        <p14:creationId xmlns:p14="http://schemas.microsoft.com/office/powerpoint/2010/main" val="3586689673"/>
+        <p14:creationId xmlns:p14="http://schemas.microsoft.com/office/powerpoint/2010/main" val="506990427"/>
       </p:ext>
     </p:extLst>
   </p:cSld>
@@ -20989,13 +20462,7 @@
       </p:grpSpPr>
       <p:sp>
         <p:nvSpPr>
-          <p:cNvPr id="2" name="Titel 1">
-            <a:extLst>
-              <a:ext uri="{FF2B5EF4-FFF2-40B4-BE49-F238E27FC236}">
-                <a16:creationId xmlns:a16="http://schemas.microsoft.com/office/drawing/2014/main" id="{CA27B27F-4227-4A97-81E1-6CA2C39D033A}"/>
-              </a:ext>
-            </a:extLst>
-          </p:cNvPr>
+          <p:cNvPr id="2" name="Title 1"/>
           <p:cNvSpPr>
             <a:spLocks noGrp="1"/>
           </p:cNvSpPr>
@@ -21005,8 +20472,8 @@
         </p:nvSpPr>
         <p:spPr>
           <a:xfrm>
-            <a:off x="839788" y="365125"/>
-            <a:ext cx="10515600" cy="1325563"/>
+            <a:off x="839788" y="325824"/>
+            <a:ext cx="10515600" cy="1182881"/>
           </a:xfrm>
         </p:spPr>
         <p:txBody>
@@ -21017,18 +20484,13 @@
               <a:rPr lang="de-DE"/>
               <a:t>Mastertitelformat bearbeiten</a:t>
             </a:r>
+            <a:endParaRPr lang="en-US" dirty="0"/>
           </a:p>
         </p:txBody>
       </p:sp>
       <p:sp>
         <p:nvSpPr>
-          <p:cNvPr id="3" name="Textplatzhalter 2">
-            <a:extLst>
-              <a:ext uri="{FF2B5EF4-FFF2-40B4-BE49-F238E27FC236}">
-                <a16:creationId xmlns:a16="http://schemas.microsoft.com/office/drawing/2014/main" id="{9561C568-A5C2-4A7E-817D-B51232A3ED4E}"/>
-              </a:ext>
-            </a:extLst>
-          </p:cNvPr>
+          <p:cNvPr id="3" name="Text Placeholder 2"/>
           <p:cNvSpPr>
             <a:spLocks noGrp="1"/>
           </p:cNvSpPr>
@@ -21038,8 +20500,8 @@
         </p:nvSpPr>
         <p:spPr>
           <a:xfrm>
-            <a:off x="839788" y="1681163"/>
-            <a:ext cx="5157787" cy="823912"/>
+            <a:off x="839789" y="1500205"/>
+            <a:ext cx="5157787" cy="735227"/>
           </a:xfrm>
         </p:spPr>
         <p:txBody>
@@ -21047,39 +20509,39 @@
           <a:lstStyle>
             <a:lvl1pPr marL="0" indent="0">
               <a:buNone/>
-              <a:defRPr sz="2400" b="1"/>
+              <a:defRPr sz="2142" b="1"/>
             </a:lvl1pPr>
-            <a:lvl2pPr marL="457200" indent="0">
+            <a:lvl2pPr marL="408005" indent="0">
               <a:buNone/>
-              <a:defRPr sz="2000" b="1"/>
+              <a:defRPr sz="1785" b="1"/>
             </a:lvl2pPr>
-            <a:lvl3pPr marL="914400" indent="0">
+            <a:lvl3pPr marL="816011" indent="0">
               <a:buNone/>
-              <a:defRPr sz="1800" b="1"/>
+              <a:defRPr sz="1606" b="1"/>
             </a:lvl3pPr>
-            <a:lvl4pPr marL="1371600" indent="0">
+            <a:lvl4pPr marL="1224016" indent="0">
               <a:buNone/>
-              <a:defRPr sz="1600" b="1"/>
+              <a:defRPr sz="1428" b="1"/>
             </a:lvl4pPr>
-            <a:lvl5pPr marL="1828800" indent="0">
+            <a:lvl5pPr marL="1632021" indent="0">
               <a:buNone/>
-              <a:defRPr sz="1600" b="1"/>
+              <a:defRPr sz="1428" b="1"/>
             </a:lvl5pPr>
-            <a:lvl6pPr marL="2286000" indent="0">
+            <a:lvl6pPr marL="2040026" indent="0">
               <a:buNone/>
-              <a:defRPr sz="1600" b="1"/>
+              <a:defRPr sz="1428" b="1"/>
             </a:lvl6pPr>
-            <a:lvl7pPr marL="2743200" indent="0">
+            <a:lvl7pPr marL="2448032" indent="0">
               <a:buNone/>
-              <a:defRPr sz="1600" b="1"/>
+              <a:defRPr sz="1428" b="1"/>
             </a:lvl7pPr>
-            <a:lvl8pPr marL="3200400" indent="0">
+            <a:lvl8pPr marL="2856037" indent="0">
               <a:buNone/>
-              <a:defRPr sz="1600" b="1"/>
+              <a:defRPr sz="1428" b="1"/>
             </a:lvl8pPr>
-            <a:lvl9pPr marL="3657600" indent="0">
+            <a:lvl9pPr marL="3264042" indent="0">
               <a:buNone/>
-              <a:defRPr sz="1600" b="1"/>
+              <a:defRPr sz="1428" b="1"/>
             </a:lvl9pPr>
           </a:lstStyle>
           <a:p>
@@ -21093,13 +20555,7 @@
       </p:sp>
       <p:sp>
         <p:nvSpPr>
-          <p:cNvPr id="4" name="Inhaltsplatzhalter 3">
-            <a:extLst>
-              <a:ext uri="{FF2B5EF4-FFF2-40B4-BE49-F238E27FC236}">
-                <a16:creationId xmlns:a16="http://schemas.microsoft.com/office/drawing/2014/main" id="{5CEA7778-E8CD-41B1-87B3-00A16634FA53}"/>
-              </a:ext>
-            </a:extLst>
-          </p:cNvPr>
+          <p:cNvPr id="4" name="Content Placeholder 3"/>
           <p:cNvSpPr>
             <a:spLocks noGrp="1"/>
           </p:cNvSpPr>
@@ -21109,8 +20565,8 @@
         </p:nvSpPr>
         <p:spPr>
           <a:xfrm>
-            <a:off x="839788" y="2505075"/>
-            <a:ext cx="5157787" cy="3684588"/>
+            <a:off x="839789" y="2235432"/>
+            <a:ext cx="5157787" cy="3287983"/>
           </a:xfrm>
         </p:spPr>
         <p:txBody>
@@ -21150,18 +20606,13 @@
               <a:rPr lang="de-DE"/>
               <a:t>Fünfte Ebene</a:t>
             </a:r>
+            <a:endParaRPr lang="en-US" dirty="0"/>
           </a:p>
         </p:txBody>
       </p:sp>
       <p:sp>
         <p:nvSpPr>
-          <p:cNvPr id="5" name="Textplatzhalter 4">
-            <a:extLst>
-              <a:ext uri="{FF2B5EF4-FFF2-40B4-BE49-F238E27FC236}">
-                <a16:creationId xmlns:a16="http://schemas.microsoft.com/office/drawing/2014/main" id="{189AC872-DE75-43FF-B37A-A46B082F7FDF}"/>
-              </a:ext>
-            </a:extLst>
-          </p:cNvPr>
+          <p:cNvPr id="5" name="Text Placeholder 4"/>
           <p:cNvSpPr>
             <a:spLocks noGrp="1"/>
           </p:cNvSpPr>
@@ -21171,8 +20622,8 @@
         </p:nvSpPr>
         <p:spPr>
           <a:xfrm>
-            <a:off x="6172200" y="1681163"/>
-            <a:ext cx="5183188" cy="823912"/>
+            <a:off x="6172200" y="1500205"/>
+            <a:ext cx="5183188" cy="735227"/>
           </a:xfrm>
         </p:spPr>
         <p:txBody>
@@ -21180,39 +20631,39 @@
           <a:lstStyle>
             <a:lvl1pPr marL="0" indent="0">
               <a:buNone/>
-              <a:defRPr sz="2400" b="1"/>
+              <a:defRPr sz="2142" b="1"/>
             </a:lvl1pPr>
-            <a:lvl2pPr marL="457200" indent="0">
+            <a:lvl2pPr marL="408005" indent="0">
               <a:buNone/>
-              <a:defRPr sz="2000" b="1"/>
+              <a:defRPr sz="1785" b="1"/>
             </a:lvl2pPr>
-            <a:lvl3pPr marL="914400" indent="0">
+            <a:lvl3pPr marL="816011" indent="0">
               <a:buNone/>
-              <a:defRPr sz="1800" b="1"/>
+              <a:defRPr sz="1606" b="1"/>
             </a:lvl3pPr>
-            <a:lvl4pPr marL="1371600" indent="0">
+            <a:lvl4pPr marL="1224016" indent="0">
               <a:buNone/>
-              <a:defRPr sz="1600" b="1"/>
+              <a:defRPr sz="1428" b="1"/>
             </a:lvl4pPr>
-            <a:lvl5pPr marL="1828800" indent="0">
+            <a:lvl5pPr marL="1632021" indent="0">
               <a:buNone/>
-              <a:defRPr sz="1600" b="1"/>
+              <a:defRPr sz="1428" b="1"/>
             </a:lvl5pPr>
-            <a:lvl6pPr marL="2286000" indent="0">
+            <a:lvl6pPr marL="2040026" indent="0">
               <a:buNone/>
-              <a:defRPr sz="1600" b="1"/>
+              <a:defRPr sz="1428" b="1"/>
             </a:lvl6pPr>
-            <a:lvl7pPr marL="2743200" indent="0">
+            <a:lvl7pPr marL="2448032" indent="0">
               <a:buNone/>
-              <a:defRPr sz="1600" b="1"/>
+              <a:defRPr sz="1428" b="1"/>
             </a:lvl7pPr>
-            <a:lvl8pPr marL="3200400" indent="0">
+            <a:lvl8pPr marL="2856037" indent="0">
               <a:buNone/>
-              <a:defRPr sz="1600" b="1"/>
+              <a:defRPr sz="1428" b="1"/>
             </a:lvl8pPr>
-            <a:lvl9pPr marL="3657600" indent="0">
+            <a:lvl9pPr marL="3264042" indent="0">
               <a:buNone/>
-              <a:defRPr sz="1600" b="1"/>
+              <a:defRPr sz="1428" b="1"/>
             </a:lvl9pPr>
           </a:lstStyle>
           <a:p>
@@ -21226,13 +20677,7 @@
       </p:sp>
       <p:sp>
         <p:nvSpPr>
-          <p:cNvPr id="6" name="Inhaltsplatzhalter 5">
-            <a:extLst>
-              <a:ext uri="{FF2B5EF4-FFF2-40B4-BE49-F238E27FC236}">
-                <a16:creationId xmlns:a16="http://schemas.microsoft.com/office/drawing/2014/main" id="{8790D36F-D86E-4E66-8D8E-1EDD2B191E5D}"/>
-              </a:ext>
-            </a:extLst>
-          </p:cNvPr>
+          <p:cNvPr id="6" name="Content Placeholder 5"/>
           <p:cNvSpPr>
             <a:spLocks noGrp="1"/>
           </p:cNvSpPr>
@@ -21242,8 +20687,8 @@
         </p:nvSpPr>
         <p:spPr>
           <a:xfrm>
-            <a:off x="6172200" y="2505075"/>
-            <a:ext cx="5183188" cy="3684588"/>
+            <a:off x="6172200" y="2235432"/>
+            <a:ext cx="5183188" cy="3287983"/>
           </a:xfrm>
         </p:spPr>
         <p:txBody>
@@ -21283,18 +20728,13 @@
               <a:rPr lang="de-DE"/>
               <a:t>Fünfte Ebene</a:t>
             </a:r>
+            <a:endParaRPr lang="en-US" dirty="0"/>
           </a:p>
         </p:txBody>
       </p:sp>
       <p:sp>
         <p:nvSpPr>
-          <p:cNvPr id="7" name="Datumsplatzhalter 6">
-            <a:extLst>
-              <a:ext uri="{FF2B5EF4-FFF2-40B4-BE49-F238E27FC236}">
-                <a16:creationId xmlns:a16="http://schemas.microsoft.com/office/drawing/2014/main" id="{106B20E3-4791-40E1-A080-C8808B6EA548}"/>
-              </a:ext>
-            </a:extLst>
-          </p:cNvPr>
+          <p:cNvPr id="7" name="Date Placeholder 6"/>
           <p:cNvSpPr>
             <a:spLocks noGrp="1"/>
           </p:cNvSpPr>
@@ -21309,7 +20749,7 @@
           <a:p>
             <a:fld id="{8146E6E3-6CE9-472E-AD61-A8E8C3D4E719}" type="datetimeFigureOut">
               <a:rPr lang="de-DE" smtClean="0"/>
-              <a:t>31.10.2021</a:t>
+              <a:t>13.11.21</a:t>
             </a:fld>
             <a:endParaRPr lang="de-DE"/>
           </a:p>
@@ -21317,13 +20757,7 @@
       </p:sp>
       <p:sp>
         <p:nvSpPr>
-          <p:cNvPr id="8" name="Fußzeilenplatzhalter 7">
-            <a:extLst>
-              <a:ext uri="{FF2B5EF4-FFF2-40B4-BE49-F238E27FC236}">
-                <a16:creationId xmlns:a16="http://schemas.microsoft.com/office/drawing/2014/main" id="{C9049544-6919-4A75-AC14-8EE18EF145E7}"/>
-              </a:ext>
-            </a:extLst>
-          </p:cNvPr>
+          <p:cNvPr id="8" name="Footer Placeholder 7"/>
           <p:cNvSpPr>
             <a:spLocks noGrp="1"/>
           </p:cNvSpPr>
@@ -21342,13 +20776,7 @@
       </p:sp>
       <p:sp>
         <p:nvSpPr>
-          <p:cNvPr id="9" name="Foliennummernplatzhalter 8">
-            <a:extLst>
-              <a:ext uri="{FF2B5EF4-FFF2-40B4-BE49-F238E27FC236}">
-                <a16:creationId xmlns:a16="http://schemas.microsoft.com/office/drawing/2014/main" id="{A5DA594D-CC43-4516-97E0-4BCDC6B73FAA}"/>
-              </a:ext>
-            </a:extLst>
-          </p:cNvPr>
+          <p:cNvPr id="9" name="Slide Number Placeholder 8"/>
           <p:cNvSpPr>
             <a:spLocks noGrp="1"/>
           </p:cNvSpPr>
@@ -21372,7 +20800,7 @@
     </p:spTree>
     <p:extLst>
       <p:ext uri="{BB962C8B-B14F-4D97-AF65-F5344CB8AC3E}">
-        <p14:creationId xmlns:p14="http://schemas.microsoft.com/office/powerpoint/2010/main" val="3010451991"/>
+        <p14:creationId xmlns:p14="http://schemas.microsoft.com/office/powerpoint/2010/main" val="1142104446"/>
       </p:ext>
     </p:extLst>
   </p:cSld>
@@ -21401,13 +20829,7 @@
       </p:grpSpPr>
       <p:sp>
         <p:nvSpPr>
-          <p:cNvPr id="2" name="Titel 1">
-            <a:extLst>
-              <a:ext uri="{FF2B5EF4-FFF2-40B4-BE49-F238E27FC236}">
-                <a16:creationId xmlns:a16="http://schemas.microsoft.com/office/drawing/2014/main" id="{F1B7C21A-2A9F-4509-8F8E-6348BD264FCE}"/>
-              </a:ext>
-            </a:extLst>
-          </p:cNvPr>
+          <p:cNvPr id="2" name="Title 1"/>
           <p:cNvSpPr>
             <a:spLocks noGrp="1"/>
           </p:cNvSpPr>
@@ -21424,18 +20846,13 @@
               <a:rPr lang="de-DE"/>
               <a:t>Mastertitelformat bearbeiten</a:t>
             </a:r>
+            <a:endParaRPr lang="en-US" dirty="0"/>
           </a:p>
         </p:txBody>
       </p:sp>
       <p:sp>
         <p:nvSpPr>
-          <p:cNvPr id="3" name="Datumsplatzhalter 2">
-            <a:extLst>
-              <a:ext uri="{FF2B5EF4-FFF2-40B4-BE49-F238E27FC236}">
-                <a16:creationId xmlns:a16="http://schemas.microsoft.com/office/drawing/2014/main" id="{2475932A-54AF-4674-97FF-86CDB564F010}"/>
-              </a:ext>
-            </a:extLst>
-          </p:cNvPr>
+          <p:cNvPr id="3" name="Date Placeholder 2"/>
           <p:cNvSpPr>
             <a:spLocks noGrp="1"/>
           </p:cNvSpPr>
@@ -21450,7 +20867,7 @@
           <a:p>
             <a:fld id="{8146E6E3-6CE9-472E-AD61-A8E8C3D4E719}" type="datetimeFigureOut">
               <a:rPr lang="de-DE" smtClean="0"/>
-              <a:t>31.10.2021</a:t>
+              <a:t>13.11.21</a:t>
             </a:fld>
             <a:endParaRPr lang="de-DE"/>
           </a:p>
@@ -21458,13 +20875,7 @@
       </p:sp>
       <p:sp>
         <p:nvSpPr>
-          <p:cNvPr id="4" name="Fußzeilenplatzhalter 3">
-            <a:extLst>
-              <a:ext uri="{FF2B5EF4-FFF2-40B4-BE49-F238E27FC236}">
-                <a16:creationId xmlns:a16="http://schemas.microsoft.com/office/drawing/2014/main" id="{D93EFE6C-79D3-4280-A0F8-6B4AEB422588}"/>
-              </a:ext>
-            </a:extLst>
-          </p:cNvPr>
+          <p:cNvPr id="4" name="Footer Placeholder 3"/>
           <p:cNvSpPr>
             <a:spLocks noGrp="1"/>
           </p:cNvSpPr>
@@ -21483,13 +20894,7 @@
       </p:sp>
       <p:sp>
         <p:nvSpPr>
-          <p:cNvPr id="5" name="Foliennummernplatzhalter 4">
-            <a:extLst>
-              <a:ext uri="{FF2B5EF4-FFF2-40B4-BE49-F238E27FC236}">
-                <a16:creationId xmlns:a16="http://schemas.microsoft.com/office/drawing/2014/main" id="{A15E07AF-3D87-4720-8CAB-FE2A5CEEEFD7}"/>
-              </a:ext>
-            </a:extLst>
-          </p:cNvPr>
+          <p:cNvPr id="5" name="Slide Number Placeholder 4"/>
           <p:cNvSpPr>
             <a:spLocks noGrp="1"/>
           </p:cNvSpPr>
@@ -21513,7 +20918,7 @@
     </p:spTree>
     <p:extLst>
       <p:ext uri="{BB962C8B-B14F-4D97-AF65-F5344CB8AC3E}">
-        <p14:creationId xmlns:p14="http://schemas.microsoft.com/office/powerpoint/2010/main" val="1298028832"/>
+        <p14:creationId xmlns:p14="http://schemas.microsoft.com/office/powerpoint/2010/main" val="564228299"/>
       </p:ext>
     </p:extLst>
   </p:cSld>
@@ -21542,13 +20947,7 @@
       </p:grpSpPr>
       <p:sp>
         <p:nvSpPr>
-          <p:cNvPr id="2" name="Datumsplatzhalter 1">
-            <a:extLst>
-              <a:ext uri="{FF2B5EF4-FFF2-40B4-BE49-F238E27FC236}">
-                <a16:creationId xmlns:a16="http://schemas.microsoft.com/office/drawing/2014/main" id="{2F488EC2-29AA-45BE-AA0F-71ADB7B9E81E}"/>
-              </a:ext>
-            </a:extLst>
-          </p:cNvPr>
+          <p:cNvPr id="2" name="Date Placeholder 1"/>
           <p:cNvSpPr>
             <a:spLocks noGrp="1"/>
           </p:cNvSpPr>
@@ -21563,7 +20962,7 @@
           <a:p>
             <a:fld id="{8146E6E3-6CE9-472E-AD61-A8E8C3D4E719}" type="datetimeFigureOut">
               <a:rPr lang="de-DE" smtClean="0"/>
-              <a:t>31.10.2021</a:t>
+              <a:t>13.11.21</a:t>
             </a:fld>
             <a:endParaRPr lang="de-DE"/>
           </a:p>
@@ -21571,13 +20970,7 @@
       </p:sp>
       <p:sp>
         <p:nvSpPr>
-          <p:cNvPr id="3" name="Fußzeilenplatzhalter 2">
-            <a:extLst>
-              <a:ext uri="{FF2B5EF4-FFF2-40B4-BE49-F238E27FC236}">
-                <a16:creationId xmlns:a16="http://schemas.microsoft.com/office/drawing/2014/main" id="{E8E85A05-25D9-4CE4-BBEE-6E8BB8FBF739}"/>
-              </a:ext>
-            </a:extLst>
-          </p:cNvPr>
+          <p:cNvPr id="3" name="Footer Placeholder 2"/>
           <p:cNvSpPr>
             <a:spLocks noGrp="1"/>
           </p:cNvSpPr>
@@ -21596,13 +20989,7 @@
       </p:sp>
       <p:sp>
         <p:nvSpPr>
-          <p:cNvPr id="4" name="Foliennummernplatzhalter 3">
-            <a:extLst>
-              <a:ext uri="{FF2B5EF4-FFF2-40B4-BE49-F238E27FC236}">
-                <a16:creationId xmlns:a16="http://schemas.microsoft.com/office/drawing/2014/main" id="{84E56F9F-2E9D-4FC9-8F4D-8D4DC6EFAD43}"/>
-              </a:ext>
-            </a:extLst>
-          </p:cNvPr>
+          <p:cNvPr id="4" name="Slide Number Placeholder 3"/>
           <p:cNvSpPr>
             <a:spLocks noGrp="1"/>
           </p:cNvSpPr>
@@ -21626,7 +21013,7 @@
     </p:spTree>
     <p:extLst>
       <p:ext uri="{BB962C8B-B14F-4D97-AF65-F5344CB8AC3E}">
-        <p14:creationId xmlns:p14="http://schemas.microsoft.com/office/powerpoint/2010/main" val="266391533"/>
+        <p14:creationId xmlns:p14="http://schemas.microsoft.com/office/powerpoint/2010/main" val="3256564826"/>
       </p:ext>
     </p:extLst>
   </p:cSld>
@@ -21655,13 +21042,7 @@
       </p:grpSpPr>
       <p:sp>
         <p:nvSpPr>
-          <p:cNvPr id="2" name="Titel 1">
-            <a:extLst>
-              <a:ext uri="{FF2B5EF4-FFF2-40B4-BE49-F238E27FC236}">
-                <a16:creationId xmlns:a16="http://schemas.microsoft.com/office/drawing/2014/main" id="{E0EFC09D-8F3E-48CD-BFD9-3C41A21F501D}"/>
-              </a:ext>
-            </a:extLst>
-          </p:cNvPr>
+          <p:cNvPr id="2" name="Title 1"/>
           <p:cNvSpPr>
             <a:spLocks noGrp="1"/>
           </p:cNvSpPr>
@@ -21671,15 +21052,15 @@
         </p:nvSpPr>
         <p:spPr>
           <a:xfrm>
-            <a:off x="839788" y="457200"/>
-            <a:ext cx="3932237" cy="1600200"/>
+            <a:off x="839789" y="407988"/>
+            <a:ext cx="3932237" cy="1427956"/>
           </a:xfrm>
         </p:spPr>
         <p:txBody>
           <a:bodyPr anchor="b"/>
           <a:lstStyle>
             <a:lvl1pPr>
-              <a:defRPr sz="3200"/>
+              <a:defRPr sz="2856"/>
             </a:lvl1pPr>
           </a:lstStyle>
           <a:p>
@@ -21687,18 +21068,13 @@
               <a:rPr lang="de-DE"/>
               <a:t>Mastertitelformat bearbeiten</a:t>
             </a:r>
+            <a:endParaRPr lang="en-US" dirty="0"/>
           </a:p>
         </p:txBody>
       </p:sp>
       <p:sp>
         <p:nvSpPr>
-          <p:cNvPr id="3" name="Inhaltsplatzhalter 2">
-            <a:extLst>
-              <a:ext uri="{FF2B5EF4-FFF2-40B4-BE49-F238E27FC236}">
-                <a16:creationId xmlns:a16="http://schemas.microsoft.com/office/drawing/2014/main" id="{1F0C2FDB-6155-4223-8636-FE4856F1C617}"/>
-              </a:ext>
-            </a:extLst>
-          </p:cNvPr>
+          <p:cNvPr id="3" name="Content Placeholder 2"/>
           <p:cNvSpPr>
             <a:spLocks noGrp="1"/>
           </p:cNvSpPr>
@@ -21708,39 +21084,39 @@
         </p:nvSpPr>
         <p:spPr>
           <a:xfrm>
-            <a:off x="5183188" y="987425"/>
-            <a:ext cx="6172200" cy="4873625"/>
+            <a:off x="5183188" y="881140"/>
+            <a:ext cx="6172200" cy="4349034"/>
           </a:xfrm>
         </p:spPr>
         <p:txBody>
           <a:bodyPr/>
           <a:lstStyle>
             <a:lvl1pPr>
-              <a:defRPr sz="3200"/>
+              <a:defRPr sz="2856"/>
             </a:lvl1pPr>
             <a:lvl2pPr>
-              <a:defRPr sz="2800"/>
+              <a:defRPr sz="2499"/>
             </a:lvl2pPr>
             <a:lvl3pPr>
-              <a:defRPr sz="2400"/>
+              <a:defRPr sz="2142"/>
             </a:lvl3pPr>
             <a:lvl4pPr>
-              <a:defRPr sz="2000"/>
+              <a:defRPr sz="1785"/>
             </a:lvl4pPr>
             <a:lvl5pPr>
-              <a:defRPr sz="2000"/>
+              <a:defRPr sz="1785"/>
             </a:lvl5pPr>
             <a:lvl6pPr>
-              <a:defRPr sz="2000"/>
+              <a:defRPr sz="1785"/>
             </a:lvl6pPr>
             <a:lvl7pPr>
-              <a:defRPr sz="2000"/>
+              <a:defRPr sz="1785"/>
             </a:lvl7pPr>
             <a:lvl8pPr>
-              <a:defRPr sz="2000"/>
+              <a:defRPr sz="1785"/>
             </a:lvl8pPr>
             <a:lvl9pPr>
-              <a:defRPr sz="2000"/>
+              <a:defRPr sz="1785"/>
             </a:lvl9pPr>
           </a:lstStyle>
           <a:p>
@@ -21777,18 +21153,13 @@
               <a:rPr lang="de-DE"/>
               <a:t>Fünfte Ebene</a:t>
             </a:r>
+            <a:endParaRPr lang="en-US" dirty="0"/>
           </a:p>
         </p:txBody>
       </p:sp>
       <p:sp>
         <p:nvSpPr>
-          <p:cNvPr id="4" name="Textplatzhalter 3">
-            <a:extLst>
-              <a:ext uri="{FF2B5EF4-FFF2-40B4-BE49-F238E27FC236}">
-                <a16:creationId xmlns:a16="http://schemas.microsoft.com/office/drawing/2014/main" id="{0C10819C-95C2-4FE3-817A-E5AFB4327117}"/>
-              </a:ext>
-            </a:extLst>
-          </p:cNvPr>
+          <p:cNvPr id="4" name="Text Placeholder 3"/>
           <p:cNvSpPr>
             <a:spLocks noGrp="1"/>
           </p:cNvSpPr>
@@ -21798,8 +21169,8 @@
         </p:nvSpPr>
         <p:spPr>
           <a:xfrm>
-            <a:off x="839788" y="2057400"/>
-            <a:ext cx="3932237" cy="3811588"/>
+            <a:off x="839789" y="1835944"/>
+            <a:ext cx="3932237" cy="3401313"/>
           </a:xfrm>
         </p:spPr>
         <p:txBody>
@@ -21807,39 +21178,39 @@
           <a:lstStyle>
             <a:lvl1pPr marL="0" indent="0">
               <a:buNone/>
-              <a:defRPr sz="1600"/>
+              <a:defRPr sz="1428"/>
             </a:lvl1pPr>
-            <a:lvl2pPr marL="457200" indent="0">
+            <a:lvl2pPr marL="408005" indent="0">
               <a:buNone/>
-              <a:defRPr sz="1400"/>
+              <a:defRPr sz="1249"/>
             </a:lvl2pPr>
-            <a:lvl3pPr marL="914400" indent="0">
+            <a:lvl3pPr marL="816011" indent="0">
               <a:buNone/>
-              <a:defRPr sz="1200"/>
+              <a:defRPr sz="1071"/>
             </a:lvl3pPr>
-            <a:lvl4pPr marL="1371600" indent="0">
+            <a:lvl4pPr marL="1224016" indent="0">
               <a:buNone/>
-              <a:defRPr sz="1000"/>
+              <a:defRPr sz="892"/>
             </a:lvl4pPr>
-            <a:lvl5pPr marL="1828800" indent="0">
+            <a:lvl5pPr marL="1632021" indent="0">
               <a:buNone/>
-              <a:defRPr sz="1000"/>
+              <a:defRPr sz="892"/>
             </a:lvl5pPr>
-            <a:lvl6pPr marL="2286000" indent="0">
+            <a:lvl6pPr marL="2040026" indent="0">
               <a:buNone/>
-              <a:defRPr sz="1000"/>
+              <a:defRPr sz="892"/>
             </a:lvl6pPr>
-            <a:lvl7pPr marL="2743200" indent="0">
+            <a:lvl7pPr marL="2448032" indent="0">
               <a:buNone/>
-              <a:defRPr sz="1000"/>
+              <a:defRPr sz="892"/>
             </a:lvl7pPr>
-            <a:lvl8pPr marL="3200400" indent="0">
+            <a:lvl8pPr marL="2856037" indent="0">
               <a:buNone/>
-              <a:defRPr sz="1000"/>
+              <a:defRPr sz="892"/>
             </a:lvl8pPr>
-            <a:lvl9pPr marL="3657600" indent="0">
+            <a:lvl9pPr marL="3264042" indent="0">
               <a:buNone/>
-              <a:defRPr sz="1000"/>
+              <a:defRPr sz="892"/>
             </a:lvl9pPr>
           </a:lstStyle>
           <a:p>
@@ -21853,13 +21224,7 @@
       </p:sp>
       <p:sp>
         <p:nvSpPr>
-          <p:cNvPr id="5" name="Datumsplatzhalter 4">
-            <a:extLst>
-              <a:ext uri="{FF2B5EF4-FFF2-40B4-BE49-F238E27FC236}">
-                <a16:creationId xmlns:a16="http://schemas.microsoft.com/office/drawing/2014/main" id="{ACEB0B4D-0CCC-43F4-AEEE-EBF5E9A2CEE6}"/>
-              </a:ext>
-            </a:extLst>
-          </p:cNvPr>
+          <p:cNvPr id="5" name="Date Placeholder 4"/>
           <p:cNvSpPr>
             <a:spLocks noGrp="1"/>
           </p:cNvSpPr>
@@ -21874,7 +21239,7 @@
           <a:p>
             <a:fld id="{8146E6E3-6CE9-472E-AD61-A8E8C3D4E719}" type="datetimeFigureOut">
               <a:rPr lang="de-DE" smtClean="0"/>
-              <a:t>31.10.2021</a:t>
+              <a:t>13.11.21</a:t>
             </a:fld>
             <a:endParaRPr lang="de-DE"/>
           </a:p>
@@ -21882,13 +21247,7 @@
       </p:sp>
       <p:sp>
         <p:nvSpPr>
-          <p:cNvPr id="6" name="Fußzeilenplatzhalter 5">
-            <a:extLst>
-              <a:ext uri="{FF2B5EF4-FFF2-40B4-BE49-F238E27FC236}">
-                <a16:creationId xmlns:a16="http://schemas.microsoft.com/office/drawing/2014/main" id="{FCDF2665-8A16-45FF-B759-F477666A08AE}"/>
-              </a:ext>
-            </a:extLst>
-          </p:cNvPr>
+          <p:cNvPr id="6" name="Footer Placeholder 5"/>
           <p:cNvSpPr>
             <a:spLocks noGrp="1"/>
           </p:cNvSpPr>
@@ -21907,13 +21266,7 @@
       </p:sp>
       <p:sp>
         <p:nvSpPr>
-          <p:cNvPr id="7" name="Foliennummernplatzhalter 6">
-            <a:extLst>
-              <a:ext uri="{FF2B5EF4-FFF2-40B4-BE49-F238E27FC236}">
-                <a16:creationId xmlns:a16="http://schemas.microsoft.com/office/drawing/2014/main" id="{993FCFDC-0361-4701-BAE0-05C63F3FEA6F}"/>
-              </a:ext>
-            </a:extLst>
-          </p:cNvPr>
+          <p:cNvPr id="7" name="Slide Number Placeholder 6"/>
           <p:cNvSpPr>
             <a:spLocks noGrp="1"/>
           </p:cNvSpPr>
@@ -21937,7 +21290,7 @@
     </p:spTree>
     <p:extLst>
       <p:ext uri="{BB962C8B-B14F-4D97-AF65-F5344CB8AC3E}">
-        <p14:creationId xmlns:p14="http://schemas.microsoft.com/office/powerpoint/2010/main" val="649387244"/>
+        <p14:creationId xmlns:p14="http://schemas.microsoft.com/office/powerpoint/2010/main" val="2381036627"/>
       </p:ext>
     </p:extLst>
   </p:cSld>
@@ -21966,13 +21319,7 @@
       </p:grpSpPr>
       <p:sp>
         <p:nvSpPr>
-          <p:cNvPr id="2" name="Titel 1">
-            <a:extLst>
-              <a:ext uri="{FF2B5EF4-FFF2-40B4-BE49-F238E27FC236}">
-                <a16:creationId xmlns:a16="http://schemas.microsoft.com/office/drawing/2014/main" id="{1D9B99DF-B7FC-4A8E-9BD8-4F0C1B685413}"/>
-              </a:ext>
-            </a:extLst>
-          </p:cNvPr>
+          <p:cNvPr id="2" name="Title 1"/>
           <p:cNvSpPr>
             <a:spLocks noGrp="1"/>
           </p:cNvSpPr>
@@ -21982,15 +21329,15 @@
         </p:nvSpPr>
         <p:spPr>
           <a:xfrm>
-            <a:off x="839788" y="457200"/>
-            <a:ext cx="3932237" cy="1600200"/>
+            <a:off x="839789" y="407988"/>
+            <a:ext cx="3932237" cy="1427956"/>
           </a:xfrm>
         </p:spPr>
         <p:txBody>
           <a:bodyPr anchor="b"/>
           <a:lstStyle>
             <a:lvl1pPr>
-              <a:defRPr sz="3200"/>
+              <a:defRPr sz="2856"/>
             </a:lvl1pPr>
           </a:lstStyle>
           <a:p>
@@ -21998,20 +21345,15 @@
               <a:rPr lang="de-DE"/>
               <a:t>Mastertitelformat bearbeiten</a:t>
             </a:r>
+            <a:endParaRPr lang="en-US" dirty="0"/>
           </a:p>
         </p:txBody>
       </p:sp>
       <p:sp>
         <p:nvSpPr>
-          <p:cNvPr id="3" name="Bildplatzhalter 2">
-            <a:extLst>
-              <a:ext uri="{FF2B5EF4-FFF2-40B4-BE49-F238E27FC236}">
-                <a16:creationId xmlns:a16="http://schemas.microsoft.com/office/drawing/2014/main" id="{309F7E92-3945-4FCD-9D3E-A716067D1B61}"/>
-              </a:ext>
-            </a:extLst>
-          </p:cNvPr>
+          <p:cNvPr id="3" name="Picture Placeholder 2"/>
           <p:cNvSpPr>
-            <a:spLocks noGrp="1"/>
+            <a:spLocks noGrp="1" noChangeAspect="1"/>
           </p:cNvSpPr>
           <p:nvPr>
             <p:ph type="pic" idx="1"/>
@@ -22019,64 +21361,62 @@
         </p:nvSpPr>
         <p:spPr>
           <a:xfrm>
-            <a:off x="5183188" y="987425"/>
-            <a:ext cx="6172200" cy="4873625"/>
+            <a:off x="5183188" y="881140"/>
+            <a:ext cx="6172200" cy="4349034"/>
           </a:xfrm>
         </p:spPr>
         <p:txBody>
-          <a:bodyPr/>
+          <a:bodyPr anchor="t"/>
           <a:lstStyle>
             <a:lvl1pPr marL="0" indent="0">
               <a:buNone/>
-              <a:defRPr sz="3200"/>
+              <a:defRPr sz="2856"/>
             </a:lvl1pPr>
-            <a:lvl2pPr marL="457200" indent="0">
+            <a:lvl2pPr marL="408005" indent="0">
               <a:buNone/>
-              <a:defRPr sz="2800"/>
+              <a:defRPr sz="2499"/>
             </a:lvl2pPr>
-            <a:lvl3pPr marL="914400" indent="0">
+            <a:lvl3pPr marL="816011" indent="0">
               <a:buNone/>
-              <a:defRPr sz="2400"/>
+              <a:defRPr sz="2142"/>
             </a:lvl3pPr>
-            <a:lvl4pPr marL="1371600" indent="0">
+            <a:lvl4pPr marL="1224016" indent="0">
               <a:buNone/>
-              <a:defRPr sz="2000"/>
+              <a:defRPr sz="1785"/>
             </a:lvl4pPr>
-            <a:lvl5pPr marL="1828800" indent="0">
+            <a:lvl5pPr marL="1632021" indent="0">
               <a:buNone/>
-              <a:defRPr sz="2000"/>
+              <a:defRPr sz="1785"/>
             </a:lvl5pPr>
-            <a:lvl6pPr marL="2286000" indent="0">
+            <a:lvl6pPr marL="2040026" indent="0">
               <a:buNone/>
-              <a:defRPr sz="2000"/>
+              <a:defRPr sz="1785"/>
             </a:lvl6pPr>
-            <a:lvl7pPr marL="2743200" indent="0">
+            <a:lvl7pPr marL="2448032" indent="0">
               <a:buNone/>
-              <a:defRPr sz="2000"/>
+              <a:defRPr sz="1785"/>
             </a:lvl7pPr>
-            <a:lvl8pPr marL="3200400" indent="0">
+            <a:lvl8pPr marL="2856037" indent="0">
               <a:buNone/>
-              <a:defRPr sz="2000"/>
+              <a:defRPr sz="1785"/>
             </a:lvl8pPr>
-            <a:lvl9pPr marL="3657600" indent="0">
+            <a:lvl9pPr marL="3264042" indent="0">
               <a:buNone/>
-              <a:defRPr sz="2000"/>
+              <a:defRPr sz="1785"/>
             </a:lvl9pPr>
           </a:lstStyle>
           <a:p>
-            <a:endParaRPr lang="de-DE"/>
+            <a:r>
+              <a:rPr lang="de-DE"/>
+              <a:t>Bild durch Klicken auf Symbol hinzufügen</a:t>
+            </a:r>
+            <a:endParaRPr lang="en-US" dirty="0"/>
           </a:p>
         </p:txBody>
       </p:sp>
       <p:sp>
         <p:nvSpPr>
-          <p:cNvPr id="4" name="Textplatzhalter 3">
-            <a:extLst>
-              <a:ext uri="{FF2B5EF4-FFF2-40B4-BE49-F238E27FC236}">
-                <a16:creationId xmlns:a16="http://schemas.microsoft.com/office/drawing/2014/main" id="{80943E2C-EA3D-4749-B046-1B2E7892B958}"/>
-              </a:ext>
-            </a:extLst>
-          </p:cNvPr>
+          <p:cNvPr id="4" name="Text Placeholder 3"/>
           <p:cNvSpPr>
             <a:spLocks noGrp="1"/>
           </p:cNvSpPr>
@@ -22086,8 +21426,8 @@
         </p:nvSpPr>
         <p:spPr>
           <a:xfrm>
-            <a:off x="839788" y="2057400"/>
-            <a:ext cx="3932237" cy="3811588"/>
+            <a:off x="839789" y="1835944"/>
+            <a:ext cx="3932237" cy="3401313"/>
           </a:xfrm>
         </p:spPr>
         <p:txBody>
@@ -22095,39 +21435,39 @@
           <a:lstStyle>
             <a:lvl1pPr marL="0" indent="0">
               <a:buNone/>
-              <a:defRPr sz="1600"/>
+              <a:defRPr sz="1428"/>
             </a:lvl1pPr>
-            <a:lvl2pPr marL="457200" indent="0">
+            <a:lvl2pPr marL="408005" indent="0">
               <a:buNone/>
-              <a:defRPr sz="1400"/>
+              <a:defRPr sz="1249"/>
             </a:lvl2pPr>
-            <a:lvl3pPr marL="914400" indent="0">
+            <a:lvl3pPr marL="816011" indent="0">
               <a:buNone/>
-              <a:defRPr sz="1200"/>
+              <a:defRPr sz="1071"/>
             </a:lvl3pPr>
-            <a:lvl4pPr marL="1371600" indent="0">
+            <a:lvl4pPr marL="1224016" indent="0">
               <a:buNone/>
-              <a:defRPr sz="1000"/>
+              <a:defRPr sz="892"/>
             </a:lvl4pPr>
-            <a:lvl5pPr marL="1828800" indent="0">
+            <a:lvl5pPr marL="1632021" indent="0">
               <a:buNone/>
-              <a:defRPr sz="1000"/>
+              <a:defRPr sz="892"/>
             </a:lvl5pPr>
-            <a:lvl6pPr marL="2286000" indent="0">
+            <a:lvl6pPr marL="2040026" indent="0">
               <a:buNone/>
-              <a:defRPr sz="1000"/>
+              <a:defRPr sz="892"/>
             </a:lvl6pPr>
-            <a:lvl7pPr marL="2743200" indent="0">
+            <a:lvl7pPr marL="2448032" indent="0">
               <a:buNone/>
-              <a:defRPr sz="1000"/>
+              <a:defRPr sz="892"/>
             </a:lvl7pPr>
-            <a:lvl8pPr marL="3200400" indent="0">
+            <a:lvl8pPr marL="2856037" indent="0">
               <a:buNone/>
-              <a:defRPr sz="1000"/>
+              <a:defRPr sz="892"/>
             </a:lvl8pPr>
-            <a:lvl9pPr marL="3657600" indent="0">
+            <a:lvl9pPr marL="3264042" indent="0">
               <a:buNone/>
-              <a:defRPr sz="1000"/>
+              <a:defRPr sz="892"/>
             </a:lvl9pPr>
           </a:lstStyle>
           <a:p>
@@ -22141,13 +21481,7 @@
       </p:sp>
       <p:sp>
         <p:nvSpPr>
-          <p:cNvPr id="5" name="Datumsplatzhalter 4">
-            <a:extLst>
-              <a:ext uri="{FF2B5EF4-FFF2-40B4-BE49-F238E27FC236}">
-                <a16:creationId xmlns:a16="http://schemas.microsoft.com/office/drawing/2014/main" id="{5EC7B0F8-9371-4FEE-9672-4443BBD463B9}"/>
-              </a:ext>
-            </a:extLst>
-          </p:cNvPr>
+          <p:cNvPr id="5" name="Date Placeholder 4"/>
           <p:cNvSpPr>
             <a:spLocks noGrp="1"/>
           </p:cNvSpPr>
@@ -22162,7 +21496,7 @@
           <a:p>
             <a:fld id="{8146E6E3-6CE9-472E-AD61-A8E8C3D4E719}" type="datetimeFigureOut">
               <a:rPr lang="de-DE" smtClean="0"/>
-              <a:t>31.10.2021</a:t>
+              <a:t>13.11.21</a:t>
             </a:fld>
             <a:endParaRPr lang="de-DE"/>
           </a:p>
@@ -22170,13 +21504,7 @@
       </p:sp>
       <p:sp>
         <p:nvSpPr>
-          <p:cNvPr id="6" name="Fußzeilenplatzhalter 5">
-            <a:extLst>
-              <a:ext uri="{FF2B5EF4-FFF2-40B4-BE49-F238E27FC236}">
-                <a16:creationId xmlns:a16="http://schemas.microsoft.com/office/drawing/2014/main" id="{7AA0B168-915A-4C60-9771-5787391A8E63}"/>
-              </a:ext>
-            </a:extLst>
-          </p:cNvPr>
+          <p:cNvPr id="6" name="Footer Placeholder 5"/>
           <p:cNvSpPr>
             <a:spLocks noGrp="1"/>
           </p:cNvSpPr>
@@ -22195,13 +21523,7 @@
       </p:sp>
       <p:sp>
         <p:nvSpPr>
-          <p:cNvPr id="7" name="Foliennummernplatzhalter 6">
-            <a:extLst>
-              <a:ext uri="{FF2B5EF4-FFF2-40B4-BE49-F238E27FC236}">
-                <a16:creationId xmlns:a16="http://schemas.microsoft.com/office/drawing/2014/main" id="{838FD22E-A0AA-4FF4-8A32-C93790AEC57A}"/>
-              </a:ext>
-            </a:extLst>
-          </p:cNvPr>
+          <p:cNvPr id="7" name="Slide Number Placeholder 6"/>
           <p:cNvSpPr>
             <a:spLocks noGrp="1"/>
           </p:cNvSpPr>
@@ -22225,7 +21547,7 @@
     </p:spTree>
     <p:extLst>
       <p:ext uri="{BB962C8B-B14F-4D97-AF65-F5344CB8AC3E}">
-        <p14:creationId xmlns:p14="http://schemas.microsoft.com/office/powerpoint/2010/main" val="2245819774"/>
+        <p14:creationId xmlns:p14="http://schemas.microsoft.com/office/powerpoint/2010/main" val="1356793279"/>
       </p:ext>
     </p:extLst>
   </p:cSld>
@@ -22259,13 +21581,7 @@
       </p:grpSpPr>
       <p:sp>
         <p:nvSpPr>
-          <p:cNvPr id="2" name="Titelplatzhalter 1">
-            <a:extLst>
-              <a:ext uri="{FF2B5EF4-FFF2-40B4-BE49-F238E27FC236}">
-                <a16:creationId xmlns:a16="http://schemas.microsoft.com/office/drawing/2014/main" id="{FCFC4F8B-9C42-492E-8929-3DEFA5D56BF2}"/>
-              </a:ext>
-            </a:extLst>
-          </p:cNvPr>
+          <p:cNvPr id="2" name="Title Placeholder 1"/>
           <p:cNvSpPr>
             <a:spLocks noGrp="1"/>
           </p:cNvSpPr>
@@ -22275,8 +21591,8 @@
         </p:nvSpPr>
         <p:spPr>
           <a:xfrm>
-            <a:off x="838200" y="365125"/>
-            <a:ext cx="10515600" cy="1325563"/>
+            <a:off x="838200" y="325824"/>
+            <a:ext cx="10515600" cy="1182881"/>
           </a:xfrm>
           <a:prstGeom prst="rect">
             <a:avLst/>
@@ -22292,18 +21608,13 @@
               <a:rPr lang="de-DE"/>
               <a:t>Mastertitelformat bearbeiten</a:t>
             </a:r>
+            <a:endParaRPr lang="en-US" dirty="0"/>
           </a:p>
         </p:txBody>
       </p:sp>
       <p:sp>
         <p:nvSpPr>
-          <p:cNvPr id="3" name="Textplatzhalter 2">
-            <a:extLst>
-              <a:ext uri="{FF2B5EF4-FFF2-40B4-BE49-F238E27FC236}">
-                <a16:creationId xmlns:a16="http://schemas.microsoft.com/office/drawing/2014/main" id="{7565EFDE-362F-433B-8BCD-841893031D47}"/>
-              </a:ext>
-            </a:extLst>
-          </p:cNvPr>
+          <p:cNvPr id="3" name="Text Placeholder 2"/>
           <p:cNvSpPr>
             <a:spLocks noGrp="1"/>
           </p:cNvSpPr>
@@ -22313,8 +21624,8 @@
         </p:nvSpPr>
         <p:spPr>
           <a:xfrm>
-            <a:off x="838200" y="1825625"/>
-            <a:ext cx="10515600" cy="4351338"/>
+            <a:off x="838200" y="1629117"/>
+            <a:ext cx="10515600" cy="3882965"/>
           </a:xfrm>
           <a:prstGeom prst="rect">
             <a:avLst/>
@@ -22359,18 +21670,13 @@
               <a:rPr lang="de-DE"/>
               <a:t>Fünfte Ebene</a:t>
             </a:r>
+            <a:endParaRPr lang="en-US" dirty="0"/>
           </a:p>
         </p:txBody>
       </p:sp>
       <p:sp>
         <p:nvSpPr>
-          <p:cNvPr id="4" name="Datumsplatzhalter 3">
-            <a:extLst>
-              <a:ext uri="{FF2B5EF4-FFF2-40B4-BE49-F238E27FC236}">
-                <a16:creationId xmlns:a16="http://schemas.microsoft.com/office/drawing/2014/main" id="{1D6F16B2-B760-45CB-8C80-F8EF190119DD}"/>
-              </a:ext>
-            </a:extLst>
-          </p:cNvPr>
+          <p:cNvPr id="4" name="Date Placeholder 3"/>
           <p:cNvSpPr>
             <a:spLocks noGrp="1"/>
           </p:cNvSpPr>
@@ -22380,8 +21686,8 @@
         </p:nvSpPr>
         <p:spPr>
           <a:xfrm>
-            <a:off x="838200" y="6356350"/>
-            <a:ext cx="2743200" cy="365125"/>
+            <a:off x="838200" y="5672161"/>
+            <a:ext cx="2743200" cy="325823"/>
           </a:xfrm>
           <a:prstGeom prst="rect">
             <a:avLst/>
@@ -22391,7 +21697,7 @@
           <a:bodyPr vert="horz" lIns="91440" tIns="45720" rIns="91440" bIns="45720" rtlCol="0" anchor="ctr"/>
           <a:lstStyle>
             <a:lvl1pPr algn="l">
-              <a:defRPr sz="1200">
+              <a:defRPr sz="1071">
                 <a:solidFill>
                   <a:schemeClr val="tx1">
                     <a:tint val="75000"/>
@@ -22403,7 +21709,7 @@
           <a:p>
             <a:fld id="{8146E6E3-6CE9-472E-AD61-A8E8C3D4E719}" type="datetimeFigureOut">
               <a:rPr lang="de-DE" smtClean="0"/>
-              <a:t>31.10.2021</a:t>
+              <a:t>13.11.21</a:t>
             </a:fld>
             <a:endParaRPr lang="de-DE"/>
           </a:p>
@@ -22411,13 +21717,7 @@
       </p:sp>
       <p:sp>
         <p:nvSpPr>
-          <p:cNvPr id="5" name="Fußzeilenplatzhalter 4">
-            <a:extLst>
-              <a:ext uri="{FF2B5EF4-FFF2-40B4-BE49-F238E27FC236}">
-                <a16:creationId xmlns:a16="http://schemas.microsoft.com/office/drawing/2014/main" id="{E2504541-785F-4329-8AF2-C110161E42AE}"/>
-              </a:ext>
-            </a:extLst>
-          </p:cNvPr>
+          <p:cNvPr id="5" name="Footer Placeholder 4"/>
           <p:cNvSpPr>
             <a:spLocks noGrp="1"/>
           </p:cNvSpPr>
@@ -22427,8 +21727,8 @@
         </p:nvSpPr>
         <p:spPr>
           <a:xfrm>
-            <a:off x="4038600" y="6356350"/>
-            <a:ext cx="4114800" cy="365125"/>
+            <a:off x="4038600" y="5672161"/>
+            <a:ext cx="4114800" cy="325823"/>
           </a:xfrm>
           <a:prstGeom prst="rect">
             <a:avLst/>
@@ -22438,7 +21738,7 @@
           <a:bodyPr vert="horz" lIns="91440" tIns="45720" rIns="91440" bIns="45720" rtlCol="0" anchor="ctr"/>
           <a:lstStyle>
             <a:lvl1pPr algn="ctr">
-              <a:defRPr sz="1200">
+              <a:defRPr sz="1071">
                 <a:solidFill>
                   <a:schemeClr val="tx1">
                     <a:tint val="75000"/>
@@ -22454,13 +21754,7 @@
       </p:sp>
       <p:sp>
         <p:nvSpPr>
-          <p:cNvPr id="6" name="Foliennummernplatzhalter 5">
-            <a:extLst>
-              <a:ext uri="{FF2B5EF4-FFF2-40B4-BE49-F238E27FC236}">
-                <a16:creationId xmlns:a16="http://schemas.microsoft.com/office/drawing/2014/main" id="{0A479B26-0F5E-4F2B-AE31-601C05FED890}"/>
-              </a:ext>
-            </a:extLst>
-          </p:cNvPr>
+          <p:cNvPr id="6" name="Slide Number Placeholder 5"/>
           <p:cNvSpPr>
             <a:spLocks noGrp="1"/>
           </p:cNvSpPr>
@@ -22470,8 +21764,8 @@
         </p:nvSpPr>
         <p:spPr>
           <a:xfrm>
-            <a:off x="8610600" y="6356350"/>
-            <a:ext cx="2743200" cy="365125"/>
+            <a:off x="8610600" y="5672161"/>
+            <a:ext cx="2743200" cy="325823"/>
           </a:xfrm>
           <a:prstGeom prst="rect">
             <a:avLst/>
@@ -22481,7 +21775,7 @@
           <a:bodyPr vert="horz" lIns="91440" tIns="45720" rIns="91440" bIns="45720" rtlCol="0" anchor="ctr"/>
           <a:lstStyle>
             <a:lvl1pPr algn="r">
-              <a:defRPr sz="1200">
+              <a:defRPr sz="1071">
                 <a:solidFill>
                   <a:schemeClr val="tx1">
                     <a:tint val="75000"/>
@@ -22502,27 +21796,27 @@
     </p:spTree>
     <p:extLst>
       <p:ext uri="{BB962C8B-B14F-4D97-AF65-F5344CB8AC3E}">
-        <p14:creationId xmlns:p14="http://schemas.microsoft.com/office/powerpoint/2010/main" val="250992904"/>
+        <p14:creationId xmlns:p14="http://schemas.microsoft.com/office/powerpoint/2010/main" val="1637324165"/>
       </p:ext>
     </p:extLst>
   </p:cSld>
   <p:clrMap bg1="lt1" tx1="dk1" bg2="lt2" tx2="dk2" accent1="accent1" accent2="accent2" accent3="accent3" accent4="accent4" accent5="accent5" accent6="accent6" hlink="hlink" folHlink="folHlink"/>
   <p:sldLayoutIdLst>
-    <p:sldLayoutId id="2147483649" r:id="rId1"/>
-    <p:sldLayoutId id="2147483650" r:id="rId2"/>
-    <p:sldLayoutId id="2147483651" r:id="rId3"/>
-    <p:sldLayoutId id="2147483652" r:id="rId4"/>
-    <p:sldLayoutId id="2147483653" r:id="rId5"/>
-    <p:sldLayoutId id="2147483654" r:id="rId6"/>
-    <p:sldLayoutId id="2147483655" r:id="rId7"/>
-    <p:sldLayoutId id="2147483656" r:id="rId8"/>
-    <p:sldLayoutId id="2147483657" r:id="rId9"/>
-    <p:sldLayoutId id="2147483658" r:id="rId10"/>
-    <p:sldLayoutId id="2147483659" r:id="rId11"/>
+    <p:sldLayoutId id="2147483709" r:id="rId1"/>
+    <p:sldLayoutId id="2147483710" r:id="rId2"/>
+    <p:sldLayoutId id="2147483711" r:id="rId3"/>
+    <p:sldLayoutId id="2147483712" r:id="rId4"/>
+    <p:sldLayoutId id="2147483713" r:id="rId5"/>
+    <p:sldLayoutId id="2147483714" r:id="rId6"/>
+    <p:sldLayoutId id="2147483715" r:id="rId7"/>
+    <p:sldLayoutId id="2147483716" r:id="rId8"/>
+    <p:sldLayoutId id="2147483717" r:id="rId9"/>
+    <p:sldLayoutId id="2147483718" r:id="rId10"/>
+    <p:sldLayoutId id="2147483719" r:id="rId11"/>
   </p:sldLayoutIdLst>
   <p:txStyles>
     <p:titleStyle>
-      <a:lvl1pPr algn="l" defTabSz="914400" rtl="0" eaLnBrk="1" latinLnBrk="0" hangingPunct="1">
+      <a:lvl1pPr algn="l" defTabSz="816011" rtl="0" eaLnBrk="1" latinLnBrk="0" hangingPunct="1">
         <a:lnSpc>
           <a:spcPct val="90000"/>
         </a:lnSpc>
@@ -22530,7 +21824,7 @@
           <a:spcPct val="0"/>
         </a:spcBef>
         <a:buNone/>
-        <a:defRPr sz="4400" kern="1200">
+        <a:defRPr sz="3927" kern="1200">
           <a:solidFill>
             <a:schemeClr val="tx1"/>
           </a:solidFill>
@@ -22541,16 +21835,16 @@
       </a:lvl1pPr>
     </p:titleStyle>
     <p:bodyStyle>
-      <a:lvl1pPr marL="228600" indent="-228600" algn="l" defTabSz="914400" rtl="0" eaLnBrk="1" latinLnBrk="0" hangingPunct="1">
+      <a:lvl1pPr marL="204003" indent="-204003" algn="l" defTabSz="816011" rtl="0" eaLnBrk="1" latinLnBrk="0" hangingPunct="1">
         <a:lnSpc>
           <a:spcPct val="90000"/>
         </a:lnSpc>
         <a:spcBef>
-          <a:spcPts val="1000"/>
+          <a:spcPts val="892"/>
         </a:spcBef>
         <a:buFont typeface="Arial" panose="020B0604020202020204" pitchFamily="34" charset="0"/>
         <a:buChar char="•"/>
-        <a:defRPr sz="2800" kern="1200">
+        <a:defRPr sz="2499" kern="1200">
           <a:solidFill>
             <a:schemeClr val="tx1"/>
           </a:solidFill>
@@ -22559,16 +21853,16 @@
           <a:cs typeface="+mn-cs"/>
         </a:defRPr>
       </a:lvl1pPr>
-      <a:lvl2pPr marL="685800" indent="-228600" algn="l" defTabSz="914400" rtl="0" eaLnBrk="1" latinLnBrk="0" hangingPunct="1">
+      <a:lvl2pPr marL="612008" indent="-204003" algn="l" defTabSz="816011" rtl="0" eaLnBrk="1" latinLnBrk="0" hangingPunct="1">
         <a:lnSpc>
           <a:spcPct val="90000"/>
         </a:lnSpc>
         <a:spcBef>
-          <a:spcPts val="500"/>
+          <a:spcPts val="446"/>
         </a:spcBef>
         <a:buFont typeface="Arial" panose="020B0604020202020204" pitchFamily="34" charset="0"/>
         <a:buChar char="•"/>
-        <a:defRPr sz="2400" kern="1200">
+        <a:defRPr sz="2142" kern="1200">
           <a:solidFill>
             <a:schemeClr val="tx1"/>
           </a:solidFill>
@@ -22577,16 +21871,16 @@
           <a:cs typeface="+mn-cs"/>
         </a:defRPr>
       </a:lvl2pPr>
-      <a:lvl3pPr marL="1143000" indent="-228600" algn="l" defTabSz="914400" rtl="0" eaLnBrk="1" latinLnBrk="0" hangingPunct="1">
+      <a:lvl3pPr marL="1020013" indent="-204003" algn="l" defTabSz="816011" rtl="0" eaLnBrk="1" latinLnBrk="0" hangingPunct="1">
         <a:lnSpc>
           <a:spcPct val="90000"/>
         </a:lnSpc>
         <a:spcBef>
-          <a:spcPts val="500"/>
+          <a:spcPts val="446"/>
         </a:spcBef>
         <a:buFont typeface="Arial" panose="020B0604020202020204" pitchFamily="34" charset="0"/>
         <a:buChar char="•"/>
-        <a:defRPr sz="2000" kern="1200">
+        <a:defRPr sz="1785" kern="1200">
           <a:solidFill>
             <a:schemeClr val="tx1"/>
           </a:solidFill>
@@ -22595,16 +21889,16 @@
           <a:cs typeface="+mn-cs"/>
         </a:defRPr>
       </a:lvl3pPr>
-      <a:lvl4pPr marL="1600200" indent="-228600" algn="l" defTabSz="914400" rtl="0" eaLnBrk="1" latinLnBrk="0" hangingPunct="1">
+      <a:lvl4pPr marL="1428018" indent="-204003" algn="l" defTabSz="816011" rtl="0" eaLnBrk="1" latinLnBrk="0" hangingPunct="1">
         <a:lnSpc>
           <a:spcPct val="90000"/>
         </a:lnSpc>
         <a:spcBef>
-          <a:spcPts val="500"/>
+          <a:spcPts val="446"/>
         </a:spcBef>
         <a:buFont typeface="Arial" panose="020B0604020202020204" pitchFamily="34" charset="0"/>
         <a:buChar char="•"/>
-        <a:defRPr sz="1800" kern="1200">
+        <a:defRPr sz="1606" kern="1200">
           <a:solidFill>
             <a:schemeClr val="tx1"/>
           </a:solidFill>
@@ -22613,16 +21907,16 @@
           <a:cs typeface="+mn-cs"/>
         </a:defRPr>
       </a:lvl4pPr>
-      <a:lvl5pPr marL="2057400" indent="-228600" algn="l" defTabSz="914400" rtl="0" eaLnBrk="1" latinLnBrk="0" hangingPunct="1">
+      <a:lvl5pPr marL="1836024" indent="-204003" algn="l" defTabSz="816011" rtl="0" eaLnBrk="1" latinLnBrk="0" hangingPunct="1">
         <a:lnSpc>
           <a:spcPct val="90000"/>
         </a:lnSpc>
         <a:spcBef>
-          <a:spcPts val="500"/>
+          <a:spcPts val="446"/>
         </a:spcBef>
         <a:buFont typeface="Arial" panose="020B0604020202020204" pitchFamily="34" charset="0"/>
         <a:buChar char="•"/>
-        <a:defRPr sz="1800" kern="1200">
+        <a:defRPr sz="1606" kern="1200">
           <a:solidFill>
             <a:schemeClr val="tx1"/>
           </a:solidFill>
@@ -22631,16 +21925,16 @@
           <a:cs typeface="+mn-cs"/>
         </a:defRPr>
       </a:lvl5pPr>
-      <a:lvl6pPr marL="2514600" indent="-228600" algn="l" defTabSz="914400" rtl="0" eaLnBrk="1" latinLnBrk="0" hangingPunct="1">
+      <a:lvl6pPr marL="2244029" indent="-204003" algn="l" defTabSz="816011" rtl="0" eaLnBrk="1" latinLnBrk="0" hangingPunct="1">
         <a:lnSpc>
           <a:spcPct val="90000"/>
         </a:lnSpc>
         <a:spcBef>
-          <a:spcPts val="500"/>
+          <a:spcPts val="446"/>
         </a:spcBef>
         <a:buFont typeface="Arial" panose="020B0604020202020204" pitchFamily="34" charset="0"/>
         <a:buChar char="•"/>
-        <a:defRPr sz="1800" kern="1200">
+        <a:defRPr sz="1606" kern="1200">
           <a:solidFill>
             <a:schemeClr val="tx1"/>
           </a:solidFill>
@@ -22649,16 +21943,16 @@
           <a:cs typeface="+mn-cs"/>
         </a:defRPr>
       </a:lvl6pPr>
-      <a:lvl7pPr marL="2971800" indent="-228600" algn="l" defTabSz="914400" rtl="0" eaLnBrk="1" latinLnBrk="0" hangingPunct="1">
+      <a:lvl7pPr marL="2652034" indent="-204003" algn="l" defTabSz="816011" rtl="0" eaLnBrk="1" latinLnBrk="0" hangingPunct="1">
         <a:lnSpc>
           <a:spcPct val="90000"/>
         </a:lnSpc>
         <a:spcBef>
-          <a:spcPts val="500"/>
+          <a:spcPts val="446"/>
         </a:spcBef>
         <a:buFont typeface="Arial" panose="020B0604020202020204" pitchFamily="34" charset="0"/>
         <a:buChar char="•"/>
-        <a:defRPr sz="1800" kern="1200">
+        <a:defRPr sz="1606" kern="1200">
           <a:solidFill>
             <a:schemeClr val="tx1"/>
           </a:solidFill>
@@ -22667,16 +21961,16 @@
           <a:cs typeface="+mn-cs"/>
         </a:defRPr>
       </a:lvl7pPr>
-      <a:lvl8pPr marL="3429000" indent="-228600" algn="l" defTabSz="914400" rtl="0" eaLnBrk="1" latinLnBrk="0" hangingPunct="1">
+      <a:lvl8pPr marL="3060040" indent="-204003" algn="l" defTabSz="816011" rtl="0" eaLnBrk="1" latinLnBrk="0" hangingPunct="1">
         <a:lnSpc>
           <a:spcPct val="90000"/>
         </a:lnSpc>
         <a:spcBef>
-          <a:spcPts val="500"/>
+          <a:spcPts val="446"/>
         </a:spcBef>
         <a:buFont typeface="Arial" panose="020B0604020202020204" pitchFamily="34" charset="0"/>
         <a:buChar char="•"/>
-        <a:defRPr sz="1800" kern="1200">
+        <a:defRPr sz="1606" kern="1200">
           <a:solidFill>
             <a:schemeClr val="tx1"/>
           </a:solidFill>
@@ -22685,16 +21979,16 @@
           <a:cs typeface="+mn-cs"/>
         </a:defRPr>
       </a:lvl8pPr>
-      <a:lvl9pPr marL="3886200" indent="-228600" algn="l" defTabSz="914400" rtl="0" eaLnBrk="1" latinLnBrk="0" hangingPunct="1">
+      <a:lvl9pPr marL="3468045" indent="-204003" algn="l" defTabSz="816011" rtl="0" eaLnBrk="1" latinLnBrk="0" hangingPunct="1">
         <a:lnSpc>
           <a:spcPct val="90000"/>
         </a:lnSpc>
         <a:spcBef>
-          <a:spcPts val="500"/>
+          <a:spcPts val="446"/>
         </a:spcBef>
         <a:buFont typeface="Arial" panose="020B0604020202020204" pitchFamily="34" charset="0"/>
         <a:buChar char="•"/>
-        <a:defRPr sz="1800" kern="1200">
+        <a:defRPr sz="1606" kern="1200">
           <a:solidFill>
             <a:schemeClr val="tx1"/>
           </a:solidFill>
@@ -22706,10 +22000,10 @@
     </p:bodyStyle>
     <p:otherStyle>
       <a:defPPr>
-        <a:defRPr lang="de-DE"/>
+        <a:defRPr lang="en-US"/>
       </a:defPPr>
-      <a:lvl1pPr marL="0" algn="l" defTabSz="914400" rtl="0" eaLnBrk="1" latinLnBrk="0" hangingPunct="1">
-        <a:defRPr sz="1800" kern="1200">
+      <a:lvl1pPr marL="0" algn="l" defTabSz="816011" rtl="0" eaLnBrk="1" latinLnBrk="0" hangingPunct="1">
+        <a:defRPr sz="1606" kern="1200">
           <a:solidFill>
             <a:schemeClr val="tx1"/>
           </a:solidFill>
@@ -22718,8 +22012,8 @@
           <a:cs typeface="+mn-cs"/>
         </a:defRPr>
       </a:lvl1pPr>
-      <a:lvl2pPr marL="457200" algn="l" defTabSz="914400" rtl="0" eaLnBrk="1" latinLnBrk="0" hangingPunct="1">
-        <a:defRPr sz="1800" kern="1200">
+      <a:lvl2pPr marL="408005" algn="l" defTabSz="816011" rtl="0" eaLnBrk="1" latinLnBrk="0" hangingPunct="1">
+        <a:defRPr sz="1606" kern="1200">
           <a:solidFill>
             <a:schemeClr val="tx1"/>
           </a:solidFill>
@@ -22728,8 +22022,8 @@
           <a:cs typeface="+mn-cs"/>
         </a:defRPr>
       </a:lvl2pPr>
-      <a:lvl3pPr marL="914400" algn="l" defTabSz="914400" rtl="0" eaLnBrk="1" latinLnBrk="0" hangingPunct="1">
-        <a:defRPr sz="1800" kern="1200">
+      <a:lvl3pPr marL="816011" algn="l" defTabSz="816011" rtl="0" eaLnBrk="1" latinLnBrk="0" hangingPunct="1">
+        <a:defRPr sz="1606" kern="1200">
           <a:solidFill>
             <a:schemeClr val="tx1"/>
           </a:solidFill>
@@ -22738,8 +22032,8 @@
           <a:cs typeface="+mn-cs"/>
         </a:defRPr>
       </a:lvl3pPr>
-      <a:lvl4pPr marL="1371600" algn="l" defTabSz="914400" rtl="0" eaLnBrk="1" latinLnBrk="0" hangingPunct="1">
-        <a:defRPr sz="1800" kern="1200">
+      <a:lvl4pPr marL="1224016" algn="l" defTabSz="816011" rtl="0" eaLnBrk="1" latinLnBrk="0" hangingPunct="1">
+        <a:defRPr sz="1606" kern="1200">
           <a:solidFill>
             <a:schemeClr val="tx1"/>
           </a:solidFill>
@@ -22748,8 +22042,8 @@
           <a:cs typeface="+mn-cs"/>
         </a:defRPr>
       </a:lvl4pPr>
-      <a:lvl5pPr marL="1828800" algn="l" defTabSz="914400" rtl="0" eaLnBrk="1" latinLnBrk="0" hangingPunct="1">
-        <a:defRPr sz="1800" kern="1200">
+      <a:lvl5pPr marL="1632021" algn="l" defTabSz="816011" rtl="0" eaLnBrk="1" latinLnBrk="0" hangingPunct="1">
+        <a:defRPr sz="1606" kern="1200">
           <a:solidFill>
             <a:schemeClr val="tx1"/>
           </a:solidFill>
@@ -22758,8 +22052,8 @@
           <a:cs typeface="+mn-cs"/>
         </a:defRPr>
       </a:lvl5pPr>
-      <a:lvl6pPr marL="2286000" algn="l" defTabSz="914400" rtl="0" eaLnBrk="1" latinLnBrk="0" hangingPunct="1">
-        <a:defRPr sz="1800" kern="1200">
+      <a:lvl6pPr marL="2040026" algn="l" defTabSz="816011" rtl="0" eaLnBrk="1" latinLnBrk="0" hangingPunct="1">
+        <a:defRPr sz="1606" kern="1200">
           <a:solidFill>
             <a:schemeClr val="tx1"/>
           </a:solidFill>
@@ -22768,8 +22062,8 @@
           <a:cs typeface="+mn-cs"/>
         </a:defRPr>
       </a:lvl6pPr>
-      <a:lvl7pPr marL="2743200" algn="l" defTabSz="914400" rtl="0" eaLnBrk="1" latinLnBrk="0" hangingPunct="1">
-        <a:defRPr sz="1800" kern="1200">
+      <a:lvl7pPr marL="2448032" algn="l" defTabSz="816011" rtl="0" eaLnBrk="1" latinLnBrk="0" hangingPunct="1">
+        <a:defRPr sz="1606" kern="1200">
           <a:solidFill>
             <a:schemeClr val="tx1"/>
           </a:solidFill>
@@ -22778,8 +22072,8 @@
           <a:cs typeface="+mn-cs"/>
         </a:defRPr>
       </a:lvl7pPr>
-      <a:lvl8pPr marL="3200400" algn="l" defTabSz="914400" rtl="0" eaLnBrk="1" latinLnBrk="0" hangingPunct="1">
-        <a:defRPr sz="1800" kern="1200">
+      <a:lvl8pPr marL="2856037" algn="l" defTabSz="816011" rtl="0" eaLnBrk="1" latinLnBrk="0" hangingPunct="1">
+        <a:defRPr sz="1606" kern="1200">
           <a:solidFill>
             <a:schemeClr val="tx1"/>
           </a:solidFill>
@@ -22788,8 +22082,8 @@
           <a:cs typeface="+mn-cs"/>
         </a:defRPr>
       </a:lvl8pPr>
-      <a:lvl9pPr marL="3657600" algn="l" defTabSz="914400" rtl="0" eaLnBrk="1" latinLnBrk="0" hangingPunct="1">
-        <a:defRPr sz="1800" kern="1200">
+      <a:lvl9pPr marL="3264042" algn="l" defTabSz="816011" rtl="0" eaLnBrk="1" latinLnBrk="0" hangingPunct="1">
+        <a:defRPr sz="1606" kern="1200">
           <a:solidFill>
             <a:schemeClr val="tx1"/>
           </a:solidFill>
@@ -22839,7 +22133,7 @@
           </p:nvPr>
         </p:nvGraphicFramePr>
         <p:xfrm>
-          <a:off x="128588" y="83977"/>
+          <a:off x="128589" y="-285117"/>
           <a:ext cx="11444287" cy="6298162"/>
         </p:xfrm>
         <a:graphic>
@@ -22897,7 +22191,7 @@
           </p:nvPr>
         </p:nvGraphicFramePr>
         <p:xfrm>
-          <a:off x="296539" y="205275"/>
+          <a:off x="296540" y="-163819"/>
           <a:ext cx="11444287" cy="6298162"/>
         </p:xfrm>
         <a:graphic>
@@ -22920,7 +22214,7 @@
         </p:nvSpPr>
         <p:spPr>
           <a:xfrm>
-            <a:off x="3470988" y="3079102"/>
+            <a:off x="3470988" y="2710009"/>
             <a:ext cx="1399592" cy="475861"/>
           </a:xfrm>
           <a:prstGeom prst="rightArrow">
@@ -22966,7 +22260,7 @@
         </p:nvSpPr>
         <p:spPr>
           <a:xfrm>
-            <a:off x="7169022" y="3121090"/>
+            <a:off x="7169022" y="2751997"/>
             <a:ext cx="1399592" cy="475861"/>
           </a:xfrm>
           <a:prstGeom prst="rightArrow">
@@ -23012,7 +22306,7 @@
         </p:nvSpPr>
         <p:spPr>
           <a:xfrm>
-            <a:off x="7169021" y="1548882"/>
+            <a:off x="7169022" y="1179788"/>
             <a:ext cx="2198913" cy="625150"/>
           </a:xfrm>
           <a:prstGeom prst="roundRect">
@@ -23059,7 +22353,7 @@
         </p:nvSpPr>
         <p:spPr>
           <a:xfrm>
-            <a:off x="1076132" y="5803640"/>
+            <a:off x="1076132" y="5434546"/>
             <a:ext cx="2394856" cy="625150"/>
           </a:xfrm>
           <a:prstGeom prst="roundRect">
@@ -23106,7 +22400,7 @@
         </p:nvSpPr>
         <p:spPr>
           <a:xfrm>
-            <a:off x="7094377" y="5803640"/>
+            <a:off x="7094378" y="5434546"/>
             <a:ext cx="2665443" cy="625150"/>
           </a:xfrm>
           <a:prstGeom prst="roundRect">
@@ -23182,14 +22476,14 @@
           <p:nvPr>
             <p:extLst>
               <p:ext uri="{D42A27DB-BD31-4B8C-83A1-F6EECF244321}">
-                <p14:modId xmlns:p14="http://schemas.microsoft.com/office/powerpoint/2010/main" val="4029130847"/>
+                <p14:modId xmlns:p14="http://schemas.microsoft.com/office/powerpoint/2010/main" val="892142235"/>
               </p:ext>
             </p:extLst>
           </p:nvPr>
         </p:nvGraphicFramePr>
         <p:xfrm>
-          <a:off x="296539" y="205275"/>
-          <a:ext cx="11444287" cy="6298162"/>
+          <a:off x="1068703" y="-106435"/>
+          <a:ext cx="10951662" cy="6192719"/>
         </p:xfrm>
         <a:graphic>
           <a:graphicData uri="http://schemas.openxmlformats.org/drawingml/2006/diagram">
@@ -23211,12 +22505,22 @@
         </p:nvSpPr>
         <p:spPr>
           <a:xfrm>
-            <a:off x="3470988" y="3079102"/>
+            <a:off x="3934667" y="2751997"/>
             <a:ext cx="1399592" cy="475861"/>
           </a:xfrm>
           <a:prstGeom prst="rightArrow">
             <a:avLst/>
           </a:prstGeom>
+          <a:solidFill>
+            <a:schemeClr val="bg1">
+              <a:lumMod val="85000"/>
+            </a:schemeClr>
+          </a:solidFill>
+          <a:ln>
+            <a:solidFill>
+              <a:schemeClr val="tx1"/>
+            </a:solidFill>
+          </a:ln>
         </p:spPr>
         <p:style>
           <a:lnRef idx="2">
@@ -23257,12 +22561,22 @@
         </p:nvSpPr>
         <p:spPr>
           <a:xfrm>
-            <a:off x="7169022" y="3121090"/>
+            <a:off x="7568681" y="2751996"/>
             <a:ext cx="1399592" cy="475861"/>
           </a:xfrm>
           <a:prstGeom prst="rightArrow">
             <a:avLst/>
           </a:prstGeom>
+          <a:solidFill>
+            <a:schemeClr val="bg1">
+              <a:lumMod val="85000"/>
+            </a:schemeClr>
+          </a:solidFill>
+          <a:ln>
+            <a:solidFill>
+              <a:schemeClr val="tx1"/>
+            </a:solidFill>
+          </a:ln>
         </p:spPr>
         <p:style>
           <a:lnRef idx="2">
@@ -23291,53 +22605,6 @@
       </p:sp>
       <p:sp>
         <p:nvSpPr>
-          <p:cNvPr id="3" name="Rechteck: abgerundete Ecken 2">
-            <a:extLst>
-              <a:ext uri="{FF2B5EF4-FFF2-40B4-BE49-F238E27FC236}">
-                <a16:creationId xmlns:a16="http://schemas.microsoft.com/office/drawing/2014/main" id="{A34FB28D-F007-4113-9C17-70DDF0200AA1}"/>
-              </a:ext>
-            </a:extLst>
-          </p:cNvPr>
-          <p:cNvSpPr/>
-          <p:nvPr/>
-        </p:nvSpPr>
-        <p:spPr>
-          <a:xfrm>
-            <a:off x="7169021" y="1548882"/>
-            <a:ext cx="2198913" cy="625150"/>
-          </a:xfrm>
-          <a:prstGeom prst="roundRect">
-            <a:avLst/>
-          </a:prstGeom>
-        </p:spPr>
-        <p:style>
-          <a:lnRef idx="0">
-            <a:schemeClr val="accent3"/>
-          </a:lnRef>
-          <a:fillRef idx="3">
-            <a:schemeClr val="accent3"/>
-          </a:fillRef>
-          <a:effectRef idx="3">
-            <a:schemeClr val="accent3"/>
-          </a:effectRef>
-          <a:fontRef idx="minor">
-            <a:schemeClr val="lt1"/>
-          </a:fontRef>
-        </p:style>
-        <p:txBody>
-          <a:bodyPr rtlCol="0" anchor="ctr"/>
-          <a:lstStyle/>
-          <a:p>
-            <a:pPr algn="ctr"/>
-            <a:r>
-              <a:rPr lang="de-DE" sz="2400" b="1" dirty="0"/>
-              <a:t>Grundkonzept</a:t>
-            </a:r>
-          </a:p>
-        </p:txBody>
-      </p:sp>
-      <p:sp>
-        <p:nvSpPr>
           <p:cNvPr id="6" name="Rechteck: abgerundete Ecken 5">
             <a:extLst>
               <a:ext uri="{FF2B5EF4-FFF2-40B4-BE49-F238E27FC236}">
@@ -23350,12 +22617,13 @@
         </p:nvSpPr>
         <p:spPr>
           <a:xfrm>
-            <a:off x="1076132" y="5803640"/>
+            <a:off x="1457871" y="5071470"/>
             <a:ext cx="2394856" cy="625150"/>
           </a:xfrm>
           <a:prstGeom prst="roundRect">
             <a:avLst/>
           </a:prstGeom>
+          <a:effectLst/>
         </p:spPr>
         <p:style>
           <a:lnRef idx="0">
@@ -23397,12 +22665,13 @@
         </p:nvSpPr>
         <p:spPr>
           <a:xfrm>
-            <a:off x="7094377" y="5803640"/>
+            <a:off x="7193208" y="5015507"/>
             <a:ext cx="2665443" cy="625150"/>
           </a:xfrm>
           <a:prstGeom prst="roundRect">
             <a:avLst/>
           </a:prstGeom>
+          <a:effectLst/>
         </p:spPr>
         <p:style>
           <a:lnRef idx="0">
@@ -23430,6 +22699,248 @@
           </a:p>
         </p:txBody>
       </p:sp>
+      <mc:AlternateContent xmlns:mc="http://schemas.openxmlformats.org/markup-compatibility/2006">
+        <mc:Choice xmlns:a14="http://schemas.microsoft.com/office/drawing/2010/main" Requires="a14">
+          <p:sp>
+            <p:nvSpPr>
+              <p:cNvPr id="9" name="Textfeld 8">
+                <a:extLst>
+                  <a:ext uri="{FF2B5EF4-FFF2-40B4-BE49-F238E27FC236}">
+                    <a16:creationId xmlns:a16="http://schemas.microsoft.com/office/drawing/2014/main" id="{92CC893B-BE64-0541-9B64-A8E159BFC401}"/>
+                  </a:ext>
+                </a:extLst>
+              </p:cNvPr>
+              <p:cNvSpPr txBox="1"/>
+              <p:nvPr/>
+            </p:nvSpPr>
+            <p:spPr>
+              <a:xfrm>
+                <a:off x="389031" y="2712928"/>
+                <a:ext cx="679673" cy="276999"/>
+              </a:xfrm>
+              <a:prstGeom prst="rect">
+                <a:avLst/>
+              </a:prstGeom>
+              <a:noFill/>
+            </p:spPr>
+            <p:txBody>
+              <a:bodyPr wrap="none" lIns="0" tIns="0" rIns="0" bIns="0" rtlCol="0">
+                <a:spAutoFit/>
+              </a:bodyPr>
+              <a:lstStyle/>
+              <a:p>
+                <a14:m>
+                  <m:oMathPara xmlns:m="http://schemas.openxmlformats.org/officeDocument/2006/math">
+                    <m:oMathParaPr>
+                      <m:jc m:val="centerGroup"/>
+                    </m:oMathParaPr>
+                    <m:oMath xmlns:m="http://schemas.openxmlformats.org/officeDocument/2006/math">
+                      <m:r>
+                        <m:rPr>
+                          <m:sty m:val="p"/>
+                        </m:rPr>
+                        <a:rPr lang="de-DE">
+                          <a:latin typeface="Cambria Math" panose="02040503050406030204" pitchFamily="18" charset="0"/>
+                          <a:ea typeface="Cambria Math" panose="02040503050406030204" pitchFamily="18" charset="0"/>
+                        </a:rPr>
+                        <m:t>Stufe</m:t>
+                      </m:r>
+                      <m:r>
+                        <a:rPr lang="de-DE">
+                          <a:latin typeface="Cambria Math" panose="02040503050406030204" pitchFamily="18" charset="0"/>
+                          <a:ea typeface="Cambria Math" panose="02040503050406030204" pitchFamily="18" charset="0"/>
+                        </a:rPr>
+                        <m:t> </m:t>
+                      </m:r>
+                      <m:r>
+                        <m:rPr>
+                          <m:sty m:val="p"/>
+                        </m:rPr>
+                        <a:rPr lang="el-GR">
+                          <a:latin typeface="Cambria Math" panose="02040503050406030204" pitchFamily="18" charset="0"/>
+                          <a:ea typeface="Cambria Math" panose="02040503050406030204" pitchFamily="18" charset="0"/>
+                        </a:rPr>
+                        <m:t>Ι</m:t>
+                      </m:r>
+                    </m:oMath>
+                  </m:oMathPara>
+                </a14:m>
+                <a:endParaRPr lang="de-DE" dirty="0"/>
+              </a:p>
+            </p:txBody>
+          </p:sp>
+        </mc:Choice>
+        <mc:Fallback>
+          <p:sp>
+            <p:nvSpPr>
+              <p:cNvPr id="9" name="Textfeld 8">
+                <a:extLst>
+                  <a:ext uri="{FF2B5EF4-FFF2-40B4-BE49-F238E27FC236}">
+                    <a16:creationId xmlns:a16="http://schemas.microsoft.com/office/drawing/2014/main" id="{92CC893B-BE64-0541-9B64-A8E159BFC401}"/>
+                  </a:ext>
+                </a:extLst>
+              </p:cNvPr>
+              <p:cNvSpPr txBox="1">
+                <a:spLocks noRot="1" noChangeAspect="1" noMove="1" noResize="1" noEditPoints="1" noAdjustHandles="1" noChangeArrowheads="1" noChangeShapeType="1" noTextEdit="1"/>
+              </p:cNvSpPr>
+              <p:nvPr/>
+            </p:nvSpPr>
+            <p:spPr>
+              <a:xfrm>
+                <a:off x="389031" y="2712928"/>
+                <a:ext cx="679673" cy="276999"/>
+              </a:xfrm>
+              <a:prstGeom prst="rect">
+                <a:avLst/>
+              </a:prstGeom>
+              <a:blipFill>
+                <a:blip r:embed="rId7"/>
+                <a:stretch>
+                  <a:fillRect l="-7407" t="-8696" r="-7407" b="-34783"/>
+                </a:stretch>
+              </a:blipFill>
+            </p:spPr>
+            <p:txBody>
+              <a:bodyPr/>
+              <a:lstStyle/>
+              <a:p>
+                <a:r>
+                  <a:rPr lang="de-DE">
+                    <a:noFill/>
+                  </a:rPr>
+                  <a:t> </a:t>
+                </a:r>
+              </a:p>
+            </p:txBody>
+          </p:sp>
+        </mc:Fallback>
+      </mc:AlternateContent>
+      <mc:AlternateContent xmlns:mc="http://schemas.openxmlformats.org/markup-compatibility/2006">
+        <mc:Choice xmlns:a14="http://schemas.microsoft.com/office/drawing/2010/main" Requires="a14">
+          <p:sp>
+            <p:nvSpPr>
+              <p:cNvPr id="10" name="Textfeld 9">
+                <a:extLst>
+                  <a:ext uri="{FF2B5EF4-FFF2-40B4-BE49-F238E27FC236}">
+                    <a16:creationId xmlns:a16="http://schemas.microsoft.com/office/drawing/2014/main" id="{E427FDEE-257B-0943-B62A-B801B2BC3C5A}"/>
+                  </a:ext>
+                </a:extLst>
+              </p:cNvPr>
+              <p:cNvSpPr txBox="1"/>
+              <p:nvPr/>
+            </p:nvSpPr>
+            <p:spPr>
+              <a:xfrm>
+                <a:off x="254968" y="4101614"/>
+                <a:ext cx="755015" cy="276999"/>
+              </a:xfrm>
+              <a:prstGeom prst="rect">
+                <a:avLst/>
+              </a:prstGeom>
+              <a:noFill/>
+            </p:spPr>
+            <p:txBody>
+              <a:bodyPr wrap="none" lIns="0" tIns="0" rIns="0" bIns="0" rtlCol="0">
+                <a:spAutoFit/>
+              </a:bodyPr>
+              <a:lstStyle/>
+              <a:p>
+                <a14:m>
+                  <m:oMathPara xmlns:m="http://schemas.openxmlformats.org/officeDocument/2006/math">
+                    <m:oMathParaPr>
+                      <m:jc m:val="centerGroup"/>
+                    </m:oMathParaPr>
+                    <m:oMath xmlns:m="http://schemas.openxmlformats.org/officeDocument/2006/math">
+                      <m:r>
+                        <m:rPr>
+                          <m:sty m:val="p"/>
+                        </m:rPr>
+                        <a:rPr lang="de-DE">
+                          <a:latin typeface="Cambria Math" panose="02040503050406030204" pitchFamily="18" charset="0"/>
+                          <a:ea typeface="Cambria Math" panose="02040503050406030204" pitchFamily="18" charset="0"/>
+                        </a:rPr>
+                        <m:t>Stufe</m:t>
+                      </m:r>
+                      <m:r>
+                        <a:rPr lang="de-DE">
+                          <a:latin typeface="Cambria Math" panose="02040503050406030204" pitchFamily="18" charset="0"/>
+                          <a:ea typeface="Cambria Math" panose="02040503050406030204" pitchFamily="18" charset="0"/>
+                        </a:rPr>
+                        <m:t> </m:t>
+                      </m:r>
+                      <m:r>
+                        <m:rPr>
+                          <m:sty m:val="p"/>
+                        </m:rPr>
+                        <a:rPr lang="de-DE">
+                          <a:latin typeface="Cambria Math" panose="02040503050406030204" pitchFamily="18" charset="0"/>
+                          <a:ea typeface="Cambria Math" panose="02040503050406030204" pitchFamily="18" charset="0"/>
+                        </a:rPr>
+                        <m:t>I</m:t>
+                      </m:r>
+                      <m:r>
+                        <m:rPr>
+                          <m:sty m:val="p"/>
+                        </m:rPr>
+                        <a:rPr lang="el-GR">
+                          <a:latin typeface="Cambria Math" panose="02040503050406030204" pitchFamily="18" charset="0"/>
+                          <a:ea typeface="Cambria Math" panose="02040503050406030204" pitchFamily="18" charset="0"/>
+                        </a:rPr>
+                        <m:t>Ι</m:t>
+                      </m:r>
+                    </m:oMath>
+                  </m:oMathPara>
+                </a14:m>
+                <a:endParaRPr lang="de-DE" dirty="0"/>
+              </a:p>
+            </p:txBody>
+          </p:sp>
+        </mc:Choice>
+        <mc:Fallback>
+          <p:sp>
+            <p:nvSpPr>
+              <p:cNvPr id="10" name="Textfeld 9">
+                <a:extLst>
+                  <a:ext uri="{FF2B5EF4-FFF2-40B4-BE49-F238E27FC236}">
+                    <a16:creationId xmlns:a16="http://schemas.microsoft.com/office/drawing/2014/main" id="{E427FDEE-257B-0943-B62A-B801B2BC3C5A}"/>
+                  </a:ext>
+                </a:extLst>
+              </p:cNvPr>
+              <p:cNvSpPr txBox="1">
+                <a:spLocks noRot="1" noChangeAspect="1" noMove="1" noResize="1" noEditPoints="1" noAdjustHandles="1" noChangeArrowheads="1" noChangeShapeType="1" noTextEdit="1"/>
+              </p:cNvSpPr>
+              <p:nvPr/>
+            </p:nvSpPr>
+            <p:spPr>
+              <a:xfrm>
+                <a:off x="254968" y="4101614"/>
+                <a:ext cx="755015" cy="276999"/>
+              </a:xfrm>
+              <a:prstGeom prst="rect">
+                <a:avLst/>
+              </a:prstGeom>
+              <a:blipFill>
+                <a:blip r:embed="rId8"/>
+                <a:stretch>
+                  <a:fillRect l="-8333" t="-9091" r="-6667" b="-40909"/>
+                </a:stretch>
+              </a:blipFill>
+            </p:spPr>
+            <p:txBody>
+              <a:bodyPr/>
+              <a:lstStyle/>
+              <a:p>
+                <a:r>
+                  <a:rPr lang="de-DE">
+                    <a:noFill/>
+                  </a:rPr>
+                  <a:t> </a:t>
+                </a:r>
+              </a:p>
+            </p:txBody>
+          </p:sp>
+        </mc:Fallback>
+      </mc:AlternateContent>
     </p:spTree>
     <p:extLst>
       <p:ext uri="{BB962C8B-B14F-4D97-AF65-F5344CB8AC3E}">
@@ -23479,7 +22990,7 @@
           </p:nvPr>
         </p:nvGraphicFramePr>
         <p:xfrm>
-          <a:off x="2032000" y="719666"/>
+          <a:off x="2032000" y="350573"/>
           <a:ext cx="9491306" cy="5418667"/>
         </p:xfrm>
         <a:graphic>
@@ -23607,23 +23118,6 @@
         <a:font script="Viet" typeface="Times New Roman"/>
         <a:font script="Uigh" typeface="Microsoft Uighur"/>
         <a:font script="Geor" typeface="Sylfaen"/>
-        <a:font script="Armn" typeface="Arial"/>
-        <a:font script="Bugi" typeface="Leelawadee UI"/>
-        <a:font script="Bopo" typeface="Microsoft JhengHei"/>
-        <a:font script="Java" typeface="Javanese Text"/>
-        <a:font script="Lisu" typeface="Segoe UI"/>
-        <a:font script="Mymr" typeface="Myanmar Text"/>
-        <a:font script="Nkoo" typeface="Ebrima"/>
-        <a:font script="Olck" typeface="Nirmala UI"/>
-        <a:font script="Osma" typeface="Ebrima"/>
-        <a:font script="Phag" typeface="Phagspa"/>
-        <a:font script="Syrn" typeface="Estrangelo Edessa"/>
-        <a:font script="Syrj" typeface="Estrangelo Edessa"/>
-        <a:font script="Syre" typeface="Estrangelo Edessa"/>
-        <a:font script="Sora" typeface="Nirmala UI"/>
-        <a:font script="Tale" typeface="Microsoft Tai Le"/>
-        <a:font script="Talu" typeface="Microsoft New Tai Lue"/>
-        <a:font script="Tfng" typeface="Ebrima"/>
       </a:majorFont>
       <a:minorFont>
         <a:latin typeface="Calibri" panose="020F0502020204030204"/>
@@ -23659,23 +23153,6 @@
         <a:font script="Viet" typeface="Arial"/>
         <a:font script="Uigh" typeface="Microsoft Uighur"/>
         <a:font script="Geor" typeface="Sylfaen"/>
-        <a:font script="Armn" typeface="Arial"/>
-        <a:font script="Bugi" typeface="Leelawadee UI"/>
-        <a:font script="Bopo" typeface="Microsoft JhengHei"/>
-        <a:font script="Java" typeface="Javanese Text"/>
-        <a:font script="Lisu" typeface="Segoe UI"/>
-        <a:font script="Mymr" typeface="Myanmar Text"/>
-        <a:font script="Nkoo" typeface="Ebrima"/>
-        <a:font script="Olck" typeface="Nirmala UI"/>
-        <a:font script="Osma" typeface="Ebrima"/>
-        <a:font script="Phag" typeface="Phagspa"/>
-        <a:font script="Syrn" typeface="Estrangelo Edessa"/>
-        <a:font script="Syrj" typeface="Estrangelo Edessa"/>
-        <a:font script="Syre" typeface="Estrangelo Edessa"/>
-        <a:font script="Sora" typeface="Nirmala UI"/>
-        <a:font script="Tale" typeface="Microsoft Tai Le"/>
-        <a:font script="Talu" typeface="Microsoft New Tai Lue"/>
-        <a:font script="Tfng" typeface="Ebrima"/>
       </a:minorFont>
     </a:fontScheme>
     <a:fmtScheme name="Office">
